--- a/Img/PPT_Img.pptx
+++ b/Img/PPT_Img.pptx
@@ -6,16 +6,20 @@
     <p:sldMasterId id="2147483798" r:id="rId2"/>
   </p:sldMasterIdLst>
   <p:notesMasterIdLst>
-    <p:notesMasterId r:id="rId7"/>
+    <p:notesMasterId r:id="rId11"/>
   </p:notesMasterIdLst>
   <p:handoutMasterIdLst>
-    <p:handoutMasterId r:id="rId8"/>
+    <p:handoutMasterId r:id="rId12"/>
   </p:handoutMasterIdLst>
   <p:sldIdLst>
     <p:sldId id="270" r:id="rId3"/>
     <p:sldId id="271" r:id="rId4"/>
-    <p:sldId id="272" r:id="rId5"/>
-    <p:sldId id="273" r:id="rId6"/>
+    <p:sldId id="276" r:id="rId5"/>
+    <p:sldId id="274" r:id="rId6"/>
+    <p:sldId id="275" r:id="rId7"/>
+    <p:sldId id="277" r:id="rId8"/>
+    <p:sldId id="272" r:id="rId9"/>
+    <p:sldId id="273" r:id="rId10"/>
   </p:sldIdLst>
   <p:sldSz cx="9144000" cy="6858000" type="screen4x3"/>
   <p:notesSz cx="6858000" cy="9926638"/>
@@ -221,7 +225,7 @@
           <a:p>
             <a:fld id="{725754AF-5F40-4290-A5E6-F7371FBF8A43}" type="datetimeFigureOut">
               <a:rPr lang="de-DE" smtClean="0"/>
-              <a:t>16.06.17</a:t>
+              <a:t>30.06.17</a:t>
             </a:fld>
             <a:endParaRPr lang="de-DE"/>
           </a:p>
@@ -386,7 +390,7 @@
           <a:p>
             <a:fld id="{19203FC5-73F5-4E8B-9BB2-2070F96A2E21}" type="datetimeFigureOut">
               <a:rPr lang="de-DE" smtClean="0"/>
-              <a:t>16.06.17</a:t>
+              <a:t>30.06.17</a:t>
             </a:fld>
             <a:endParaRPr lang="de-DE"/>
           </a:p>
@@ -822,6 +826,342 @@
     <p:extLst>
       <p:ext uri="{BB962C8B-B14F-4D97-AF65-F5344CB8AC3E}">
         <p14:creationId xmlns:p14="http://schemas.microsoft.com/office/powerpoint/2010/main" val="1866880790"/>
+      </p:ext>
+    </p:extLst>
+  </p:cSld>
+  <p:clrMapOvr>
+    <a:masterClrMapping/>
+  </p:clrMapOvr>
+</p:notes>
+</file>
+
+<file path=ppt/notesSlides/notesSlide3.xml><?xml version="1.0" encoding="utf-8"?>
+<p:notes xmlns:a="http://schemas.openxmlformats.org/drawingml/2006/main" xmlns:r="http://schemas.openxmlformats.org/officeDocument/2006/relationships" xmlns:p="http://schemas.openxmlformats.org/presentationml/2006/main">
+  <p:cSld>
+    <p:spTree>
+      <p:nvGrpSpPr>
+        <p:cNvPr id="1" name=""/>
+        <p:cNvGrpSpPr/>
+        <p:nvPr/>
+      </p:nvGrpSpPr>
+      <p:grpSpPr>
+        <a:xfrm>
+          <a:off x="0" y="0"/>
+          <a:ext cx="0" cy="0"/>
+          <a:chOff x="0" y="0"/>
+          <a:chExt cx="0" cy="0"/>
+        </a:xfrm>
+      </p:grpSpPr>
+      <p:sp>
+        <p:nvSpPr>
+          <p:cNvPr id="2" name="Folienbildplatzhalter 1"/>
+          <p:cNvSpPr>
+            <a:spLocks noGrp="1" noRot="1" noChangeAspect="1"/>
+          </p:cNvSpPr>
+          <p:nvPr>
+            <p:ph type="sldImg"/>
+          </p:nvPr>
+        </p:nvSpPr>
+        <p:spPr/>
+      </p:sp>
+      <p:sp>
+        <p:nvSpPr>
+          <p:cNvPr id="3" name="Notizenplatzhalter 2"/>
+          <p:cNvSpPr>
+            <a:spLocks noGrp="1"/>
+          </p:cNvSpPr>
+          <p:nvPr>
+            <p:ph type="body" idx="1"/>
+          </p:nvPr>
+        </p:nvSpPr>
+        <p:spPr/>
+        <p:txBody>
+          <a:bodyPr/>
+          <a:lstStyle/>
+          <a:p>
+            <a:endParaRPr lang="de-DE" dirty="0"/>
+          </a:p>
+        </p:txBody>
+      </p:sp>
+      <p:sp>
+        <p:nvSpPr>
+          <p:cNvPr id="4" name="Foliennummernplatzhalter 3"/>
+          <p:cNvSpPr>
+            <a:spLocks noGrp="1"/>
+          </p:cNvSpPr>
+          <p:nvPr>
+            <p:ph type="sldNum" sz="quarter" idx="10"/>
+          </p:nvPr>
+        </p:nvSpPr>
+        <p:spPr/>
+        <p:txBody>
+          <a:bodyPr/>
+          <a:lstStyle/>
+          <a:p>
+            <a:fld id="{1CB78532-D5A3-4B4C-B84A-4C4DE49C8E3F}" type="slidenum">
+              <a:rPr lang="de-DE" smtClean="0"/>
+              <a:t>3</a:t>
+            </a:fld>
+            <a:endParaRPr lang="de-DE"/>
+          </a:p>
+        </p:txBody>
+      </p:sp>
+    </p:spTree>
+    <p:extLst>
+      <p:ext uri="{BB962C8B-B14F-4D97-AF65-F5344CB8AC3E}">
+        <p14:creationId xmlns:p14="http://schemas.microsoft.com/office/powerpoint/2010/main" val="986480675"/>
+      </p:ext>
+    </p:extLst>
+  </p:cSld>
+  <p:clrMapOvr>
+    <a:masterClrMapping/>
+  </p:clrMapOvr>
+</p:notes>
+</file>
+
+<file path=ppt/notesSlides/notesSlide4.xml><?xml version="1.0" encoding="utf-8"?>
+<p:notes xmlns:a="http://schemas.openxmlformats.org/drawingml/2006/main" xmlns:r="http://schemas.openxmlformats.org/officeDocument/2006/relationships" xmlns:p="http://schemas.openxmlformats.org/presentationml/2006/main">
+  <p:cSld>
+    <p:spTree>
+      <p:nvGrpSpPr>
+        <p:cNvPr id="1" name=""/>
+        <p:cNvGrpSpPr/>
+        <p:nvPr/>
+      </p:nvGrpSpPr>
+      <p:grpSpPr>
+        <a:xfrm>
+          <a:off x="0" y="0"/>
+          <a:ext cx="0" cy="0"/>
+          <a:chOff x="0" y="0"/>
+          <a:chExt cx="0" cy="0"/>
+        </a:xfrm>
+      </p:grpSpPr>
+      <p:sp>
+        <p:nvSpPr>
+          <p:cNvPr id="2" name="Folienbildplatzhalter 1"/>
+          <p:cNvSpPr>
+            <a:spLocks noGrp="1" noRot="1" noChangeAspect="1"/>
+          </p:cNvSpPr>
+          <p:nvPr>
+            <p:ph type="sldImg"/>
+          </p:nvPr>
+        </p:nvSpPr>
+        <p:spPr/>
+      </p:sp>
+      <p:sp>
+        <p:nvSpPr>
+          <p:cNvPr id="3" name="Notizenplatzhalter 2"/>
+          <p:cNvSpPr>
+            <a:spLocks noGrp="1"/>
+          </p:cNvSpPr>
+          <p:nvPr>
+            <p:ph type="body" idx="1"/>
+          </p:nvPr>
+        </p:nvSpPr>
+        <p:spPr/>
+        <p:txBody>
+          <a:bodyPr/>
+          <a:lstStyle/>
+          <a:p>
+            <a:endParaRPr lang="de-DE" dirty="0"/>
+          </a:p>
+        </p:txBody>
+      </p:sp>
+      <p:sp>
+        <p:nvSpPr>
+          <p:cNvPr id="4" name="Foliennummernplatzhalter 3"/>
+          <p:cNvSpPr>
+            <a:spLocks noGrp="1"/>
+          </p:cNvSpPr>
+          <p:nvPr>
+            <p:ph type="sldNum" sz="quarter" idx="10"/>
+          </p:nvPr>
+        </p:nvSpPr>
+        <p:spPr/>
+        <p:txBody>
+          <a:bodyPr/>
+          <a:lstStyle/>
+          <a:p>
+            <a:fld id="{1CB78532-D5A3-4B4C-B84A-4C4DE49C8E3F}" type="slidenum">
+              <a:rPr lang="de-DE" smtClean="0"/>
+              <a:t>4</a:t>
+            </a:fld>
+            <a:endParaRPr lang="de-DE"/>
+          </a:p>
+        </p:txBody>
+      </p:sp>
+    </p:spTree>
+    <p:extLst>
+      <p:ext uri="{BB962C8B-B14F-4D97-AF65-F5344CB8AC3E}">
+        <p14:creationId xmlns:p14="http://schemas.microsoft.com/office/powerpoint/2010/main" val="1859211088"/>
+      </p:ext>
+    </p:extLst>
+  </p:cSld>
+  <p:clrMapOvr>
+    <a:masterClrMapping/>
+  </p:clrMapOvr>
+</p:notes>
+</file>
+
+<file path=ppt/notesSlides/notesSlide5.xml><?xml version="1.0" encoding="utf-8"?>
+<p:notes xmlns:a="http://schemas.openxmlformats.org/drawingml/2006/main" xmlns:r="http://schemas.openxmlformats.org/officeDocument/2006/relationships" xmlns:p="http://schemas.openxmlformats.org/presentationml/2006/main">
+  <p:cSld>
+    <p:spTree>
+      <p:nvGrpSpPr>
+        <p:cNvPr id="1" name=""/>
+        <p:cNvGrpSpPr/>
+        <p:nvPr/>
+      </p:nvGrpSpPr>
+      <p:grpSpPr>
+        <a:xfrm>
+          <a:off x="0" y="0"/>
+          <a:ext cx="0" cy="0"/>
+          <a:chOff x="0" y="0"/>
+          <a:chExt cx="0" cy="0"/>
+        </a:xfrm>
+      </p:grpSpPr>
+      <p:sp>
+        <p:nvSpPr>
+          <p:cNvPr id="2" name="Folienbildplatzhalter 1"/>
+          <p:cNvSpPr>
+            <a:spLocks noGrp="1" noRot="1" noChangeAspect="1"/>
+          </p:cNvSpPr>
+          <p:nvPr>
+            <p:ph type="sldImg"/>
+          </p:nvPr>
+        </p:nvSpPr>
+        <p:spPr/>
+      </p:sp>
+      <p:sp>
+        <p:nvSpPr>
+          <p:cNvPr id="3" name="Notizenplatzhalter 2"/>
+          <p:cNvSpPr>
+            <a:spLocks noGrp="1"/>
+          </p:cNvSpPr>
+          <p:nvPr>
+            <p:ph type="body" idx="1"/>
+          </p:nvPr>
+        </p:nvSpPr>
+        <p:spPr/>
+        <p:txBody>
+          <a:bodyPr/>
+          <a:lstStyle/>
+          <a:p>
+            <a:endParaRPr lang="de-DE" dirty="0"/>
+          </a:p>
+        </p:txBody>
+      </p:sp>
+      <p:sp>
+        <p:nvSpPr>
+          <p:cNvPr id="4" name="Foliennummernplatzhalter 3"/>
+          <p:cNvSpPr>
+            <a:spLocks noGrp="1"/>
+          </p:cNvSpPr>
+          <p:nvPr>
+            <p:ph type="sldNum" sz="quarter" idx="10"/>
+          </p:nvPr>
+        </p:nvSpPr>
+        <p:spPr/>
+        <p:txBody>
+          <a:bodyPr/>
+          <a:lstStyle/>
+          <a:p>
+            <a:fld id="{1CB78532-D5A3-4B4C-B84A-4C4DE49C8E3F}" type="slidenum">
+              <a:rPr lang="de-DE" smtClean="0"/>
+              <a:t>5</a:t>
+            </a:fld>
+            <a:endParaRPr lang="de-DE"/>
+          </a:p>
+        </p:txBody>
+      </p:sp>
+    </p:spTree>
+    <p:extLst>
+      <p:ext uri="{BB962C8B-B14F-4D97-AF65-F5344CB8AC3E}">
+        <p14:creationId xmlns:p14="http://schemas.microsoft.com/office/powerpoint/2010/main" val="1562870164"/>
+      </p:ext>
+    </p:extLst>
+  </p:cSld>
+  <p:clrMapOvr>
+    <a:masterClrMapping/>
+  </p:clrMapOvr>
+</p:notes>
+</file>
+
+<file path=ppt/notesSlides/notesSlide6.xml><?xml version="1.0" encoding="utf-8"?>
+<p:notes xmlns:a="http://schemas.openxmlformats.org/drawingml/2006/main" xmlns:r="http://schemas.openxmlformats.org/officeDocument/2006/relationships" xmlns:p="http://schemas.openxmlformats.org/presentationml/2006/main">
+  <p:cSld>
+    <p:spTree>
+      <p:nvGrpSpPr>
+        <p:cNvPr id="1" name=""/>
+        <p:cNvGrpSpPr/>
+        <p:nvPr/>
+      </p:nvGrpSpPr>
+      <p:grpSpPr>
+        <a:xfrm>
+          <a:off x="0" y="0"/>
+          <a:ext cx="0" cy="0"/>
+          <a:chOff x="0" y="0"/>
+          <a:chExt cx="0" cy="0"/>
+        </a:xfrm>
+      </p:grpSpPr>
+      <p:sp>
+        <p:nvSpPr>
+          <p:cNvPr id="2" name="Folienbildplatzhalter 1"/>
+          <p:cNvSpPr>
+            <a:spLocks noGrp="1" noRot="1" noChangeAspect="1"/>
+          </p:cNvSpPr>
+          <p:nvPr>
+            <p:ph type="sldImg"/>
+          </p:nvPr>
+        </p:nvSpPr>
+        <p:spPr/>
+      </p:sp>
+      <p:sp>
+        <p:nvSpPr>
+          <p:cNvPr id="3" name="Notizenplatzhalter 2"/>
+          <p:cNvSpPr>
+            <a:spLocks noGrp="1"/>
+          </p:cNvSpPr>
+          <p:nvPr>
+            <p:ph type="body" idx="1"/>
+          </p:nvPr>
+        </p:nvSpPr>
+        <p:spPr/>
+        <p:txBody>
+          <a:bodyPr/>
+          <a:lstStyle/>
+          <a:p>
+            <a:endParaRPr lang="de-DE" dirty="0"/>
+          </a:p>
+        </p:txBody>
+      </p:sp>
+      <p:sp>
+        <p:nvSpPr>
+          <p:cNvPr id="4" name="Foliennummernplatzhalter 3"/>
+          <p:cNvSpPr>
+            <a:spLocks noGrp="1"/>
+          </p:cNvSpPr>
+          <p:nvPr>
+            <p:ph type="sldNum" sz="quarter" idx="10"/>
+          </p:nvPr>
+        </p:nvSpPr>
+        <p:spPr/>
+        <p:txBody>
+          <a:bodyPr/>
+          <a:lstStyle/>
+          <a:p>
+            <a:fld id="{1CB78532-D5A3-4B4C-B84A-4C4DE49C8E3F}" type="slidenum">
+              <a:rPr lang="de-DE" smtClean="0"/>
+              <a:t>6</a:t>
+            </a:fld>
+            <a:endParaRPr lang="de-DE"/>
+          </a:p>
+        </p:txBody>
+      </p:sp>
+    </p:spTree>
+    <p:extLst>
+      <p:ext uri="{BB962C8B-B14F-4D97-AF65-F5344CB8AC3E}">
+        <p14:creationId xmlns:p14="http://schemas.microsoft.com/office/powerpoint/2010/main" val="1996834258"/>
       </p:ext>
     </p:extLst>
   </p:cSld>
@@ -6208,7 +6548,7 @@
         </p:blipFill>
         <p:spPr>
           <a:xfrm rot="64950">
-            <a:off x="5167930" y="3525355"/>
+            <a:off x="4951906" y="3525355"/>
             <a:ext cx="408042" cy="442102"/>
           </a:xfrm>
           <a:prstGeom prst="rect">
@@ -6507,8 +6847,68 @@
         </p:blipFill>
         <p:spPr>
           <a:xfrm>
-            <a:off x="6540817" y="3728919"/>
+            <a:off x="5364088" y="3736383"/>
             <a:ext cx="437400" cy="484705"/>
+          </a:xfrm>
+          <a:prstGeom prst="rect">
+            <a:avLst/>
+          </a:prstGeom>
+        </p:spPr>
+      </p:pic>
+      <p:pic>
+        <p:nvPicPr>
+          <p:cNvPr id="32" name="Bild 31"/>
+          <p:cNvPicPr>
+            <a:picLocks noChangeAspect="1"/>
+          </p:cNvPicPr>
+          <p:nvPr/>
+        </p:nvPicPr>
+        <p:blipFill>
+          <a:blip r:embed="rId22">
+            <a:extLst>
+              <a:ext uri="{28A0092B-C50C-407E-A947-70E740481C1C}">
+                <a14:useLocalDpi xmlns:a14="http://schemas.microsoft.com/office/drawing/2010/main" val="0"/>
+              </a:ext>
+            </a:extLst>
+          </a:blip>
+          <a:stretch>
+            <a:fillRect/>
+          </a:stretch>
+        </p:blipFill>
+        <p:spPr>
+          <a:xfrm>
+            <a:off x="8004018" y="2176404"/>
+            <a:ext cx="415666" cy="415666"/>
+          </a:xfrm>
+          <a:prstGeom prst="rect">
+            <a:avLst/>
+          </a:prstGeom>
+        </p:spPr>
+      </p:pic>
+      <p:pic>
+        <p:nvPicPr>
+          <p:cNvPr id="36" name="Bild 35"/>
+          <p:cNvPicPr>
+            <a:picLocks noChangeAspect="1"/>
+          </p:cNvPicPr>
+          <p:nvPr/>
+        </p:nvPicPr>
+        <p:blipFill>
+          <a:blip r:embed="rId21">
+            <a:extLst>
+              <a:ext uri="{28A0092B-C50C-407E-A947-70E740481C1C}">
+                <a14:useLocalDpi xmlns:a14="http://schemas.microsoft.com/office/drawing/2010/main" val="0"/>
+              </a:ext>
+            </a:extLst>
+          </a:blip>
+          <a:stretch>
+            <a:fillRect/>
+          </a:stretch>
+        </p:blipFill>
+        <p:spPr>
+          <a:xfrm>
+            <a:off x="3830377" y="2903401"/>
+            <a:ext cx="453591" cy="453591"/>
           </a:xfrm>
           <a:prstGeom prst="rect">
             <a:avLst/>
@@ -6545,6 +6945,6031 @@
           <a:chExt cx="0" cy="0"/>
         </a:xfrm>
       </p:grpSpPr>
+      <p:cxnSp>
+        <p:nvCxnSpPr>
+          <p:cNvPr id="6" name="Gerade Verbindung mit Pfeil 5"/>
+          <p:cNvCxnSpPr/>
+          <p:nvPr/>
+        </p:nvCxnSpPr>
+        <p:spPr>
+          <a:xfrm>
+            <a:off x="467544" y="5301208"/>
+            <a:ext cx="8388424" cy="0"/>
+          </a:xfrm>
+          <a:prstGeom prst="straightConnector1">
+            <a:avLst/>
+          </a:prstGeom>
+          <a:ln w="41275" cap="rnd">
+            <a:solidFill>
+              <a:srgbClr val="A51E37"/>
+            </a:solidFill>
+            <a:tailEnd type="triangle" w="med" len="lg"/>
+          </a:ln>
+        </p:spPr>
+        <p:style>
+          <a:lnRef idx="1">
+            <a:schemeClr val="accent1"/>
+          </a:lnRef>
+          <a:fillRef idx="0">
+            <a:schemeClr val="accent1"/>
+          </a:fillRef>
+          <a:effectRef idx="0">
+            <a:schemeClr val="accent1"/>
+          </a:effectRef>
+          <a:fontRef idx="minor">
+            <a:schemeClr val="tx1"/>
+          </a:fontRef>
+        </p:style>
+      </p:cxnSp>
+      <p:cxnSp>
+        <p:nvCxnSpPr>
+          <p:cNvPr id="8" name="Gerade Verbindung mit Pfeil 7"/>
+          <p:cNvCxnSpPr/>
+          <p:nvPr/>
+        </p:nvCxnSpPr>
+        <p:spPr>
+          <a:xfrm flipH="1" flipV="1">
+            <a:off x="611560" y="2204864"/>
+            <a:ext cx="8384" cy="3248744"/>
+          </a:xfrm>
+          <a:prstGeom prst="straightConnector1">
+            <a:avLst/>
+          </a:prstGeom>
+          <a:ln w="41275" cap="rnd">
+            <a:solidFill>
+              <a:srgbClr val="A51E37"/>
+            </a:solidFill>
+            <a:tailEnd type="triangle" w="med" len="lg"/>
+          </a:ln>
+        </p:spPr>
+        <p:style>
+          <a:lnRef idx="1">
+            <a:schemeClr val="accent1"/>
+          </a:lnRef>
+          <a:fillRef idx="0">
+            <a:schemeClr val="accent1"/>
+          </a:fillRef>
+          <a:effectRef idx="0">
+            <a:schemeClr val="accent1"/>
+          </a:effectRef>
+          <a:fontRef idx="minor">
+            <a:schemeClr val="tx1"/>
+          </a:fontRef>
+        </p:style>
+      </p:cxnSp>
+      <p:pic>
+        <p:nvPicPr>
+          <p:cNvPr id="14" name="Bild 13"/>
+          <p:cNvPicPr>
+            <a:picLocks noChangeAspect="1"/>
+          </p:cNvPicPr>
+          <p:nvPr/>
+        </p:nvPicPr>
+        <p:blipFill>
+          <a:blip r:embed="rId3">
+            <a:extLst>
+              <a:ext uri="{28A0092B-C50C-407E-A947-70E740481C1C}">
+                <a14:useLocalDpi xmlns:a14="http://schemas.microsoft.com/office/drawing/2010/main" val="0"/>
+              </a:ext>
+            </a:extLst>
+          </a:blip>
+          <a:stretch>
+            <a:fillRect/>
+          </a:stretch>
+        </p:blipFill>
+        <p:spPr>
+          <a:xfrm>
+            <a:off x="971600" y="4581128"/>
+            <a:ext cx="523710" cy="405803"/>
+          </a:xfrm>
+          <a:prstGeom prst="rect">
+            <a:avLst/>
+          </a:prstGeom>
+        </p:spPr>
+      </p:pic>
+      <p:pic>
+        <p:nvPicPr>
+          <p:cNvPr id="15" name="Bild 14"/>
+          <p:cNvPicPr>
+            <a:picLocks noChangeAspect="1"/>
+          </p:cNvPicPr>
+          <p:nvPr/>
+        </p:nvPicPr>
+        <p:blipFill>
+          <a:blip r:embed="rId4">
+            <a:extLst>
+              <a:ext uri="{28A0092B-C50C-407E-A947-70E740481C1C}">
+                <a14:useLocalDpi xmlns:a14="http://schemas.microsoft.com/office/drawing/2010/main" val="0"/>
+              </a:ext>
+            </a:extLst>
+          </a:blip>
+          <a:stretch>
+            <a:fillRect/>
+          </a:stretch>
+        </p:blipFill>
+        <p:spPr>
+          <a:xfrm>
+            <a:off x="1509390" y="4581128"/>
+            <a:ext cx="427471" cy="462040"/>
+          </a:xfrm>
+          <a:prstGeom prst="rect">
+            <a:avLst/>
+          </a:prstGeom>
+        </p:spPr>
+      </p:pic>
+      <p:pic>
+        <p:nvPicPr>
+          <p:cNvPr id="17" name="Bild 16"/>
+          <p:cNvPicPr>
+            <a:picLocks noChangeAspect="1"/>
+          </p:cNvPicPr>
+          <p:nvPr/>
+        </p:nvPicPr>
+        <p:blipFill>
+          <a:blip r:embed="rId5">
+            <a:extLst>
+              <a:ext uri="{28A0092B-C50C-407E-A947-70E740481C1C}">
+                <a14:useLocalDpi xmlns:a14="http://schemas.microsoft.com/office/drawing/2010/main" val="0"/>
+              </a:ext>
+            </a:extLst>
+          </a:blip>
+          <a:stretch>
+            <a:fillRect/>
+          </a:stretch>
+        </p:blipFill>
+        <p:spPr>
+          <a:xfrm>
+            <a:off x="6588678" y="5388151"/>
+            <a:ext cx="325488" cy="454670"/>
+          </a:xfrm>
+          <a:prstGeom prst="rect">
+            <a:avLst/>
+          </a:prstGeom>
+        </p:spPr>
+      </p:pic>
+      <p:pic>
+        <p:nvPicPr>
+          <p:cNvPr id="18" name="Bild 17"/>
+          <p:cNvPicPr>
+            <a:picLocks noChangeAspect="1"/>
+          </p:cNvPicPr>
+          <p:nvPr/>
+        </p:nvPicPr>
+        <p:blipFill>
+          <a:blip r:embed="rId6">
+            <a:extLst>
+              <a:ext uri="{28A0092B-C50C-407E-A947-70E740481C1C}">
+                <a14:useLocalDpi xmlns:a14="http://schemas.microsoft.com/office/drawing/2010/main" val="0"/>
+              </a:ext>
+            </a:extLst>
+          </a:blip>
+          <a:stretch>
+            <a:fillRect/>
+          </a:stretch>
+        </p:blipFill>
+        <p:spPr>
+          <a:xfrm>
+            <a:off x="2472064" y="5453760"/>
+            <a:ext cx="437399" cy="439448"/>
+          </a:xfrm>
+          <a:prstGeom prst="rect">
+            <a:avLst/>
+          </a:prstGeom>
+        </p:spPr>
+      </p:pic>
+      <p:pic>
+        <p:nvPicPr>
+          <p:cNvPr id="19" name="Bild 18"/>
+          <p:cNvPicPr>
+            <a:picLocks noChangeAspect="1"/>
+          </p:cNvPicPr>
+          <p:nvPr/>
+        </p:nvPicPr>
+        <p:blipFill>
+          <a:blip r:embed="rId7">
+            <a:extLst>
+              <a:ext uri="{28A0092B-C50C-407E-A947-70E740481C1C}">
+                <a14:useLocalDpi xmlns:a14="http://schemas.microsoft.com/office/drawing/2010/main" val="0"/>
+              </a:ext>
+            </a:extLst>
+          </a:blip>
+          <a:stretch>
+            <a:fillRect/>
+          </a:stretch>
+        </p:blipFill>
+        <p:spPr>
+          <a:xfrm>
+            <a:off x="5126521" y="5441212"/>
+            <a:ext cx="519707" cy="434857"/>
+          </a:xfrm>
+          <a:prstGeom prst="rect">
+            <a:avLst/>
+          </a:prstGeom>
+        </p:spPr>
+      </p:pic>
+      <p:pic>
+        <p:nvPicPr>
+          <p:cNvPr id="20" name="Bild 19"/>
+          <p:cNvPicPr>
+            <a:picLocks noChangeAspect="1"/>
+          </p:cNvPicPr>
+          <p:nvPr/>
+        </p:nvPicPr>
+        <p:blipFill>
+          <a:blip r:embed="rId8">
+            <a:extLst>
+              <a:ext uri="{28A0092B-C50C-407E-A947-70E740481C1C}">
+                <a14:useLocalDpi xmlns:a14="http://schemas.microsoft.com/office/drawing/2010/main" val="0"/>
+              </a:ext>
+            </a:extLst>
+          </a:blip>
+          <a:stretch>
+            <a:fillRect/>
+          </a:stretch>
+        </p:blipFill>
+        <p:spPr>
+          <a:xfrm>
+            <a:off x="3851913" y="5407139"/>
+            <a:ext cx="524328" cy="524328"/>
+          </a:xfrm>
+          <a:prstGeom prst="rect">
+            <a:avLst/>
+          </a:prstGeom>
+        </p:spPr>
+      </p:pic>
+      <p:pic>
+        <p:nvPicPr>
+          <p:cNvPr id="21" name="Bild 20"/>
+          <p:cNvPicPr>
+            <a:picLocks noChangeAspect="1"/>
+          </p:cNvPicPr>
+          <p:nvPr/>
+        </p:nvPicPr>
+        <p:blipFill>
+          <a:blip r:embed="rId9">
+            <a:extLst>
+              <a:ext uri="{28A0092B-C50C-407E-A947-70E740481C1C}">
+                <a14:useLocalDpi xmlns:a14="http://schemas.microsoft.com/office/drawing/2010/main" val="0"/>
+              </a:ext>
+            </a:extLst>
+          </a:blip>
+          <a:stretch>
+            <a:fillRect/>
+          </a:stretch>
+        </p:blipFill>
+        <p:spPr>
+          <a:xfrm>
+            <a:off x="7596336" y="5397016"/>
+            <a:ext cx="615515" cy="436940"/>
+          </a:xfrm>
+          <a:prstGeom prst="rect">
+            <a:avLst/>
+          </a:prstGeom>
+        </p:spPr>
+      </p:pic>
+      <p:pic>
+        <p:nvPicPr>
+          <p:cNvPr id="22" name="Bild 21"/>
+          <p:cNvPicPr>
+            <a:picLocks noChangeAspect="1"/>
+          </p:cNvPicPr>
+          <p:nvPr/>
+        </p:nvPicPr>
+        <p:blipFill>
+          <a:blip r:embed="rId10">
+            <a:extLst>
+              <a:ext uri="{28A0092B-C50C-407E-A947-70E740481C1C}">
+                <a14:useLocalDpi xmlns:a14="http://schemas.microsoft.com/office/drawing/2010/main" val="0"/>
+              </a:ext>
+            </a:extLst>
+          </a:blip>
+          <a:stretch>
+            <a:fillRect/>
+          </a:stretch>
+        </p:blipFill>
+        <p:spPr>
+          <a:xfrm>
+            <a:off x="1108686" y="5438917"/>
+            <a:ext cx="428247" cy="460772"/>
+          </a:xfrm>
+          <a:prstGeom prst="rect">
+            <a:avLst/>
+          </a:prstGeom>
+        </p:spPr>
+      </p:pic>
+      <p:pic>
+        <p:nvPicPr>
+          <p:cNvPr id="23" name="Bild 22"/>
+          <p:cNvPicPr>
+            <a:picLocks noChangeAspect="1"/>
+          </p:cNvPicPr>
+          <p:nvPr/>
+        </p:nvPicPr>
+        <p:blipFill>
+          <a:blip r:embed="rId11">
+            <a:extLst>
+              <a:ext uri="{28A0092B-C50C-407E-A947-70E740481C1C}">
+                <a14:useLocalDpi xmlns:a14="http://schemas.microsoft.com/office/drawing/2010/main" val="0"/>
+              </a:ext>
+            </a:extLst>
+          </a:blip>
+          <a:stretch>
+            <a:fillRect/>
+          </a:stretch>
+        </p:blipFill>
+        <p:spPr>
+          <a:xfrm>
+            <a:off x="2472063" y="3736383"/>
+            <a:ext cx="437400" cy="484705"/>
+          </a:xfrm>
+          <a:prstGeom prst="rect">
+            <a:avLst/>
+          </a:prstGeom>
+        </p:spPr>
+      </p:pic>
+      <p:pic>
+        <p:nvPicPr>
+          <p:cNvPr id="24" name="Bild 23"/>
+          <p:cNvPicPr>
+            <a:picLocks noChangeAspect="1"/>
+          </p:cNvPicPr>
+          <p:nvPr/>
+        </p:nvPicPr>
+        <p:blipFill>
+          <a:blip r:embed="rId12">
+            <a:extLst>
+              <a:ext uri="{28A0092B-C50C-407E-A947-70E740481C1C}">
+                <a14:useLocalDpi xmlns:a14="http://schemas.microsoft.com/office/drawing/2010/main" val="0"/>
+              </a:ext>
+            </a:extLst>
+          </a:blip>
+          <a:stretch>
+            <a:fillRect/>
+          </a:stretch>
+        </p:blipFill>
+        <p:spPr>
+          <a:xfrm rot="21550500">
+            <a:off x="2475360" y="4584442"/>
+            <a:ext cx="409062" cy="460811"/>
+          </a:xfrm>
+          <a:prstGeom prst="rect">
+            <a:avLst/>
+          </a:prstGeom>
+        </p:spPr>
+      </p:pic>
+      <p:pic>
+        <p:nvPicPr>
+          <p:cNvPr id="25" name="Bild 24"/>
+          <p:cNvPicPr>
+            <a:picLocks noChangeAspect="1"/>
+          </p:cNvPicPr>
+          <p:nvPr/>
+        </p:nvPicPr>
+        <p:blipFill>
+          <a:blip r:embed="rId13">
+            <a:extLst>
+              <a:ext uri="{28A0092B-C50C-407E-A947-70E740481C1C}">
+                <a14:useLocalDpi xmlns:a14="http://schemas.microsoft.com/office/drawing/2010/main" val="0"/>
+              </a:ext>
+            </a:extLst>
+          </a:blip>
+          <a:stretch>
+            <a:fillRect/>
+          </a:stretch>
+        </p:blipFill>
+        <p:spPr>
+          <a:xfrm>
+            <a:off x="3851913" y="4113338"/>
+            <a:ext cx="416322" cy="432817"/>
+          </a:xfrm>
+          <a:prstGeom prst="rect">
+            <a:avLst/>
+          </a:prstGeom>
+        </p:spPr>
+      </p:pic>
+      <p:pic>
+        <p:nvPicPr>
+          <p:cNvPr id="26" name="Bild 25"/>
+          <p:cNvPicPr>
+            <a:picLocks noChangeAspect="1"/>
+          </p:cNvPicPr>
+          <p:nvPr/>
+        </p:nvPicPr>
+        <p:blipFill>
+          <a:blip r:embed="rId14">
+            <a:extLst>
+              <a:ext uri="{28A0092B-C50C-407E-A947-70E740481C1C}">
+                <a14:useLocalDpi xmlns:a14="http://schemas.microsoft.com/office/drawing/2010/main" val="0"/>
+              </a:ext>
+            </a:extLst>
+          </a:blip>
+          <a:stretch>
+            <a:fillRect/>
+          </a:stretch>
+        </p:blipFill>
+        <p:spPr>
+          <a:xfrm rot="64950">
+            <a:off x="3856053" y="3521863"/>
+            <a:ext cx="408042" cy="442102"/>
+          </a:xfrm>
+          <a:prstGeom prst="rect">
+            <a:avLst/>
+          </a:prstGeom>
+        </p:spPr>
+      </p:pic>
+      <p:pic>
+        <p:nvPicPr>
+          <p:cNvPr id="27" name="Bild 26"/>
+          <p:cNvPicPr>
+            <a:picLocks noChangeAspect="1"/>
+          </p:cNvPicPr>
+          <p:nvPr/>
+        </p:nvPicPr>
+        <p:blipFill>
+          <a:blip r:embed="rId13">
+            <a:extLst>
+              <a:ext uri="{28A0092B-C50C-407E-A947-70E740481C1C}">
+                <a14:useLocalDpi xmlns:a14="http://schemas.microsoft.com/office/drawing/2010/main" val="0"/>
+              </a:ext>
+            </a:extLst>
+          </a:blip>
+          <a:stretch>
+            <a:fillRect/>
+          </a:stretch>
+        </p:blipFill>
+        <p:spPr>
+          <a:xfrm>
+            <a:off x="5163790" y="4116830"/>
+            <a:ext cx="416322" cy="432817"/>
+          </a:xfrm>
+          <a:prstGeom prst="rect">
+            <a:avLst/>
+          </a:prstGeom>
+        </p:spPr>
+      </p:pic>
+      <p:pic>
+        <p:nvPicPr>
+          <p:cNvPr id="28" name="Bild 27"/>
+          <p:cNvPicPr>
+            <a:picLocks noChangeAspect="1"/>
+          </p:cNvPicPr>
+          <p:nvPr/>
+        </p:nvPicPr>
+        <p:blipFill>
+          <a:blip r:embed="rId14">
+            <a:extLst>
+              <a:ext uri="{28A0092B-C50C-407E-A947-70E740481C1C}">
+                <a14:useLocalDpi xmlns:a14="http://schemas.microsoft.com/office/drawing/2010/main" val="0"/>
+              </a:ext>
+            </a:extLst>
+          </a:blip>
+          <a:stretch>
+            <a:fillRect/>
+          </a:stretch>
+        </p:blipFill>
+        <p:spPr>
+          <a:xfrm rot="64950">
+            <a:off x="4951906" y="3525355"/>
+            <a:ext cx="408042" cy="442102"/>
+          </a:xfrm>
+          <a:prstGeom prst="rect">
+            <a:avLst/>
+          </a:prstGeom>
+        </p:spPr>
+      </p:pic>
+      <p:pic>
+        <p:nvPicPr>
+          <p:cNvPr id="29" name="Bild 28"/>
+          <p:cNvPicPr>
+            <a:picLocks noChangeAspect="1"/>
+          </p:cNvPicPr>
+          <p:nvPr/>
+        </p:nvPicPr>
+        <p:blipFill>
+          <a:blip r:embed="rId15">
+            <a:extLst>
+              <a:ext uri="{28A0092B-C50C-407E-A947-70E740481C1C}">
+                <a14:useLocalDpi xmlns:a14="http://schemas.microsoft.com/office/drawing/2010/main" val="0"/>
+              </a:ext>
+            </a:extLst>
+          </a:blip>
+          <a:stretch>
+            <a:fillRect/>
+          </a:stretch>
+        </p:blipFill>
+        <p:spPr>
+          <a:xfrm>
+            <a:off x="6524626" y="2348880"/>
+            <a:ext cx="453591" cy="453591"/>
+          </a:xfrm>
+          <a:prstGeom prst="rect">
+            <a:avLst/>
+          </a:prstGeom>
+        </p:spPr>
+      </p:pic>
+      <p:pic>
+        <p:nvPicPr>
+          <p:cNvPr id="30" name="Bild 29"/>
+          <p:cNvPicPr>
+            <a:picLocks noChangeAspect="1"/>
+          </p:cNvPicPr>
+          <p:nvPr/>
+        </p:nvPicPr>
+        <p:blipFill>
+          <a:blip r:embed="rId16">
+            <a:extLst>
+              <a:ext uri="{28A0092B-C50C-407E-A947-70E740481C1C}">
+                <a14:useLocalDpi xmlns:a14="http://schemas.microsoft.com/office/drawing/2010/main" val="0"/>
+              </a:ext>
+            </a:extLst>
+          </a:blip>
+          <a:stretch>
+            <a:fillRect/>
+          </a:stretch>
+        </p:blipFill>
+        <p:spPr>
+          <a:xfrm>
+            <a:off x="5163791" y="3036893"/>
+            <a:ext cx="416322" cy="464115"/>
+          </a:xfrm>
+          <a:prstGeom prst="rect">
+            <a:avLst/>
+          </a:prstGeom>
+        </p:spPr>
+      </p:pic>
+      <p:pic>
+        <p:nvPicPr>
+          <p:cNvPr id="31" name="Bild 30"/>
+          <p:cNvPicPr>
+            <a:picLocks noChangeAspect="1"/>
+          </p:cNvPicPr>
+          <p:nvPr/>
+        </p:nvPicPr>
+        <p:blipFill rotWithShape="1">
+          <a:blip r:embed="rId17">
+            <a:extLst>
+              <a:ext uri="{28A0092B-C50C-407E-A947-70E740481C1C}">
+                <a14:useLocalDpi xmlns:a14="http://schemas.microsoft.com/office/drawing/2010/main" val="0"/>
+              </a:ext>
+            </a:extLst>
+          </a:blip>
+          <a:srcRect t="949" b="-1"/>
+          <a:stretch/>
+        </p:blipFill>
+        <p:spPr>
+          <a:xfrm>
+            <a:off x="7838067" y="3140968"/>
+            <a:ext cx="381993" cy="432048"/>
+          </a:xfrm>
+          <a:prstGeom prst="rect">
+            <a:avLst/>
+          </a:prstGeom>
+        </p:spPr>
+      </p:pic>
+      <p:pic>
+        <p:nvPicPr>
+          <p:cNvPr id="33" name="Bild 32"/>
+          <p:cNvPicPr>
+            <a:picLocks noChangeAspect="1"/>
+          </p:cNvPicPr>
+          <p:nvPr/>
+        </p:nvPicPr>
+        <p:blipFill>
+          <a:blip r:embed="rId18">
+            <a:extLst>
+              <a:ext uri="{28A0092B-C50C-407E-A947-70E740481C1C}">
+                <a14:useLocalDpi xmlns:a14="http://schemas.microsoft.com/office/drawing/2010/main" val="0"/>
+              </a:ext>
+            </a:extLst>
+          </a:blip>
+          <a:stretch>
+            <a:fillRect/>
+          </a:stretch>
+        </p:blipFill>
+        <p:spPr>
+          <a:xfrm>
+            <a:off x="7842478" y="2776292"/>
+            <a:ext cx="539552" cy="224673"/>
+          </a:xfrm>
+          <a:prstGeom prst="rect">
+            <a:avLst/>
+          </a:prstGeom>
+        </p:spPr>
+      </p:pic>
+      <p:pic>
+        <p:nvPicPr>
+          <p:cNvPr id="34" name="Bild 33"/>
+          <p:cNvPicPr>
+            <a:picLocks noChangeAspect="1"/>
+          </p:cNvPicPr>
+          <p:nvPr/>
+        </p:nvPicPr>
+        <p:blipFill>
+          <a:blip r:embed="rId14">
+            <a:extLst>
+              <a:ext uri="{28A0092B-C50C-407E-A947-70E740481C1C}">
+                <a14:useLocalDpi xmlns:a14="http://schemas.microsoft.com/office/drawing/2010/main" val="0"/>
+              </a:ext>
+            </a:extLst>
+          </a:blip>
+          <a:stretch>
+            <a:fillRect/>
+          </a:stretch>
+        </p:blipFill>
+        <p:spPr>
+          <a:xfrm rot="64950">
+            <a:off x="7600476" y="3559147"/>
+            <a:ext cx="408042" cy="442102"/>
+          </a:xfrm>
+          <a:prstGeom prst="rect">
+            <a:avLst/>
+          </a:prstGeom>
+        </p:spPr>
+      </p:pic>
+      <p:pic>
+        <p:nvPicPr>
+          <p:cNvPr id="35" name="Bild 34"/>
+          <p:cNvPicPr>
+            <a:picLocks noChangeAspect="1"/>
+          </p:cNvPicPr>
+          <p:nvPr/>
+        </p:nvPicPr>
+        <p:blipFill>
+          <a:blip r:embed="rId13">
+            <a:extLst>
+              <a:ext uri="{28A0092B-C50C-407E-A947-70E740481C1C}">
+                <a14:useLocalDpi xmlns:a14="http://schemas.microsoft.com/office/drawing/2010/main" val="0"/>
+              </a:ext>
+            </a:extLst>
+          </a:blip>
+          <a:stretch>
+            <a:fillRect/>
+          </a:stretch>
+        </p:blipFill>
+        <p:spPr>
+          <a:xfrm>
+            <a:off x="7695932" y="4111660"/>
+            <a:ext cx="416322" cy="432817"/>
+          </a:xfrm>
+          <a:prstGeom prst="rect">
+            <a:avLst/>
+          </a:prstGeom>
+        </p:spPr>
+      </p:pic>
+      <p:pic>
+        <p:nvPicPr>
+          <p:cNvPr id="38" name="Bild 37"/>
+          <p:cNvPicPr>
+            <a:picLocks noChangeAspect="1"/>
+          </p:cNvPicPr>
+          <p:nvPr/>
+        </p:nvPicPr>
+        <p:blipFill>
+          <a:blip r:embed="rId19">
+            <a:extLst>
+              <a:ext uri="{28A0092B-C50C-407E-A947-70E740481C1C}">
+                <a14:useLocalDpi xmlns:a14="http://schemas.microsoft.com/office/drawing/2010/main" val="0"/>
+              </a:ext>
+            </a:extLst>
+          </a:blip>
+          <a:stretch>
+            <a:fillRect/>
+          </a:stretch>
+        </p:blipFill>
+        <p:spPr>
+          <a:xfrm>
+            <a:off x="8047537" y="3761415"/>
+            <a:ext cx="405803" cy="405803"/>
+          </a:xfrm>
+          <a:prstGeom prst="rect">
+            <a:avLst/>
+          </a:prstGeom>
+        </p:spPr>
+      </p:pic>
+      <p:pic>
+        <p:nvPicPr>
+          <p:cNvPr id="39" name="Bild 38"/>
+          <p:cNvPicPr>
+            <a:picLocks noChangeAspect="1"/>
+          </p:cNvPicPr>
+          <p:nvPr/>
+        </p:nvPicPr>
+        <p:blipFill>
+          <a:blip r:embed="rId20">
+            <a:extLst>
+              <a:ext uri="{28A0092B-C50C-407E-A947-70E740481C1C}">
+                <a14:useLocalDpi xmlns:a14="http://schemas.microsoft.com/office/drawing/2010/main" val="0"/>
+              </a:ext>
+            </a:extLst>
+          </a:blip>
+          <a:stretch>
+            <a:fillRect/>
+          </a:stretch>
+        </p:blipFill>
+        <p:spPr>
+          <a:xfrm rot="19938649">
+            <a:off x="7386642" y="2394491"/>
+            <a:ext cx="587975" cy="379244"/>
+          </a:xfrm>
+          <a:prstGeom prst="rect">
+            <a:avLst/>
+          </a:prstGeom>
+        </p:spPr>
+      </p:pic>
+      <p:pic>
+        <p:nvPicPr>
+          <p:cNvPr id="40" name="Bild 39"/>
+          <p:cNvPicPr>
+            <a:picLocks noChangeAspect="1"/>
+          </p:cNvPicPr>
+          <p:nvPr/>
+        </p:nvPicPr>
+        <p:blipFill>
+          <a:blip r:embed="rId21">
+            <a:extLst>
+              <a:ext uri="{28A0092B-C50C-407E-A947-70E740481C1C}">
+                <a14:useLocalDpi xmlns:a14="http://schemas.microsoft.com/office/drawing/2010/main" val="0"/>
+              </a:ext>
+            </a:extLst>
+          </a:blip>
+          <a:stretch>
+            <a:fillRect/>
+          </a:stretch>
+        </p:blipFill>
+        <p:spPr>
+          <a:xfrm>
+            <a:off x="6524626" y="2903401"/>
+            <a:ext cx="453591" cy="453591"/>
+          </a:xfrm>
+          <a:prstGeom prst="rect">
+            <a:avLst/>
+          </a:prstGeom>
+        </p:spPr>
+      </p:pic>
+      <p:pic>
+        <p:nvPicPr>
+          <p:cNvPr id="41" name="Bild 40"/>
+          <p:cNvPicPr>
+            <a:picLocks noChangeAspect="1"/>
+          </p:cNvPicPr>
+          <p:nvPr/>
+        </p:nvPicPr>
+        <p:blipFill>
+          <a:blip r:embed="rId11">
+            <a:extLst>
+              <a:ext uri="{28A0092B-C50C-407E-A947-70E740481C1C}">
+                <a14:useLocalDpi xmlns:a14="http://schemas.microsoft.com/office/drawing/2010/main" val="0"/>
+              </a:ext>
+            </a:extLst>
+          </a:blip>
+          <a:stretch>
+            <a:fillRect/>
+          </a:stretch>
+        </p:blipFill>
+        <p:spPr>
+          <a:xfrm>
+            <a:off x="5364088" y="3736383"/>
+            <a:ext cx="437400" cy="484705"/>
+          </a:xfrm>
+          <a:prstGeom prst="rect">
+            <a:avLst/>
+          </a:prstGeom>
+        </p:spPr>
+      </p:pic>
+      <p:pic>
+        <p:nvPicPr>
+          <p:cNvPr id="32" name="Bild 31"/>
+          <p:cNvPicPr>
+            <a:picLocks noChangeAspect="1"/>
+          </p:cNvPicPr>
+          <p:nvPr/>
+        </p:nvPicPr>
+        <p:blipFill>
+          <a:blip r:embed="rId22">
+            <a:extLst>
+              <a:ext uri="{28A0092B-C50C-407E-A947-70E740481C1C}">
+                <a14:useLocalDpi xmlns:a14="http://schemas.microsoft.com/office/drawing/2010/main" val="0"/>
+              </a:ext>
+            </a:extLst>
+          </a:blip>
+          <a:stretch>
+            <a:fillRect/>
+          </a:stretch>
+        </p:blipFill>
+        <p:spPr>
+          <a:xfrm>
+            <a:off x="8004018" y="2176404"/>
+            <a:ext cx="415666" cy="415666"/>
+          </a:xfrm>
+          <a:prstGeom prst="rect">
+            <a:avLst/>
+          </a:prstGeom>
+        </p:spPr>
+      </p:pic>
+      <p:pic>
+        <p:nvPicPr>
+          <p:cNvPr id="36" name="Bild 35"/>
+          <p:cNvPicPr>
+            <a:picLocks noChangeAspect="1"/>
+          </p:cNvPicPr>
+          <p:nvPr/>
+        </p:nvPicPr>
+        <p:blipFill>
+          <a:blip r:embed="rId21">
+            <a:extLst>
+              <a:ext uri="{28A0092B-C50C-407E-A947-70E740481C1C}">
+                <a14:useLocalDpi xmlns:a14="http://schemas.microsoft.com/office/drawing/2010/main" val="0"/>
+              </a:ext>
+            </a:extLst>
+          </a:blip>
+          <a:stretch>
+            <a:fillRect/>
+          </a:stretch>
+        </p:blipFill>
+        <p:spPr>
+          <a:xfrm>
+            <a:off x="3830377" y="2903401"/>
+            <a:ext cx="453591" cy="453591"/>
+          </a:xfrm>
+          <a:prstGeom prst="rect">
+            <a:avLst/>
+          </a:prstGeom>
+        </p:spPr>
+      </p:pic>
+      <p:sp>
+        <p:nvSpPr>
+          <p:cNvPr id="37" name="Textfeld 36"/>
+          <p:cNvSpPr txBox="1"/>
+          <p:nvPr/>
+        </p:nvSpPr>
+        <p:spPr>
+          <a:xfrm rot="16200000">
+            <a:off x="-230249" y="2830209"/>
+            <a:ext cx="1409001" cy="307777"/>
+          </a:xfrm>
+          <a:prstGeom prst="rect">
+            <a:avLst/>
+          </a:prstGeom>
+          <a:noFill/>
+        </p:spPr>
+        <p:txBody>
+          <a:bodyPr wrap="square" rtlCol="0">
+            <a:spAutoFit/>
+          </a:bodyPr>
+          <a:lstStyle/>
+          <a:p>
+            <a:pPr algn="ctr"/>
+            <a:r>
+              <a:rPr lang="de-DE" sz="1400" smtClean="0">
+                <a:solidFill>
+                  <a:srgbClr val="C00000"/>
+                </a:solidFill>
+                <a:latin typeface="Roboto Condensed" charset="0"/>
+                <a:ea typeface="Roboto Condensed" charset="0"/>
+                <a:cs typeface="Roboto Condensed" charset="0"/>
+              </a:rPr>
+              <a:t>Einstiegshürde</a:t>
+            </a:r>
+            <a:endParaRPr lang="de-DE" sz="1400" b="1" i="1" dirty="0">
+              <a:solidFill>
+                <a:srgbClr val="C00000"/>
+              </a:solidFill>
+              <a:latin typeface="Roboto Condensed" charset="0"/>
+              <a:ea typeface="Roboto Condensed" charset="0"/>
+              <a:cs typeface="Roboto Condensed" charset="0"/>
+            </a:endParaRPr>
+          </a:p>
+        </p:txBody>
+      </p:sp>
+    </p:spTree>
+    <p:extLst>
+      <p:ext uri="{BB962C8B-B14F-4D97-AF65-F5344CB8AC3E}">
+        <p14:creationId xmlns:p14="http://schemas.microsoft.com/office/powerpoint/2010/main" val="968068221"/>
+      </p:ext>
+    </p:extLst>
+  </p:cSld>
+  <p:clrMapOvr>
+    <a:masterClrMapping/>
+  </p:clrMapOvr>
+</p:sld>
+</file>
+
+<file path=ppt/slides/slide4.xml><?xml version="1.0" encoding="utf-8"?>
+<p:sld xmlns:a="http://schemas.openxmlformats.org/drawingml/2006/main" xmlns:r="http://schemas.openxmlformats.org/officeDocument/2006/relationships" xmlns:p="http://schemas.openxmlformats.org/presentationml/2006/main">
+  <p:cSld>
+    <p:spTree>
+      <p:nvGrpSpPr>
+        <p:cNvPr id="1" name=""/>
+        <p:cNvGrpSpPr/>
+        <p:nvPr/>
+      </p:nvGrpSpPr>
+      <p:grpSpPr>
+        <a:xfrm>
+          <a:off x="0" y="0"/>
+          <a:ext cx="0" cy="0"/>
+          <a:chOff x="0" y="0"/>
+          <a:chExt cx="0" cy="0"/>
+        </a:xfrm>
+      </p:grpSpPr>
+      <p:sp>
+        <p:nvSpPr>
+          <p:cNvPr id="37" name="Abgerundetes Rechteck 36"/>
+          <p:cNvSpPr/>
+          <p:nvPr/>
+        </p:nvSpPr>
+        <p:spPr>
+          <a:xfrm>
+            <a:off x="830614" y="2060848"/>
+            <a:ext cx="7845841" cy="3096343"/>
+          </a:xfrm>
+          <a:prstGeom prst="roundRect">
+            <a:avLst>
+              <a:gd name="adj" fmla="val 8398"/>
+            </a:avLst>
+          </a:prstGeom>
+          <a:solidFill>
+            <a:schemeClr val="tx2">
+              <a:alpha val="13000"/>
+            </a:schemeClr>
+          </a:solidFill>
+          <a:ln>
+            <a:noFill/>
+          </a:ln>
+        </p:spPr>
+        <p:style>
+          <a:lnRef idx="2">
+            <a:schemeClr val="accent1">
+              <a:shade val="50000"/>
+            </a:schemeClr>
+          </a:lnRef>
+          <a:fillRef idx="1">
+            <a:schemeClr val="accent1"/>
+          </a:fillRef>
+          <a:effectRef idx="0">
+            <a:schemeClr val="accent1"/>
+          </a:effectRef>
+          <a:fontRef idx="minor">
+            <a:schemeClr val="lt1"/>
+          </a:fontRef>
+        </p:style>
+        <p:txBody>
+          <a:bodyPr rtlCol="0" anchor="ctr"/>
+          <a:lstStyle/>
+          <a:p>
+            <a:pPr algn="ctr"/>
+            <a:endParaRPr lang="de-DE" dirty="0"/>
+          </a:p>
+        </p:txBody>
+      </p:sp>
+      <p:sp>
+        <p:nvSpPr>
+          <p:cNvPr id="2" name="Abgerundetes Rechteck 1"/>
+          <p:cNvSpPr/>
+          <p:nvPr/>
+        </p:nvSpPr>
+        <p:spPr>
+          <a:xfrm>
+            <a:off x="827584" y="2802470"/>
+            <a:ext cx="5256584" cy="2354721"/>
+          </a:xfrm>
+          <a:prstGeom prst="roundRect">
+            <a:avLst>
+              <a:gd name="adj" fmla="val 10944"/>
+            </a:avLst>
+          </a:prstGeom>
+          <a:solidFill>
+            <a:schemeClr val="tx2">
+              <a:alpha val="12000"/>
+            </a:schemeClr>
+          </a:solidFill>
+          <a:ln>
+            <a:noFill/>
+          </a:ln>
+        </p:spPr>
+        <p:style>
+          <a:lnRef idx="2">
+            <a:schemeClr val="accent1">
+              <a:shade val="50000"/>
+            </a:schemeClr>
+          </a:lnRef>
+          <a:fillRef idx="1">
+            <a:schemeClr val="accent1"/>
+          </a:fillRef>
+          <a:effectRef idx="0">
+            <a:schemeClr val="accent1"/>
+          </a:effectRef>
+          <a:fontRef idx="minor">
+            <a:schemeClr val="lt1"/>
+          </a:fontRef>
+        </p:style>
+        <p:txBody>
+          <a:bodyPr rtlCol="0" anchor="ctr"/>
+          <a:lstStyle/>
+          <a:p>
+            <a:pPr algn="ctr"/>
+            <a:endParaRPr lang="de-DE" dirty="0"/>
+          </a:p>
+        </p:txBody>
+      </p:sp>
+      <p:cxnSp>
+        <p:nvCxnSpPr>
+          <p:cNvPr id="6" name="Gerade Verbindung mit Pfeil 5"/>
+          <p:cNvCxnSpPr/>
+          <p:nvPr/>
+        </p:nvCxnSpPr>
+        <p:spPr>
+          <a:xfrm>
+            <a:off x="467544" y="5301208"/>
+            <a:ext cx="8388424" cy="0"/>
+          </a:xfrm>
+          <a:prstGeom prst="straightConnector1">
+            <a:avLst/>
+          </a:prstGeom>
+          <a:ln w="41275" cap="rnd">
+            <a:solidFill>
+              <a:srgbClr val="A51E37"/>
+            </a:solidFill>
+            <a:tailEnd type="triangle" w="med" len="lg"/>
+          </a:ln>
+        </p:spPr>
+        <p:style>
+          <a:lnRef idx="1">
+            <a:schemeClr val="accent1"/>
+          </a:lnRef>
+          <a:fillRef idx="0">
+            <a:schemeClr val="accent1"/>
+          </a:fillRef>
+          <a:effectRef idx="0">
+            <a:schemeClr val="accent1"/>
+          </a:effectRef>
+          <a:fontRef idx="minor">
+            <a:schemeClr val="tx1"/>
+          </a:fontRef>
+        </p:style>
+      </p:cxnSp>
+      <p:cxnSp>
+        <p:nvCxnSpPr>
+          <p:cNvPr id="8" name="Gerade Verbindung mit Pfeil 7"/>
+          <p:cNvCxnSpPr/>
+          <p:nvPr/>
+        </p:nvCxnSpPr>
+        <p:spPr>
+          <a:xfrm flipH="1" flipV="1">
+            <a:off x="611560" y="2204864"/>
+            <a:ext cx="8384" cy="3248744"/>
+          </a:xfrm>
+          <a:prstGeom prst="straightConnector1">
+            <a:avLst/>
+          </a:prstGeom>
+          <a:ln w="41275" cap="rnd">
+            <a:solidFill>
+              <a:srgbClr val="A51E37"/>
+            </a:solidFill>
+            <a:tailEnd type="triangle" w="med" len="lg"/>
+          </a:ln>
+        </p:spPr>
+        <p:style>
+          <a:lnRef idx="1">
+            <a:schemeClr val="accent1"/>
+          </a:lnRef>
+          <a:fillRef idx="0">
+            <a:schemeClr val="accent1"/>
+          </a:fillRef>
+          <a:effectRef idx="0">
+            <a:schemeClr val="accent1"/>
+          </a:effectRef>
+          <a:fontRef idx="minor">
+            <a:schemeClr val="tx1"/>
+          </a:fontRef>
+        </p:style>
+      </p:cxnSp>
+      <p:pic>
+        <p:nvPicPr>
+          <p:cNvPr id="14" name="Bild 13"/>
+          <p:cNvPicPr>
+            <a:picLocks noChangeAspect="1"/>
+          </p:cNvPicPr>
+          <p:nvPr/>
+        </p:nvPicPr>
+        <p:blipFill>
+          <a:blip r:embed="rId3">
+            <a:extLst>
+              <a:ext uri="{28A0092B-C50C-407E-A947-70E740481C1C}">
+                <a14:useLocalDpi xmlns:a14="http://schemas.microsoft.com/office/drawing/2010/main" val="0"/>
+              </a:ext>
+            </a:extLst>
+          </a:blip>
+          <a:stretch>
+            <a:fillRect/>
+          </a:stretch>
+        </p:blipFill>
+        <p:spPr>
+          <a:xfrm>
+            <a:off x="971600" y="4581128"/>
+            <a:ext cx="523710" cy="405803"/>
+          </a:xfrm>
+          <a:prstGeom prst="rect">
+            <a:avLst/>
+          </a:prstGeom>
+        </p:spPr>
+      </p:pic>
+      <p:pic>
+        <p:nvPicPr>
+          <p:cNvPr id="15" name="Bild 14"/>
+          <p:cNvPicPr>
+            <a:picLocks noChangeAspect="1"/>
+          </p:cNvPicPr>
+          <p:nvPr/>
+        </p:nvPicPr>
+        <p:blipFill>
+          <a:blip r:embed="rId4">
+            <a:extLst>
+              <a:ext uri="{28A0092B-C50C-407E-A947-70E740481C1C}">
+                <a14:useLocalDpi xmlns:a14="http://schemas.microsoft.com/office/drawing/2010/main" val="0"/>
+              </a:ext>
+            </a:extLst>
+          </a:blip>
+          <a:stretch>
+            <a:fillRect/>
+          </a:stretch>
+        </p:blipFill>
+        <p:spPr>
+          <a:xfrm>
+            <a:off x="1509390" y="4581128"/>
+            <a:ext cx="427471" cy="462040"/>
+          </a:xfrm>
+          <a:prstGeom prst="rect">
+            <a:avLst/>
+          </a:prstGeom>
+        </p:spPr>
+      </p:pic>
+      <p:pic>
+        <p:nvPicPr>
+          <p:cNvPr id="17" name="Bild 16"/>
+          <p:cNvPicPr>
+            <a:picLocks noChangeAspect="1"/>
+          </p:cNvPicPr>
+          <p:nvPr/>
+        </p:nvPicPr>
+        <p:blipFill>
+          <a:blip r:embed="rId5">
+            <a:extLst>
+              <a:ext uri="{28A0092B-C50C-407E-A947-70E740481C1C}">
+                <a14:useLocalDpi xmlns:a14="http://schemas.microsoft.com/office/drawing/2010/main" val="0"/>
+              </a:ext>
+            </a:extLst>
+          </a:blip>
+          <a:stretch>
+            <a:fillRect/>
+          </a:stretch>
+        </p:blipFill>
+        <p:spPr>
+          <a:xfrm>
+            <a:off x="6588678" y="5388151"/>
+            <a:ext cx="325488" cy="454670"/>
+          </a:xfrm>
+          <a:prstGeom prst="rect">
+            <a:avLst/>
+          </a:prstGeom>
+        </p:spPr>
+      </p:pic>
+      <p:pic>
+        <p:nvPicPr>
+          <p:cNvPr id="18" name="Bild 17"/>
+          <p:cNvPicPr>
+            <a:picLocks noChangeAspect="1"/>
+          </p:cNvPicPr>
+          <p:nvPr/>
+        </p:nvPicPr>
+        <p:blipFill>
+          <a:blip r:embed="rId6">
+            <a:extLst>
+              <a:ext uri="{28A0092B-C50C-407E-A947-70E740481C1C}">
+                <a14:useLocalDpi xmlns:a14="http://schemas.microsoft.com/office/drawing/2010/main" val="0"/>
+              </a:ext>
+            </a:extLst>
+          </a:blip>
+          <a:stretch>
+            <a:fillRect/>
+          </a:stretch>
+        </p:blipFill>
+        <p:spPr>
+          <a:xfrm>
+            <a:off x="2472064" y="5453760"/>
+            <a:ext cx="437399" cy="439448"/>
+          </a:xfrm>
+          <a:prstGeom prst="rect">
+            <a:avLst/>
+          </a:prstGeom>
+        </p:spPr>
+      </p:pic>
+      <p:pic>
+        <p:nvPicPr>
+          <p:cNvPr id="19" name="Bild 18"/>
+          <p:cNvPicPr>
+            <a:picLocks noChangeAspect="1"/>
+          </p:cNvPicPr>
+          <p:nvPr/>
+        </p:nvPicPr>
+        <p:blipFill>
+          <a:blip r:embed="rId7">
+            <a:extLst>
+              <a:ext uri="{28A0092B-C50C-407E-A947-70E740481C1C}">
+                <a14:useLocalDpi xmlns:a14="http://schemas.microsoft.com/office/drawing/2010/main" val="0"/>
+              </a:ext>
+            </a:extLst>
+          </a:blip>
+          <a:stretch>
+            <a:fillRect/>
+          </a:stretch>
+        </p:blipFill>
+        <p:spPr>
+          <a:xfrm>
+            <a:off x="5126521" y="5441212"/>
+            <a:ext cx="519707" cy="434857"/>
+          </a:xfrm>
+          <a:prstGeom prst="rect">
+            <a:avLst/>
+          </a:prstGeom>
+        </p:spPr>
+      </p:pic>
+      <p:pic>
+        <p:nvPicPr>
+          <p:cNvPr id="20" name="Bild 19"/>
+          <p:cNvPicPr>
+            <a:picLocks noChangeAspect="1"/>
+          </p:cNvPicPr>
+          <p:nvPr/>
+        </p:nvPicPr>
+        <p:blipFill>
+          <a:blip r:embed="rId8">
+            <a:extLst>
+              <a:ext uri="{28A0092B-C50C-407E-A947-70E740481C1C}">
+                <a14:useLocalDpi xmlns:a14="http://schemas.microsoft.com/office/drawing/2010/main" val="0"/>
+              </a:ext>
+            </a:extLst>
+          </a:blip>
+          <a:stretch>
+            <a:fillRect/>
+          </a:stretch>
+        </p:blipFill>
+        <p:spPr>
+          <a:xfrm>
+            <a:off x="3851913" y="5407139"/>
+            <a:ext cx="524328" cy="524328"/>
+          </a:xfrm>
+          <a:prstGeom prst="rect">
+            <a:avLst/>
+          </a:prstGeom>
+        </p:spPr>
+      </p:pic>
+      <p:pic>
+        <p:nvPicPr>
+          <p:cNvPr id="21" name="Bild 20"/>
+          <p:cNvPicPr>
+            <a:picLocks noChangeAspect="1"/>
+          </p:cNvPicPr>
+          <p:nvPr/>
+        </p:nvPicPr>
+        <p:blipFill>
+          <a:blip r:embed="rId9">
+            <a:extLst>
+              <a:ext uri="{28A0092B-C50C-407E-A947-70E740481C1C}">
+                <a14:useLocalDpi xmlns:a14="http://schemas.microsoft.com/office/drawing/2010/main" val="0"/>
+              </a:ext>
+            </a:extLst>
+          </a:blip>
+          <a:stretch>
+            <a:fillRect/>
+          </a:stretch>
+        </p:blipFill>
+        <p:spPr>
+          <a:xfrm>
+            <a:off x="7596336" y="5397016"/>
+            <a:ext cx="615515" cy="436940"/>
+          </a:xfrm>
+          <a:prstGeom prst="rect">
+            <a:avLst/>
+          </a:prstGeom>
+        </p:spPr>
+      </p:pic>
+      <p:pic>
+        <p:nvPicPr>
+          <p:cNvPr id="22" name="Bild 21"/>
+          <p:cNvPicPr>
+            <a:picLocks noChangeAspect="1"/>
+          </p:cNvPicPr>
+          <p:nvPr/>
+        </p:nvPicPr>
+        <p:blipFill>
+          <a:blip r:embed="rId10">
+            <a:extLst>
+              <a:ext uri="{28A0092B-C50C-407E-A947-70E740481C1C}">
+                <a14:useLocalDpi xmlns:a14="http://schemas.microsoft.com/office/drawing/2010/main" val="0"/>
+              </a:ext>
+            </a:extLst>
+          </a:blip>
+          <a:stretch>
+            <a:fillRect/>
+          </a:stretch>
+        </p:blipFill>
+        <p:spPr>
+          <a:xfrm>
+            <a:off x="1108686" y="5438917"/>
+            <a:ext cx="428247" cy="460772"/>
+          </a:xfrm>
+          <a:prstGeom prst="rect">
+            <a:avLst/>
+          </a:prstGeom>
+        </p:spPr>
+      </p:pic>
+      <p:pic>
+        <p:nvPicPr>
+          <p:cNvPr id="23" name="Bild 22"/>
+          <p:cNvPicPr>
+            <a:picLocks noChangeAspect="1"/>
+          </p:cNvPicPr>
+          <p:nvPr/>
+        </p:nvPicPr>
+        <p:blipFill>
+          <a:blip r:embed="rId11">
+            <a:extLst>
+              <a:ext uri="{28A0092B-C50C-407E-A947-70E740481C1C}">
+                <a14:useLocalDpi xmlns:a14="http://schemas.microsoft.com/office/drawing/2010/main" val="0"/>
+              </a:ext>
+            </a:extLst>
+          </a:blip>
+          <a:stretch>
+            <a:fillRect/>
+          </a:stretch>
+        </p:blipFill>
+        <p:spPr>
+          <a:xfrm>
+            <a:off x="2472063" y="3736383"/>
+            <a:ext cx="437400" cy="484705"/>
+          </a:xfrm>
+          <a:prstGeom prst="rect">
+            <a:avLst/>
+          </a:prstGeom>
+        </p:spPr>
+      </p:pic>
+      <p:pic>
+        <p:nvPicPr>
+          <p:cNvPr id="24" name="Bild 23"/>
+          <p:cNvPicPr>
+            <a:picLocks noChangeAspect="1"/>
+          </p:cNvPicPr>
+          <p:nvPr/>
+        </p:nvPicPr>
+        <p:blipFill>
+          <a:blip r:embed="rId12">
+            <a:extLst>
+              <a:ext uri="{28A0092B-C50C-407E-A947-70E740481C1C}">
+                <a14:useLocalDpi xmlns:a14="http://schemas.microsoft.com/office/drawing/2010/main" val="0"/>
+              </a:ext>
+            </a:extLst>
+          </a:blip>
+          <a:stretch>
+            <a:fillRect/>
+          </a:stretch>
+        </p:blipFill>
+        <p:spPr>
+          <a:xfrm rot="21550500">
+            <a:off x="2475360" y="4584442"/>
+            <a:ext cx="409062" cy="460811"/>
+          </a:xfrm>
+          <a:prstGeom prst="rect">
+            <a:avLst/>
+          </a:prstGeom>
+        </p:spPr>
+      </p:pic>
+      <p:pic>
+        <p:nvPicPr>
+          <p:cNvPr id="25" name="Bild 24"/>
+          <p:cNvPicPr>
+            <a:picLocks noChangeAspect="1"/>
+          </p:cNvPicPr>
+          <p:nvPr/>
+        </p:nvPicPr>
+        <p:blipFill>
+          <a:blip r:embed="rId13">
+            <a:extLst>
+              <a:ext uri="{28A0092B-C50C-407E-A947-70E740481C1C}">
+                <a14:useLocalDpi xmlns:a14="http://schemas.microsoft.com/office/drawing/2010/main" val="0"/>
+              </a:ext>
+            </a:extLst>
+          </a:blip>
+          <a:stretch>
+            <a:fillRect/>
+          </a:stretch>
+        </p:blipFill>
+        <p:spPr>
+          <a:xfrm>
+            <a:off x="3851913" y="4113338"/>
+            <a:ext cx="416322" cy="432817"/>
+          </a:xfrm>
+          <a:prstGeom prst="rect">
+            <a:avLst/>
+          </a:prstGeom>
+        </p:spPr>
+      </p:pic>
+      <p:pic>
+        <p:nvPicPr>
+          <p:cNvPr id="26" name="Bild 25"/>
+          <p:cNvPicPr>
+            <a:picLocks noChangeAspect="1"/>
+          </p:cNvPicPr>
+          <p:nvPr/>
+        </p:nvPicPr>
+        <p:blipFill>
+          <a:blip r:embed="rId14">
+            <a:extLst>
+              <a:ext uri="{28A0092B-C50C-407E-A947-70E740481C1C}">
+                <a14:useLocalDpi xmlns:a14="http://schemas.microsoft.com/office/drawing/2010/main" val="0"/>
+              </a:ext>
+            </a:extLst>
+          </a:blip>
+          <a:stretch>
+            <a:fillRect/>
+          </a:stretch>
+        </p:blipFill>
+        <p:spPr>
+          <a:xfrm rot="64950">
+            <a:off x="3856053" y="3521863"/>
+            <a:ext cx="408042" cy="442102"/>
+          </a:xfrm>
+          <a:prstGeom prst="rect">
+            <a:avLst/>
+          </a:prstGeom>
+        </p:spPr>
+      </p:pic>
+      <p:pic>
+        <p:nvPicPr>
+          <p:cNvPr id="27" name="Bild 26"/>
+          <p:cNvPicPr>
+            <a:picLocks noChangeAspect="1"/>
+          </p:cNvPicPr>
+          <p:nvPr/>
+        </p:nvPicPr>
+        <p:blipFill>
+          <a:blip r:embed="rId13">
+            <a:extLst>
+              <a:ext uri="{28A0092B-C50C-407E-A947-70E740481C1C}">
+                <a14:useLocalDpi xmlns:a14="http://schemas.microsoft.com/office/drawing/2010/main" val="0"/>
+              </a:ext>
+            </a:extLst>
+          </a:blip>
+          <a:stretch>
+            <a:fillRect/>
+          </a:stretch>
+        </p:blipFill>
+        <p:spPr>
+          <a:xfrm>
+            <a:off x="5163790" y="4116830"/>
+            <a:ext cx="416322" cy="432817"/>
+          </a:xfrm>
+          <a:prstGeom prst="rect">
+            <a:avLst/>
+          </a:prstGeom>
+        </p:spPr>
+      </p:pic>
+      <p:pic>
+        <p:nvPicPr>
+          <p:cNvPr id="28" name="Bild 27"/>
+          <p:cNvPicPr>
+            <a:picLocks noChangeAspect="1"/>
+          </p:cNvPicPr>
+          <p:nvPr/>
+        </p:nvPicPr>
+        <p:blipFill>
+          <a:blip r:embed="rId14">
+            <a:extLst>
+              <a:ext uri="{28A0092B-C50C-407E-A947-70E740481C1C}">
+                <a14:useLocalDpi xmlns:a14="http://schemas.microsoft.com/office/drawing/2010/main" val="0"/>
+              </a:ext>
+            </a:extLst>
+          </a:blip>
+          <a:stretch>
+            <a:fillRect/>
+          </a:stretch>
+        </p:blipFill>
+        <p:spPr>
+          <a:xfrm rot="64950">
+            <a:off x="4951906" y="3525355"/>
+            <a:ext cx="408042" cy="442102"/>
+          </a:xfrm>
+          <a:prstGeom prst="rect">
+            <a:avLst/>
+          </a:prstGeom>
+        </p:spPr>
+      </p:pic>
+      <p:pic>
+        <p:nvPicPr>
+          <p:cNvPr id="29" name="Bild 28"/>
+          <p:cNvPicPr>
+            <a:picLocks noChangeAspect="1"/>
+          </p:cNvPicPr>
+          <p:nvPr/>
+        </p:nvPicPr>
+        <p:blipFill>
+          <a:blip r:embed="rId15">
+            <a:extLst>
+              <a:ext uri="{28A0092B-C50C-407E-A947-70E740481C1C}">
+                <a14:useLocalDpi xmlns:a14="http://schemas.microsoft.com/office/drawing/2010/main" val="0"/>
+              </a:ext>
+            </a:extLst>
+          </a:blip>
+          <a:stretch>
+            <a:fillRect/>
+          </a:stretch>
+        </p:blipFill>
+        <p:spPr>
+          <a:xfrm>
+            <a:off x="6524626" y="2348880"/>
+            <a:ext cx="453591" cy="453591"/>
+          </a:xfrm>
+          <a:prstGeom prst="rect">
+            <a:avLst/>
+          </a:prstGeom>
+        </p:spPr>
+      </p:pic>
+      <p:pic>
+        <p:nvPicPr>
+          <p:cNvPr id="30" name="Bild 29"/>
+          <p:cNvPicPr>
+            <a:picLocks noChangeAspect="1"/>
+          </p:cNvPicPr>
+          <p:nvPr/>
+        </p:nvPicPr>
+        <p:blipFill>
+          <a:blip r:embed="rId16">
+            <a:extLst>
+              <a:ext uri="{28A0092B-C50C-407E-A947-70E740481C1C}">
+                <a14:useLocalDpi xmlns:a14="http://schemas.microsoft.com/office/drawing/2010/main" val="0"/>
+              </a:ext>
+            </a:extLst>
+          </a:blip>
+          <a:stretch>
+            <a:fillRect/>
+          </a:stretch>
+        </p:blipFill>
+        <p:spPr>
+          <a:xfrm>
+            <a:off x="5163791" y="3036893"/>
+            <a:ext cx="416322" cy="464115"/>
+          </a:xfrm>
+          <a:prstGeom prst="rect">
+            <a:avLst/>
+          </a:prstGeom>
+        </p:spPr>
+      </p:pic>
+      <p:pic>
+        <p:nvPicPr>
+          <p:cNvPr id="31" name="Bild 30"/>
+          <p:cNvPicPr>
+            <a:picLocks noChangeAspect="1"/>
+          </p:cNvPicPr>
+          <p:nvPr/>
+        </p:nvPicPr>
+        <p:blipFill rotWithShape="1">
+          <a:blip r:embed="rId17">
+            <a:extLst>
+              <a:ext uri="{28A0092B-C50C-407E-A947-70E740481C1C}">
+                <a14:useLocalDpi xmlns:a14="http://schemas.microsoft.com/office/drawing/2010/main" val="0"/>
+              </a:ext>
+            </a:extLst>
+          </a:blip>
+          <a:srcRect t="949" b="-1"/>
+          <a:stretch/>
+        </p:blipFill>
+        <p:spPr>
+          <a:xfrm>
+            <a:off x="7838067" y="3140968"/>
+            <a:ext cx="381993" cy="432048"/>
+          </a:xfrm>
+          <a:prstGeom prst="rect">
+            <a:avLst/>
+          </a:prstGeom>
+        </p:spPr>
+      </p:pic>
+      <p:pic>
+        <p:nvPicPr>
+          <p:cNvPr id="33" name="Bild 32"/>
+          <p:cNvPicPr>
+            <a:picLocks noChangeAspect="1"/>
+          </p:cNvPicPr>
+          <p:nvPr/>
+        </p:nvPicPr>
+        <p:blipFill>
+          <a:blip r:embed="rId18">
+            <a:extLst>
+              <a:ext uri="{28A0092B-C50C-407E-A947-70E740481C1C}">
+                <a14:useLocalDpi xmlns:a14="http://schemas.microsoft.com/office/drawing/2010/main" val="0"/>
+              </a:ext>
+            </a:extLst>
+          </a:blip>
+          <a:stretch>
+            <a:fillRect/>
+          </a:stretch>
+        </p:blipFill>
+        <p:spPr>
+          <a:xfrm>
+            <a:off x="7842478" y="2776292"/>
+            <a:ext cx="539552" cy="224673"/>
+          </a:xfrm>
+          <a:prstGeom prst="rect">
+            <a:avLst/>
+          </a:prstGeom>
+        </p:spPr>
+      </p:pic>
+      <p:pic>
+        <p:nvPicPr>
+          <p:cNvPr id="34" name="Bild 33"/>
+          <p:cNvPicPr>
+            <a:picLocks noChangeAspect="1"/>
+          </p:cNvPicPr>
+          <p:nvPr/>
+        </p:nvPicPr>
+        <p:blipFill>
+          <a:blip r:embed="rId14">
+            <a:extLst>
+              <a:ext uri="{28A0092B-C50C-407E-A947-70E740481C1C}">
+                <a14:useLocalDpi xmlns:a14="http://schemas.microsoft.com/office/drawing/2010/main" val="0"/>
+              </a:ext>
+            </a:extLst>
+          </a:blip>
+          <a:stretch>
+            <a:fillRect/>
+          </a:stretch>
+        </p:blipFill>
+        <p:spPr>
+          <a:xfrm rot="64950">
+            <a:off x="7600476" y="3559147"/>
+            <a:ext cx="408042" cy="442102"/>
+          </a:xfrm>
+          <a:prstGeom prst="rect">
+            <a:avLst/>
+          </a:prstGeom>
+        </p:spPr>
+      </p:pic>
+      <p:pic>
+        <p:nvPicPr>
+          <p:cNvPr id="35" name="Bild 34"/>
+          <p:cNvPicPr>
+            <a:picLocks noChangeAspect="1"/>
+          </p:cNvPicPr>
+          <p:nvPr/>
+        </p:nvPicPr>
+        <p:blipFill>
+          <a:blip r:embed="rId13">
+            <a:extLst>
+              <a:ext uri="{28A0092B-C50C-407E-A947-70E740481C1C}">
+                <a14:useLocalDpi xmlns:a14="http://schemas.microsoft.com/office/drawing/2010/main" val="0"/>
+              </a:ext>
+            </a:extLst>
+          </a:blip>
+          <a:stretch>
+            <a:fillRect/>
+          </a:stretch>
+        </p:blipFill>
+        <p:spPr>
+          <a:xfrm>
+            <a:off x="7695932" y="4111660"/>
+            <a:ext cx="416322" cy="432817"/>
+          </a:xfrm>
+          <a:prstGeom prst="rect">
+            <a:avLst/>
+          </a:prstGeom>
+        </p:spPr>
+      </p:pic>
+      <p:pic>
+        <p:nvPicPr>
+          <p:cNvPr id="38" name="Bild 37"/>
+          <p:cNvPicPr>
+            <a:picLocks noChangeAspect="1"/>
+          </p:cNvPicPr>
+          <p:nvPr/>
+        </p:nvPicPr>
+        <p:blipFill>
+          <a:blip r:embed="rId19">
+            <a:extLst>
+              <a:ext uri="{28A0092B-C50C-407E-A947-70E740481C1C}">
+                <a14:useLocalDpi xmlns:a14="http://schemas.microsoft.com/office/drawing/2010/main" val="0"/>
+              </a:ext>
+            </a:extLst>
+          </a:blip>
+          <a:stretch>
+            <a:fillRect/>
+          </a:stretch>
+        </p:blipFill>
+        <p:spPr>
+          <a:xfrm>
+            <a:off x="8047537" y="3761415"/>
+            <a:ext cx="405803" cy="405803"/>
+          </a:xfrm>
+          <a:prstGeom prst="rect">
+            <a:avLst/>
+          </a:prstGeom>
+        </p:spPr>
+      </p:pic>
+      <p:pic>
+        <p:nvPicPr>
+          <p:cNvPr id="39" name="Bild 38"/>
+          <p:cNvPicPr>
+            <a:picLocks noChangeAspect="1"/>
+          </p:cNvPicPr>
+          <p:nvPr/>
+        </p:nvPicPr>
+        <p:blipFill>
+          <a:blip r:embed="rId20">
+            <a:extLst>
+              <a:ext uri="{28A0092B-C50C-407E-A947-70E740481C1C}">
+                <a14:useLocalDpi xmlns:a14="http://schemas.microsoft.com/office/drawing/2010/main" val="0"/>
+              </a:ext>
+            </a:extLst>
+          </a:blip>
+          <a:stretch>
+            <a:fillRect/>
+          </a:stretch>
+        </p:blipFill>
+        <p:spPr>
+          <a:xfrm rot="19938649">
+            <a:off x="7386642" y="2394491"/>
+            <a:ext cx="587975" cy="379244"/>
+          </a:xfrm>
+          <a:prstGeom prst="rect">
+            <a:avLst/>
+          </a:prstGeom>
+        </p:spPr>
+      </p:pic>
+      <p:pic>
+        <p:nvPicPr>
+          <p:cNvPr id="40" name="Bild 39"/>
+          <p:cNvPicPr>
+            <a:picLocks noChangeAspect="1"/>
+          </p:cNvPicPr>
+          <p:nvPr/>
+        </p:nvPicPr>
+        <p:blipFill>
+          <a:blip r:embed="rId21">
+            <a:extLst>
+              <a:ext uri="{28A0092B-C50C-407E-A947-70E740481C1C}">
+                <a14:useLocalDpi xmlns:a14="http://schemas.microsoft.com/office/drawing/2010/main" val="0"/>
+              </a:ext>
+            </a:extLst>
+          </a:blip>
+          <a:stretch>
+            <a:fillRect/>
+          </a:stretch>
+        </p:blipFill>
+        <p:spPr>
+          <a:xfrm>
+            <a:off x="6524626" y="2903401"/>
+            <a:ext cx="453591" cy="453591"/>
+          </a:xfrm>
+          <a:prstGeom prst="rect">
+            <a:avLst/>
+          </a:prstGeom>
+        </p:spPr>
+      </p:pic>
+      <p:pic>
+        <p:nvPicPr>
+          <p:cNvPr id="41" name="Bild 40"/>
+          <p:cNvPicPr>
+            <a:picLocks noChangeAspect="1"/>
+          </p:cNvPicPr>
+          <p:nvPr/>
+        </p:nvPicPr>
+        <p:blipFill>
+          <a:blip r:embed="rId11">
+            <a:extLst>
+              <a:ext uri="{28A0092B-C50C-407E-A947-70E740481C1C}">
+                <a14:useLocalDpi xmlns:a14="http://schemas.microsoft.com/office/drawing/2010/main" val="0"/>
+              </a:ext>
+            </a:extLst>
+          </a:blip>
+          <a:stretch>
+            <a:fillRect/>
+          </a:stretch>
+        </p:blipFill>
+        <p:spPr>
+          <a:xfrm>
+            <a:off x="5364088" y="3736383"/>
+            <a:ext cx="437400" cy="484705"/>
+          </a:xfrm>
+          <a:prstGeom prst="rect">
+            <a:avLst/>
+          </a:prstGeom>
+        </p:spPr>
+      </p:pic>
+      <p:pic>
+        <p:nvPicPr>
+          <p:cNvPr id="32" name="Bild 31"/>
+          <p:cNvPicPr>
+            <a:picLocks noChangeAspect="1"/>
+          </p:cNvPicPr>
+          <p:nvPr/>
+        </p:nvPicPr>
+        <p:blipFill>
+          <a:blip r:embed="rId22">
+            <a:extLst>
+              <a:ext uri="{28A0092B-C50C-407E-A947-70E740481C1C}">
+                <a14:useLocalDpi xmlns:a14="http://schemas.microsoft.com/office/drawing/2010/main" val="0"/>
+              </a:ext>
+            </a:extLst>
+          </a:blip>
+          <a:stretch>
+            <a:fillRect/>
+          </a:stretch>
+        </p:blipFill>
+        <p:spPr>
+          <a:xfrm>
+            <a:off x="8004018" y="2176404"/>
+            <a:ext cx="415666" cy="415666"/>
+          </a:xfrm>
+          <a:prstGeom prst="rect">
+            <a:avLst/>
+          </a:prstGeom>
+        </p:spPr>
+      </p:pic>
+      <p:pic>
+        <p:nvPicPr>
+          <p:cNvPr id="36" name="Bild 35"/>
+          <p:cNvPicPr>
+            <a:picLocks noChangeAspect="1"/>
+          </p:cNvPicPr>
+          <p:nvPr/>
+        </p:nvPicPr>
+        <p:blipFill>
+          <a:blip r:embed="rId21">
+            <a:extLst>
+              <a:ext uri="{28A0092B-C50C-407E-A947-70E740481C1C}">
+                <a14:useLocalDpi xmlns:a14="http://schemas.microsoft.com/office/drawing/2010/main" val="0"/>
+              </a:ext>
+            </a:extLst>
+          </a:blip>
+          <a:stretch>
+            <a:fillRect/>
+          </a:stretch>
+        </p:blipFill>
+        <p:spPr>
+          <a:xfrm>
+            <a:off x="3830377" y="2903401"/>
+            <a:ext cx="453591" cy="453591"/>
+          </a:xfrm>
+          <a:prstGeom prst="rect">
+            <a:avLst/>
+          </a:prstGeom>
+        </p:spPr>
+      </p:pic>
+      <p:sp>
+        <p:nvSpPr>
+          <p:cNvPr id="3" name="Textfeld 2"/>
+          <p:cNvSpPr txBox="1"/>
+          <p:nvPr/>
+        </p:nvSpPr>
+        <p:spPr>
+          <a:xfrm>
+            <a:off x="1063173" y="2913166"/>
+            <a:ext cx="2342308" cy="523220"/>
+          </a:xfrm>
+          <a:prstGeom prst="rect">
+            <a:avLst/>
+          </a:prstGeom>
+          <a:noFill/>
+        </p:spPr>
+        <p:txBody>
+          <a:bodyPr wrap="none" rtlCol="0">
+            <a:spAutoFit/>
+          </a:bodyPr>
+          <a:lstStyle/>
+          <a:p>
+            <a:r>
+              <a:rPr lang="de-DE" sz="1400" dirty="0" smtClean="0">
+                <a:solidFill>
+                  <a:srgbClr val="C00000"/>
+                </a:solidFill>
+                <a:latin typeface="Roboto Condensed" charset="0"/>
+                <a:ea typeface="Roboto Condensed" charset="0"/>
+                <a:cs typeface="Roboto Condensed" charset="0"/>
+              </a:rPr>
+              <a:t>Werkzeuge für </a:t>
+            </a:r>
+          </a:p>
+          <a:p>
+            <a:r>
+              <a:rPr lang="de-DE" sz="1400" b="1" i="1" dirty="0" smtClean="0">
+                <a:solidFill>
+                  <a:srgbClr val="C00000"/>
+                </a:solidFill>
+                <a:latin typeface="Roboto Condensed" charset="0"/>
+                <a:ea typeface="Roboto Condensed" charset="0"/>
+                <a:cs typeface="Roboto Condensed" charset="0"/>
+              </a:rPr>
+              <a:t>reproduzierbare Wissenschaft</a:t>
+            </a:r>
+            <a:endParaRPr lang="de-DE" sz="1400" b="1" i="1" dirty="0">
+              <a:solidFill>
+                <a:srgbClr val="C00000"/>
+              </a:solidFill>
+              <a:latin typeface="Roboto Condensed" charset="0"/>
+              <a:ea typeface="Roboto Condensed" charset="0"/>
+              <a:cs typeface="Roboto Condensed" charset="0"/>
+            </a:endParaRPr>
+          </a:p>
+        </p:txBody>
+      </p:sp>
+      <p:sp>
+        <p:nvSpPr>
+          <p:cNvPr id="42" name="Textfeld 41"/>
+          <p:cNvSpPr txBox="1"/>
+          <p:nvPr/>
+        </p:nvSpPr>
+        <p:spPr>
+          <a:xfrm>
+            <a:off x="1060402" y="2060848"/>
+            <a:ext cx="3465333" cy="307777"/>
+          </a:xfrm>
+          <a:prstGeom prst="rect">
+            <a:avLst/>
+          </a:prstGeom>
+          <a:noFill/>
+        </p:spPr>
+        <p:txBody>
+          <a:bodyPr wrap="square" rtlCol="0">
+            <a:spAutoFit/>
+          </a:bodyPr>
+          <a:lstStyle/>
+          <a:p>
+            <a:r>
+              <a:rPr lang="de-DE" sz="1400" dirty="0" smtClean="0">
+                <a:solidFill>
+                  <a:srgbClr val="C00000"/>
+                </a:solidFill>
+                <a:latin typeface="Roboto Condensed" charset="0"/>
+                <a:ea typeface="Roboto Condensed" charset="0"/>
+                <a:cs typeface="Roboto Condensed" charset="0"/>
+              </a:rPr>
+              <a:t>Werkzeuge für </a:t>
+            </a:r>
+            <a:r>
+              <a:rPr lang="de-DE" sz="1400" b="1" i="1" dirty="0" smtClean="0">
+                <a:solidFill>
+                  <a:srgbClr val="C00000"/>
+                </a:solidFill>
+                <a:latin typeface="Roboto Condensed" charset="0"/>
+                <a:ea typeface="Roboto Condensed" charset="0"/>
+                <a:cs typeface="Roboto Condensed" charset="0"/>
+              </a:rPr>
+              <a:t>offene Wissenschaft</a:t>
+            </a:r>
+            <a:endParaRPr lang="de-DE" sz="1400" b="1" i="1" dirty="0">
+              <a:solidFill>
+                <a:srgbClr val="C00000"/>
+              </a:solidFill>
+              <a:latin typeface="Roboto Condensed" charset="0"/>
+              <a:ea typeface="Roboto Condensed" charset="0"/>
+              <a:cs typeface="Roboto Condensed" charset="0"/>
+            </a:endParaRPr>
+          </a:p>
+        </p:txBody>
+      </p:sp>
+      <p:cxnSp>
+        <p:nvCxnSpPr>
+          <p:cNvPr id="43" name="Gerade Verbindung mit Pfeil 42"/>
+          <p:cNvCxnSpPr/>
+          <p:nvPr/>
+        </p:nvCxnSpPr>
+        <p:spPr>
+          <a:xfrm>
+            <a:off x="467544" y="5301208"/>
+            <a:ext cx="8388424" cy="0"/>
+          </a:xfrm>
+          <a:prstGeom prst="straightConnector1">
+            <a:avLst/>
+          </a:prstGeom>
+          <a:ln w="41275" cap="rnd">
+            <a:solidFill>
+              <a:srgbClr val="A51E37"/>
+            </a:solidFill>
+            <a:tailEnd type="triangle" w="med" len="lg"/>
+          </a:ln>
+        </p:spPr>
+        <p:style>
+          <a:lnRef idx="1">
+            <a:schemeClr val="accent1"/>
+          </a:lnRef>
+          <a:fillRef idx="0">
+            <a:schemeClr val="accent1"/>
+          </a:fillRef>
+          <a:effectRef idx="0">
+            <a:schemeClr val="accent1"/>
+          </a:effectRef>
+          <a:fontRef idx="minor">
+            <a:schemeClr val="tx1"/>
+          </a:fontRef>
+        </p:style>
+      </p:cxnSp>
+      <p:cxnSp>
+        <p:nvCxnSpPr>
+          <p:cNvPr id="44" name="Gerade Verbindung mit Pfeil 43"/>
+          <p:cNvCxnSpPr/>
+          <p:nvPr/>
+        </p:nvCxnSpPr>
+        <p:spPr>
+          <a:xfrm flipH="1" flipV="1">
+            <a:off x="611560" y="2204864"/>
+            <a:ext cx="8384" cy="3248744"/>
+          </a:xfrm>
+          <a:prstGeom prst="straightConnector1">
+            <a:avLst/>
+          </a:prstGeom>
+          <a:ln w="41275" cap="rnd">
+            <a:solidFill>
+              <a:srgbClr val="A51E37"/>
+            </a:solidFill>
+            <a:tailEnd type="triangle" w="med" len="lg"/>
+          </a:ln>
+        </p:spPr>
+        <p:style>
+          <a:lnRef idx="1">
+            <a:schemeClr val="accent1"/>
+          </a:lnRef>
+          <a:fillRef idx="0">
+            <a:schemeClr val="accent1"/>
+          </a:fillRef>
+          <a:effectRef idx="0">
+            <a:schemeClr val="accent1"/>
+          </a:effectRef>
+          <a:fontRef idx="minor">
+            <a:schemeClr val="tx1"/>
+          </a:fontRef>
+        </p:style>
+      </p:cxnSp>
+      <p:pic>
+        <p:nvPicPr>
+          <p:cNvPr id="45" name="Bild 44"/>
+          <p:cNvPicPr>
+            <a:picLocks noChangeAspect="1"/>
+          </p:cNvPicPr>
+          <p:nvPr/>
+        </p:nvPicPr>
+        <p:blipFill>
+          <a:blip r:embed="rId3">
+            <a:extLst>
+              <a:ext uri="{28A0092B-C50C-407E-A947-70E740481C1C}">
+                <a14:useLocalDpi xmlns:a14="http://schemas.microsoft.com/office/drawing/2010/main" val="0"/>
+              </a:ext>
+            </a:extLst>
+          </a:blip>
+          <a:stretch>
+            <a:fillRect/>
+          </a:stretch>
+        </p:blipFill>
+        <p:spPr>
+          <a:xfrm>
+            <a:off x="971600" y="4581128"/>
+            <a:ext cx="523710" cy="405803"/>
+          </a:xfrm>
+          <a:prstGeom prst="rect">
+            <a:avLst/>
+          </a:prstGeom>
+        </p:spPr>
+      </p:pic>
+      <p:pic>
+        <p:nvPicPr>
+          <p:cNvPr id="46" name="Bild 45"/>
+          <p:cNvPicPr>
+            <a:picLocks noChangeAspect="1"/>
+          </p:cNvPicPr>
+          <p:nvPr/>
+        </p:nvPicPr>
+        <p:blipFill>
+          <a:blip r:embed="rId4">
+            <a:extLst>
+              <a:ext uri="{28A0092B-C50C-407E-A947-70E740481C1C}">
+                <a14:useLocalDpi xmlns:a14="http://schemas.microsoft.com/office/drawing/2010/main" val="0"/>
+              </a:ext>
+            </a:extLst>
+          </a:blip>
+          <a:stretch>
+            <a:fillRect/>
+          </a:stretch>
+        </p:blipFill>
+        <p:spPr>
+          <a:xfrm>
+            <a:off x="1509390" y="4581128"/>
+            <a:ext cx="427471" cy="462040"/>
+          </a:xfrm>
+          <a:prstGeom prst="rect">
+            <a:avLst/>
+          </a:prstGeom>
+        </p:spPr>
+      </p:pic>
+      <p:pic>
+        <p:nvPicPr>
+          <p:cNvPr id="47" name="Bild 46"/>
+          <p:cNvPicPr>
+            <a:picLocks noChangeAspect="1"/>
+          </p:cNvPicPr>
+          <p:nvPr/>
+        </p:nvPicPr>
+        <p:blipFill>
+          <a:blip r:embed="rId5">
+            <a:extLst>
+              <a:ext uri="{28A0092B-C50C-407E-A947-70E740481C1C}">
+                <a14:useLocalDpi xmlns:a14="http://schemas.microsoft.com/office/drawing/2010/main" val="0"/>
+              </a:ext>
+            </a:extLst>
+          </a:blip>
+          <a:stretch>
+            <a:fillRect/>
+          </a:stretch>
+        </p:blipFill>
+        <p:spPr>
+          <a:xfrm>
+            <a:off x="6588678" y="5388151"/>
+            <a:ext cx="325488" cy="454670"/>
+          </a:xfrm>
+          <a:prstGeom prst="rect">
+            <a:avLst/>
+          </a:prstGeom>
+        </p:spPr>
+      </p:pic>
+      <p:pic>
+        <p:nvPicPr>
+          <p:cNvPr id="48" name="Bild 47"/>
+          <p:cNvPicPr>
+            <a:picLocks noChangeAspect="1"/>
+          </p:cNvPicPr>
+          <p:nvPr/>
+        </p:nvPicPr>
+        <p:blipFill>
+          <a:blip r:embed="rId6">
+            <a:extLst>
+              <a:ext uri="{28A0092B-C50C-407E-A947-70E740481C1C}">
+                <a14:useLocalDpi xmlns:a14="http://schemas.microsoft.com/office/drawing/2010/main" val="0"/>
+              </a:ext>
+            </a:extLst>
+          </a:blip>
+          <a:stretch>
+            <a:fillRect/>
+          </a:stretch>
+        </p:blipFill>
+        <p:spPr>
+          <a:xfrm>
+            <a:off x="2472064" y="5453760"/>
+            <a:ext cx="437399" cy="439448"/>
+          </a:xfrm>
+          <a:prstGeom prst="rect">
+            <a:avLst/>
+          </a:prstGeom>
+        </p:spPr>
+      </p:pic>
+      <p:pic>
+        <p:nvPicPr>
+          <p:cNvPr id="49" name="Bild 48"/>
+          <p:cNvPicPr>
+            <a:picLocks noChangeAspect="1"/>
+          </p:cNvPicPr>
+          <p:nvPr/>
+        </p:nvPicPr>
+        <p:blipFill>
+          <a:blip r:embed="rId7">
+            <a:extLst>
+              <a:ext uri="{28A0092B-C50C-407E-A947-70E740481C1C}">
+                <a14:useLocalDpi xmlns:a14="http://schemas.microsoft.com/office/drawing/2010/main" val="0"/>
+              </a:ext>
+            </a:extLst>
+          </a:blip>
+          <a:stretch>
+            <a:fillRect/>
+          </a:stretch>
+        </p:blipFill>
+        <p:spPr>
+          <a:xfrm>
+            <a:off x="5126521" y="5441212"/>
+            <a:ext cx="519707" cy="434857"/>
+          </a:xfrm>
+          <a:prstGeom prst="rect">
+            <a:avLst/>
+          </a:prstGeom>
+        </p:spPr>
+      </p:pic>
+      <p:pic>
+        <p:nvPicPr>
+          <p:cNvPr id="50" name="Bild 49"/>
+          <p:cNvPicPr>
+            <a:picLocks noChangeAspect="1"/>
+          </p:cNvPicPr>
+          <p:nvPr/>
+        </p:nvPicPr>
+        <p:blipFill>
+          <a:blip r:embed="rId8">
+            <a:extLst>
+              <a:ext uri="{28A0092B-C50C-407E-A947-70E740481C1C}">
+                <a14:useLocalDpi xmlns:a14="http://schemas.microsoft.com/office/drawing/2010/main" val="0"/>
+              </a:ext>
+            </a:extLst>
+          </a:blip>
+          <a:stretch>
+            <a:fillRect/>
+          </a:stretch>
+        </p:blipFill>
+        <p:spPr>
+          <a:xfrm>
+            <a:off x="3851913" y="5407139"/>
+            <a:ext cx="524328" cy="524328"/>
+          </a:xfrm>
+          <a:prstGeom prst="rect">
+            <a:avLst/>
+          </a:prstGeom>
+        </p:spPr>
+      </p:pic>
+      <p:pic>
+        <p:nvPicPr>
+          <p:cNvPr id="51" name="Bild 50"/>
+          <p:cNvPicPr>
+            <a:picLocks noChangeAspect="1"/>
+          </p:cNvPicPr>
+          <p:nvPr/>
+        </p:nvPicPr>
+        <p:blipFill>
+          <a:blip r:embed="rId9">
+            <a:extLst>
+              <a:ext uri="{28A0092B-C50C-407E-A947-70E740481C1C}">
+                <a14:useLocalDpi xmlns:a14="http://schemas.microsoft.com/office/drawing/2010/main" val="0"/>
+              </a:ext>
+            </a:extLst>
+          </a:blip>
+          <a:stretch>
+            <a:fillRect/>
+          </a:stretch>
+        </p:blipFill>
+        <p:spPr>
+          <a:xfrm>
+            <a:off x="7596336" y="5397016"/>
+            <a:ext cx="615515" cy="436940"/>
+          </a:xfrm>
+          <a:prstGeom prst="rect">
+            <a:avLst/>
+          </a:prstGeom>
+        </p:spPr>
+      </p:pic>
+      <p:pic>
+        <p:nvPicPr>
+          <p:cNvPr id="52" name="Bild 51"/>
+          <p:cNvPicPr>
+            <a:picLocks noChangeAspect="1"/>
+          </p:cNvPicPr>
+          <p:nvPr/>
+        </p:nvPicPr>
+        <p:blipFill>
+          <a:blip r:embed="rId10">
+            <a:extLst>
+              <a:ext uri="{28A0092B-C50C-407E-A947-70E740481C1C}">
+                <a14:useLocalDpi xmlns:a14="http://schemas.microsoft.com/office/drawing/2010/main" val="0"/>
+              </a:ext>
+            </a:extLst>
+          </a:blip>
+          <a:stretch>
+            <a:fillRect/>
+          </a:stretch>
+        </p:blipFill>
+        <p:spPr>
+          <a:xfrm>
+            <a:off x="1108686" y="5438917"/>
+            <a:ext cx="428247" cy="460772"/>
+          </a:xfrm>
+          <a:prstGeom prst="rect">
+            <a:avLst/>
+          </a:prstGeom>
+        </p:spPr>
+      </p:pic>
+      <p:pic>
+        <p:nvPicPr>
+          <p:cNvPr id="53" name="Bild 52"/>
+          <p:cNvPicPr>
+            <a:picLocks noChangeAspect="1"/>
+          </p:cNvPicPr>
+          <p:nvPr/>
+        </p:nvPicPr>
+        <p:blipFill>
+          <a:blip r:embed="rId11">
+            <a:extLst>
+              <a:ext uri="{28A0092B-C50C-407E-A947-70E740481C1C}">
+                <a14:useLocalDpi xmlns:a14="http://schemas.microsoft.com/office/drawing/2010/main" val="0"/>
+              </a:ext>
+            </a:extLst>
+          </a:blip>
+          <a:stretch>
+            <a:fillRect/>
+          </a:stretch>
+        </p:blipFill>
+        <p:spPr>
+          <a:xfrm>
+            <a:off x="2472063" y="3736383"/>
+            <a:ext cx="437400" cy="484705"/>
+          </a:xfrm>
+          <a:prstGeom prst="rect">
+            <a:avLst/>
+          </a:prstGeom>
+        </p:spPr>
+      </p:pic>
+      <p:pic>
+        <p:nvPicPr>
+          <p:cNvPr id="54" name="Bild 53"/>
+          <p:cNvPicPr>
+            <a:picLocks noChangeAspect="1"/>
+          </p:cNvPicPr>
+          <p:nvPr/>
+        </p:nvPicPr>
+        <p:blipFill>
+          <a:blip r:embed="rId12">
+            <a:extLst>
+              <a:ext uri="{28A0092B-C50C-407E-A947-70E740481C1C}">
+                <a14:useLocalDpi xmlns:a14="http://schemas.microsoft.com/office/drawing/2010/main" val="0"/>
+              </a:ext>
+            </a:extLst>
+          </a:blip>
+          <a:stretch>
+            <a:fillRect/>
+          </a:stretch>
+        </p:blipFill>
+        <p:spPr>
+          <a:xfrm rot="21550500">
+            <a:off x="2475360" y="4584442"/>
+            <a:ext cx="409062" cy="460811"/>
+          </a:xfrm>
+          <a:prstGeom prst="rect">
+            <a:avLst/>
+          </a:prstGeom>
+        </p:spPr>
+      </p:pic>
+      <p:pic>
+        <p:nvPicPr>
+          <p:cNvPr id="55" name="Bild 54"/>
+          <p:cNvPicPr>
+            <a:picLocks noChangeAspect="1"/>
+          </p:cNvPicPr>
+          <p:nvPr/>
+        </p:nvPicPr>
+        <p:blipFill>
+          <a:blip r:embed="rId13">
+            <a:extLst>
+              <a:ext uri="{28A0092B-C50C-407E-A947-70E740481C1C}">
+                <a14:useLocalDpi xmlns:a14="http://schemas.microsoft.com/office/drawing/2010/main" val="0"/>
+              </a:ext>
+            </a:extLst>
+          </a:blip>
+          <a:stretch>
+            <a:fillRect/>
+          </a:stretch>
+        </p:blipFill>
+        <p:spPr>
+          <a:xfrm>
+            <a:off x="3851913" y="4113338"/>
+            <a:ext cx="416322" cy="432817"/>
+          </a:xfrm>
+          <a:prstGeom prst="rect">
+            <a:avLst/>
+          </a:prstGeom>
+        </p:spPr>
+      </p:pic>
+      <p:pic>
+        <p:nvPicPr>
+          <p:cNvPr id="56" name="Bild 55"/>
+          <p:cNvPicPr>
+            <a:picLocks noChangeAspect="1"/>
+          </p:cNvPicPr>
+          <p:nvPr/>
+        </p:nvPicPr>
+        <p:blipFill>
+          <a:blip r:embed="rId14">
+            <a:extLst>
+              <a:ext uri="{28A0092B-C50C-407E-A947-70E740481C1C}">
+                <a14:useLocalDpi xmlns:a14="http://schemas.microsoft.com/office/drawing/2010/main" val="0"/>
+              </a:ext>
+            </a:extLst>
+          </a:blip>
+          <a:stretch>
+            <a:fillRect/>
+          </a:stretch>
+        </p:blipFill>
+        <p:spPr>
+          <a:xfrm rot="64950">
+            <a:off x="3856053" y="3521863"/>
+            <a:ext cx="408042" cy="442102"/>
+          </a:xfrm>
+          <a:prstGeom prst="rect">
+            <a:avLst/>
+          </a:prstGeom>
+        </p:spPr>
+      </p:pic>
+      <p:pic>
+        <p:nvPicPr>
+          <p:cNvPr id="57" name="Bild 56"/>
+          <p:cNvPicPr>
+            <a:picLocks noChangeAspect="1"/>
+          </p:cNvPicPr>
+          <p:nvPr/>
+        </p:nvPicPr>
+        <p:blipFill>
+          <a:blip r:embed="rId13">
+            <a:extLst>
+              <a:ext uri="{28A0092B-C50C-407E-A947-70E740481C1C}">
+                <a14:useLocalDpi xmlns:a14="http://schemas.microsoft.com/office/drawing/2010/main" val="0"/>
+              </a:ext>
+            </a:extLst>
+          </a:blip>
+          <a:stretch>
+            <a:fillRect/>
+          </a:stretch>
+        </p:blipFill>
+        <p:spPr>
+          <a:xfrm>
+            <a:off x="5163790" y="4116830"/>
+            <a:ext cx="416322" cy="432817"/>
+          </a:xfrm>
+          <a:prstGeom prst="rect">
+            <a:avLst/>
+          </a:prstGeom>
+        </p:spPr>
+      </p:pic>
+      <p:pic>
+        <p:nvPicPr>
+          <p:cNvPr id="58" name="Bild 57"/>
+          <p:cNvPicPr>
+            <a:picLocks noChangeAspect="1"/>
+          </p:cNvPicPr>
+          <p:nvPr/>
+        </p:nvPicPr>
+        <p:blipFill>
+          <a:blip r:embed="rId14">
+            <a:extLst>
+              <a:ext uri="{28A0092B-C50C-407E-A947-70E740481C1C}">
+                <a14:useLocalDpi xmlns:a14="http://schemas.microsoft.com/office/drawing/2010/main" val="0"/>
+              </a:ext>
+            </a:extLst>
+          </a:blip>
+          <a:stretch>
+            <a:fillRect/>
+          </a:stretch>
+        </p:blipFill>
+        <p:spPr>
+          <a:xfrm rot="64950">
+            <a:off x="4951906" y="3525355"/>
+            <a:ext cx="408042" cy="442102"/>
+          </a:xfrm>
+          <a:prstGeom prst="rect">
+            <a:avLst/>
+          </a:prstGeom>
+        </p:spPr>
+      </p:pic>
+      <p:pic>
+        <p:nvPicPr>
+          <p:cNvPr id="59" name="Bild 58"/>
+          <p:cNvPicPr>
+            <a:picLocks noChangeAspect="1"/>
+          </p:cNvPicPr>
+          <p:nvPr/>
+        </p:nvPicPr>
+        <p:blipFill>
+          <a:blip r:embed="rId15">
+            <a:extLst>
+              <a:ext uri="{28A0092B-C50C-407E-A947-70E740481C1C}">
+                <a14:useLocalDpi xmlns:a14="http://schemas.microsoft.com/office/drawing/2010/main" val="0"/>
+              </a:ext>
+            </a:extLst>
+          </a:blip>
+          <a:stretch>
+            <a:fillRect/>
+          </a:stretch>
+        </p:blipFill>
+        <p:spPr>
+          <a:xfrm>
+            <a:off x="6524626" y="2348880"/>
+            <a:ext cx="453591" cy="453591"/>
+          </a:xfrm>
+          <a:prstGeom prst="rect">
+            <a:avLst/>
+          </a:prstGeom>
+        </p:spPr>
+      </p:pic>
+      <p:pic>
+        <p:nvPicPr>
+          <p:cNvPr id="60" name="Bild 59"/>
+          <p:cNvPicPr>
+            <a:picLocks noChangeAspect="1"/>
+          </p:cNvPicPr>
+          <p:nvPr/>
+        </p:nvPicPr>
+        <p:blipFill>
+          <a:blip r:embed="rId16">
+            <a:extLst>
+              <a:ext uri="{28A0092B-C50C-407E-A947-70E740481C1C}">
+                <a14:useLocalDpi xmlns:a14="http://schemas.microsoft.com/office/drawing/2010/main" val="0"/>
+              </a:ext>
+            </a:extLst>
+          </a:blip>
+          <a:stretch>
+            <a:fillRect/>
+          </a:stretch>
+        </p:blipFill>
+        <p:spPr>
+          <a:xfrm>
+            <a:off x="5163791" y="3036893"/>
+            <a:ext cx="416322" cy="464115"/>
+          </a:xfrm>
+          <a:prstGeom prst="rect">
+            <a:avLst/>
+          </a:prstGeom>
+        </p:spPr>
+      </p:pic>
+      <p:pic>
+        <p:nvPicPr>
+          <p:cNvPr id="61" name="Bild 60"/>
+          <p:cNvPicPr>
+            <a:picLocks noChangeAspect="1"/>
+          </p:cNvPicPr>
+          <p:nvPr/>
+        </p:nvPicPr>
+        <p:blipFill rotWithShape="1">
+          <a:blip r:embed="rId17">
+            <a:extLst>
+              <a:ext uri="{28A0092B-C50C-407E-A947-70E740481C1C}">
+                <a14:useLocalDpi xmlns:a14="http://schemas.microsoft.com/office/drawing/2010/main" val="0"/>
+              </a:ext>
+            </a:extLst>
+          </a:blip>
+          <a:srcRect t="949" b="-1"/>
+          <a:stretch/>
+        </p:blipFill>
+        <p:spPr>
+          <a:xfrm>
+            <a:off x="7838067" y="3140968"/>
+            <a:ext cx="381993" cy="432048"/>
+          </a:xfrm>
+          <a:prstGeom prst="rect">
+            <a:avLst/>
+          </a:prstGeom>
+        </p:spPr>
+      </p:pic>
+      <p:pic>
+        <p:nvPicPr>
+          <p:cNvPr id="62" name="Bild 61"/>
+          <p:cNvPicPr>
+            <a:picLocks noChangeAspect="1"/>
+          </p:cNvPicPr>
+          <p:nvPr/>
+        </p:nvPicPr>
+        <p:blipFill>
+          <a:blip r:embed="rId18">
+            <a:extLst>
+              <a:ext uri="{28A0092B-C50C-407E-A947-70E740481C1C}">
+                <a14:useLocalDpi xmlns:a14="http://schemas.microsoft.com/office/drawing/2010/main" val="0"/>
+              </a:ext>
+            </a:extLst>
+          </a:blip>
+          <a:stretch>
+            <a:fillRect/>
+          </a:stretch>
+        </p:blipFill>
+        <p:spPr>
+          <a:xfrm>
+            <a:off x="7842478" y="2776292"/>
+            <a:ext cx="539552" cy="224673"/>
+          </a:xfrm>
+          <a:prstGeom prst="rect">
+            <a:avLst/>
+          </a:prstGeom>
+        </p:spPr>
+      </p:pic>
+      <p:pic>
+        <p:nvPicPr>
+          <p:cNvPr id="63" name="Bild 62"/>
+          <p:cNvPicPr>
+            <a:picLocks noChangeAspect="1"/>
+          </p:cNvPicPr>
+          <p:nvPr/>
+        </p:nvPicPr>
+        <p:blipFill>
+          <a:blip r:embed="rId14">
+            <a:extLst>
+              <a:ext uri="{28A0092B-C50C-407E-A947-70E740481C1C}">
+                <a14:useLocalDpi xmlns:a14="http://schemas.microsoft.com/office/drawing/2010/main" val="0"/>
+              </a:ext>
+            </a:extLst>
+          </a:blip>
+          <a:stretch>
+            <a:fillRect/>
+          </a:stretch>
+        </p:blipFill>
+        <p:spPr>
+          <a:xfrm rot="64950">
+            <a:off x="7600476" y="3559147"/>
+            <a:ext cx="408042" cy="442102"/>
+          </a:xfrm>
+          <a:prstGeom prst="rect">
+            <a:avLst/>
+          </a:prstGeom>
+        </p:spPr>
+      </p:pic>
+      <p:pic>
+        <p:nvPicPr>
+          <p:cNvPr id="64" name="Bild 63"/>
+          <p:cNvPicPr>
+            <a:picLocks noChangeAspect="1"/>
+          </p:cNvPicPr>
+          <p:nvPr/>
+        </p:nvPicPr>
+        <p:blipFill>
+          <a:blip r:embed="rId13">
+            <a:extLst>
+              <a:ext uri="{28A0092B-C50C-407E-A947-70E740481C1C}">
+                <a14:useLocalDpi xmlns:a14="http://schemas.microsoft.com/office/drawing/2010/main" val="0"/>
+              </a:ext>
+            </a:extLst>
+          </a:blip>
+          <a:stretch>
+            <a:fillRect/>
+          </a:stretch>
+        </p:blipFill>
+        <p:spPr>
+          <a:xfrm>
+            <a:off x="7695932" y="4111660"/>
+            <a:ext cx="416322" cy="432817"/>
+          </a:xfrm>
+          <a:prstGeom prst="rect">
+            <a:avLst/>
+          </a:prstGeom>
+        </p:spPr>
+      </p:pic>
+      <p:pic>
+        <p:nvPicPr>
+          <p:cNvPr id="65" name="Bild 64"/>
+          <p:cNvPicPr>
+            <a:picLocks noChangeAspect="1"/>
+          </p:cNvPicPr>
+          <p:nvPr/>
+        </p:nvPicPr>
+        <p:blipFill>
+          <a:blip r:embed="rId19">
+            <a:extLst>
+              <a:ext uri="{28A0092B-C50C-407E-A947-70E740481C1C}">
+                <a14:useLocalDpi xmlns:a14="http://schemas.microsoft.com/office/drawing/2010/main" val="0"/>
+              </a:ext>
+            </a:extLst>
+          </a:blip>
+          <a:stretch>
+            <a:fillRect/>
+          </a:stretch>
+        </p:blipFill>
+        <p:spPr>
+          <a:xfrm>
+            <a:off x="8047537" y="3761415"/>
+            <a:ext cx="405803" cy="405803"/>
+          </a:xfrm>
+          <a:prstGeom prst="rect">
+            <a:avLst/>
+          </a:prstGeom>
+        </p:spPr>
+      </p:pic>
+      <p:pic>
+        <p:nvPicPr>
+          <p:cNvPr id="66" name="Bild 65"/>
+          <p:cNvPicPr>
+            <a:picLocks noChangeAspect="1"/>
+          </p:cNvPicPr>
+          <p:nvPr/>
+        </p:nvPicPr>
+        <p:blipFill>
+          <a:blip r:embed="rId20">
+            <a:extLst>
+              <a:ext uri="{28A0092B-C50C-407E-A947-70E740481C1C}">
+                <a14:useLocalDpi xmlns:a14="http://schemas.microsoft.com/office/drawing/2010/main" val="0"/>
+              </a:ext>
+            </a:extLst>
+          </a:blip>
+          <a:stretch>
+            <a:fillRect/>
+          </a:stretch>
+        </p:blipFill>
+        <p:spPr>
+          <a:xfrm rot="19938649">
+            <a:off x="7386642" y="2394491"/>
+            <a:ext cx="587975" cy="379244"/>
+          </a:xfrm>
+          <a:prstGeom prst="rect">
+            <a:avLst/>
+          </a:prstGeom>
+        </p:spPr>
+      </p:pic>
+      <p:pic>
+        <p:nvPicPr>
+          <p:cNvPr id="67" name="Bild 66"/>
+          <p:cNvPicPr>
+            <a:picLocks noChangeAspect="1"/>
+          </p:cNvPicPr>
+          <p:nvPr/>
+        </p:nvPicPr>
+        <p:blipFill>
+          <a:blip r:embed="rId21">
+            <a:extLst>
+              <a:ext uri="{28A0092B-C50C-407E-A947-70E740481C1C}">
+                <a14:useLocalDpi xmlns:a14="http://schemas.microsoft.com/office/drawing/2010/main" val="0"/>
+              </a:ext>
+            </a:extLst>
+          </a:blip>
+          <a:stretch>
+            <a:fillRect/>
+          </a:stretch>
+        </p:blipFill>
+        <p:spPr>
+          <a:xfrm>
+            <a:off x="6524626" y="2903401"/>
+            <a:ext cx="453591" cy="453591"/>
+          </a:xfrm>
+          <a:prstGeom prst="rect">
+            <a:avLst/>
+          </a:prstGeom>
+        </p:spPr>
+      </p:pic>
+      <p:pic>
+        <p:nvPicPr>
+          <p:cNvPr id="68" name="Bild 67"/>
+          <p:cNvPicPr>
+            <a:picLocks noChangeAspect="1"/>
+          </p:cNvPicPr>
+          <p:nvPr/>
+        </p:nvPicPr>
+        <p:blipFill>
+          <a:blip r:embed="rId11">
+            <a:extLst>
+              <a:ext uri="{28A0092B-C50C-407E-A947-70E740481C1C}">
+                <a14:useLocalDpi xmlns:a14="http://schemas.microsoft.com/office/drawing/2010/main" val="0"/>
+              </a:ext>
+            </a:extLst>
+          </a:blip>
+          <a:stretch>
+            <a:fillRect/>
+          </a:stretch>
+        </p:blipFill>
+        <p:spPr>
+          <a:xfrm>
+            <a:off x="5364088" y="3736383"/>
+            <a:ext cx="437400" cy="484705"/>
+          </a:xfrm>
+          <a:prstGeom prst="rect">
+            <a:avLst/>
+          </a:prstGeom>
+        </p:spPr>
+      </p:pic>
+      <p:pic>
+        <p:nvPicPr>
+          <p:cNvPr id="69" name="Bild 68"/>
+          <p:cNvPicPr>
+            <a:picLocks noChangeAspect="1"/>
+          </p:cNvPicPr>
+          <p:nvPr/>
+        </p:nvPicPr>
+        <p:blipFill>
+          <a:blip r:embed="rId22">
+            <a:extLst>
+              <a:ext uri="{28A0092B-C50C-407E-A947-70E740481C1C}">
+                <a14:useLocalDpi xmlns:a14="http://schemas.microsoft.com/office/drawing/2010/main" val="0"/>
+              </a:ext>
+            </a:extLst>
+          </a:blip>
+          <a:stretch>
+            <a:fillRect/>
+          </a:stretch>
+        </p:blipFill>
+        <p:spPr>
+          <a:xfrm>
+            <a:off x="8004018" y="2176404"/>
+            <a:ext cx="415666" cy="415666"/>
+          </a:xfrm>
+          <a:prstGeom prst="rect">
+            <a:avLst/>
+          </a:prstGeom>
+        </p:spPr>
+      </p:pic>
+      <p:pic>
+        <p:nvPicPr>
+          <p:cNvPr id="70" name="Bild 69"/>
+          <p:cNvPicPr>
+            <a:picLocks noChangeAspect="1"/>
+          </p:cNvPicPr>
+          <p:nvPr/>
+        </p:nvPicPr>
+        <p:blipFill>
+          <a:blip r:embed="rId21">
+            <a:extLst>
+              <a:ext uri="{28A0092B-C50C-407E-A947-70E740481C1C}">
+                <a14:useLocalDpi xmlns:a14="http://schemas.microsoft.com/office/drawing/2010/main" val="0"/>
+              </a:ext>
+            </a:extLst>
+          </a:blip>
+          <a:stretch>
+            <a:fillRect/>
+          </a:stretch>
+        </p:blipFill>
+        <p:spPr>
+          <a:xfrm>
+            <a:off x="3830377" y="2903401"/>
+            <a:ext cx="453591" cy="453591"/>
+          </a:xfrm>
+          <a:prstGeom prst="rect">
+            <a:avLst/>
+          </a:prstGeom>
+        </p:spPr>
+      </p:pic>
+      <p:sp>
+        <p:nvSpPr>
+          <p:cNvPr id="71" name="Textfeld 70"/>
+          <p:cNvSpPr txBox="1"/>
+          <p:nvPr/>
+        </p:nvSpPr>
+        <p:spPr>
+          <a:xfrm rot="16200000">
+            <a:off x="-230249" y="2830209"/>
+            <a:ext cx="1409001" cy="307777"/>
+          </a:xfrm>
+          <a:prstGeom prst="rect">
+            <a:avLst/>
+          </a:prstGeom>
+          <a:noFill/>
+        </p:spPr>
+        <p:txBody>
+          <a:bodyPr wrap="square" rtlCol="0">
+            <a:spAutoFit/>
+          </a:bodyPr>
+          <a:lstStyle/>
+          <a:p>
+            <a:pPr algn="ctr"/>
+            <a:r>
+              <a:rPr lang="de-DE" sz="1400" smtClean="0">
+                <a:solidFill>
+                  <a:srgbClr val="C00000"/>
+                </a:solidFill>
+                <a:latin typeface="Roboto Condensed" charset="0"/>
+                <a:ea typeface="Roboto Condensed" charset="0"/>
+                <a:cs typeface="Roboto Condensed" charset="0"/>
+              </a:rPr>
+              <a:t>Einstiegshürde</a:t>
+            </a:r>
+            <a:endParaRPr lang="de-DE" sz="1400" b="1" i="1" dirty="0">
+              <a:solidFill>
+                <a:srgbClr val="C00000"/>
+              </a:solidFill>
+              <a:latin typeface="Roboto Condensed" charset="0"/>
+              <a:ea typeface="Roboto Condensed" charset="0"/>
+              <a:cs typeface="Roboto Condensed" charset="0"/>
+            </a:endParaRPr>
+          </a:p>
+        </p:txBody>
+      </p:sp>
+    </p:spTree>
+    <p:extLst>
+      <p:ext uri="{BB962C8B-B14F-4D97-AF65-F5344CB8AC3E}">
+        <p14:creationId xmlns:p14="http://schemas.microsoft.com/office/powerpoint/2010/main" val="704907420"/>
+      </p:ext>
+    </p:extLst>
+  </p:cSld>
+  <p:clrMapOvr>
+    <a:masterClrMapping/>
+  </p:clrMapOvr>
+</p:sld>
+</file>
+
+<file path=ppt/slides/slide5.xml><?xml version="1.0" encoding="utf-8"?>
+<p:sld xmlns:a="http://schemas.openxmlformats.org/drawingml/2006/main" xmlns:r="http://schemas.openxmlformats.org/officeDocument/2006/relationships" xmlns:p="http://schemas.openxmlformats.org/presentationml/2006/main">
+  <p:cSld>
+    <p:spTree>
+      <p:nvGrpSpPr>
+        <p:cNvPr id="1" name=""/>
+        <p:cNvGrpSpPr/>
+        <p:nvPr/>
+      </p:nvGrpSpPr>
+      <p:grpSpPr>
+        <a:xfrm>
+          <a:off x="0" y="0"/>
+          <a:ext cx="0" cy="0"/>
+          <a:chOff x="0" y="0"/>
+          <a:chExt cx="0" cy="0"/>
+        </a:xfrm>
+      </p:grpSpPr>
+      <p:sp>
+        <p:nvSpPr>
+          <p:cNvPr id="37" name="Abgerundetes Rechteck 36"/>
+          <p:cNvSpPr/>
+          <p:nvPr/>
+        </p:nvSpPr>
+        <p:spPr>
+          <a:xfrm>
+            <a:off x="830614" y="2060848"/>
+            <a:ext cx="7845841" cy="3096343"/>
+          </a:xfrm>
+          <a:prstGeom prst="roundRect">
+            <a:avLst>
+              <a:gd name="adj" fmla="val 8398"/>
+            </a:avLst>
+          </a:prstGeom>
+          <a:solidFill>
+            <a:schemeClr val="tx2">
+              <a:alpha val="13000"/>
+            </a:schemeClr>
+          </a:solidFill>
+          <a:ln>
+            <a:noFill/>
+          </a:ln>
+        </p:spPr>
+        <p:style>
+          <a:lnRef idx="2">
+            <a:schemeClr val="accent1">
+              <a:shade val="50000"/>
+            </a:schemeClr>
+          </a:lnRef>
+          <a:fillRef idx="1">
+            <a:schemeClr val="accent1"/>
+          </a:fillRef>
+          <a:effectRef idx="0">
+            <a:schemeClr val="accent1"/>
+          </a:effectRef>
+          <a:fontRef idx="minor">
+            <a:schemeClr val="lt1"/>
+          </a:fontRef>
+        </p:style>
+        <p:txBody>
+          <a:bodyPr rtlCol="0" anchor="ctr"/>
+          <a:lstStyle/>
+          <a:p>
+            <a:pPr algn="ctr"/>
+            <a:endParaRPr lang="de-DE" dirty="0"/>
+          </a:p>
+        </p:txBody>
+      </p:sp>
+      <p:sp>
+        <p:nvSpPr>
+          <p:cNvPr id="2" name="Abgerundetes Rechteck 1"/>
+          <p:cNvSpPr/>
+          <p:nvPr/>
+        </p:nvSpPr>
+        <p:spPr>
+          <a:xfrm>
+            <a:off x="827584" y="2802470"/>
+            <a:ext cx="5256584" cy="2354721"/>
+          </a:xfrm>
+          <a:prstGeom prst="roundRect">
+            <a:avLst>
+              <a:gd name="adj" fmla="val 10944"/>
+            </a:avLst>
+          </a:prstGeom>
+          <a:solidFill>
+            <a:schemeClr val="tx2">
+              <a:alpha val="12000"/>
+            </a:schemeClr>
+          </a:solidFill>
+          <a:ln>
+            <a:noFill/>
+          </a:ln>
+        </p:spPr>
+        <p:style>
+          <a:lnRef idx="2">
+            <a:schemeClr val="accent1">
+              <a:shade val="50000"/>
+            </a:schemeClr>
+          </a:lnRef>
+          <a:fillRef idx="1">
+            <a:schemeClr val="accent1"/>
+          </a:fillRef>
+          <a:effectRef idx="0">
+            <a:schemeClr val="accent1"/>
+          </a:effectRef>
+          <a:fontRef idx="minor">
+            <a:schemeClr val="lt1"/>
+          </a:fontRef>
+        </p:style>
+        <p:txBody>
+          <a:bodyPr rtlCol="0" anchor="ctr"/>
+          <a:lstStyle/>
+          <a:p>
+            <a:pPr algn="ctr"/>
+            <a:endParaRPr lang="de-DE" dirty="0"/>
+          </a:p>
+        </p:txBody>
+      </p:sp>
+      <p:cxnSp>
+        <p:nvCxnSpPr>
+          <p:cNvPr id="6" name="Gerade Verbindung mit Pfeil 5"/>
+          <p:cNvCxnSpPr/>
+          <p:nvPr/>
+        </p:nvCxnSpPr>
+        <p:spPr>
+          <a:xfrm>
+            <a:off x="467544" y="5301208"/>
+            <a:ext cx="8388424" cy="0"/>
+          </a:xfrm>
+          <a:prstGeom prst="straightConnector1">
+            <a:avLst/>
+          </a:prstGeom>
+          <a:ln w="41275" cap="rnd">
+            <a:solidFill>
+              <a:srgbClr val="A51E37"/>
+            </a:solidFill>
+            <a:tailEnd type="triangle" w="med" len="lg"/>
+          </a:ln>
+        </p:spPr>
+        <p:style>
+          <a:lnRef idx="1">
+            <a:schemeClr val="accent1"/>
+          </a:lnRef>
+          <a:fillRef idx="0">
+            <a:schemeClr val="accent1"/>
+          </a:fillRef>
+          <a:effectRef idx="0">
+            <a:schemeClr val="accent1"/>
+          </a:effectRef>
+          <a:fontRef idx="minor">
+            <a:schemeClr val="tx1"/>
+          </a:fontRef>
+        </p:style>
+      </p:cxnSp>
+      <p:cxnSp>
+        <p:nvCxnSpPr>
+          <p:cNvPr id="8" name="Gerade Verbindung mit Pfeil 7"/>
+          <p:cNvCxnSpPr/>
+          <p:nvPr/>
+        </p:nvCxnSpPr>
+        <p:spPr>
+          <a:xfrm flipH="1" flipV="1">
+            <a:off x="611560" y="2204864"/>
+            <a:ext cx="8384" cy="3248744"/>
+          </a:xfrm>
+          <a:prstGeom prst="straightConnector1">
+            <a:avLst/>
+          </a:prstGeom>
+          <a:ln w="41275" cap="rnd">
+            <a:solidFill>
+              <a:srgbClr val="A51E37"/>
+            </a:solidFill>
+            <a:tailEnd type="triangle" w="med" len="lg"/>
+          </a:ln>
+        </p:spPr>
+        <p:style>
+          <a:lnRef idx="1">
+            <a:schemeClr val="accent1"/>
+          </a:lnRef>
+          <a:fillRef idx="0">
+            <a:schemeClr val="accent1"/>
+          </a:fillRef>
+          <a:effectRef idx="0">
+            <a:schemeClr val="accent1"/>
+          </a:effectRef>
+          <a:fontRef idx="minor">
+            <a:schemeClr val="tx1"/>
+          </a:fontRef>
+        </p:style>
+      </p:cxnSp>
+      <p:pic>
+        <p:nvPicPr>
+          <p:cNvPr id="14" name="Bild 13"/>
+          <p:cNvPicPr>
+            <a:picLocks noChangeAspect="1"/>
+          </p:cNvPicPr>
+          <p:nvPr/>
+        </p:nvPicPr>
+        <p:blipFill>
+          <a:blip r:embed="rId3">
+            <a:extLst>
+              <a:ext uri="{28A0092B-C50C-407E-A947-70E740481C1C}">
+                <a14:useLocalDpi xmlns:a14="http://schemas.microsoft.com/office/drawing/2010/main" val="0"/>
+              </a:ext>
+            </a:extLst>
+          </a:blip>
+          <a:stretch>
+            <a:fillRect/>
+          </a:stretch>
+        </p:blipFill>
+        <p:spPr>
+          <a:xfrm>
+            <a:off x="971600" y="4581128"/>
+            <a:ext cx="523710" cy="405803"/>
+          </a:xfrm>
+          <a:prstGeom prst="rect">
+            <a:avLst/>
+          </a:prstGeom>
+        </p:spPr>
+      </p:pic>
+      <p:pic>
+        <p:nvPicPr>
+          <p:cNvPr id="15" name="Bild 14"/>
+          <p:cNvPicPr>
+            <a:picLocks noChangeAspect="1"/>
+          </p:cNvPicPr>
+          <p:nvPr/>
+        </p:nvPicPr>
+        <p:blipFill>
+          <a:blip r:embed="rId4">
+            <a:extLst>
+              <a:ext uri="{28A0092B-C50C-407E-A947-70E740481C1C}">
+                <a14:useLocalDpi xmlns:a14="http://schemas.microsoft.com/office/drawing/2010/main" val="0"/>
+              </a:ext>
+            </a:extLst>
+          </a:blip>
+          <a:stretch>
+            <a:fillRect/>
+          </a:stretch>
+        </p:blipFill>
+        <p:spPr>
+          <a:xfrm>
+            <a:off x="1509390" y="4581128"/>
+            <a:ext cx="427471" cy="462040"/>
+          </a:xfrm>
+          <a:prstGeom prst="rect">
+            <a:avLst/>
+          </a:prstGeom>
+        </p:spPr>
+      </p:pic>
+      <p:pic>
+        <p:nvPicPr>
+          <p:cNvPr id="17" name="Bild 16"/>
+          <p:cNvPicPr>
+            <a:picLocks noChangeAspect="1"/>
+          </p:cNvPicPr>
+          <p:nvPr/>
+        </p:nvPicPr>
+        <p:blipFill>
+          <a:blip r:embed="rId5">
+            <a:extLst>
+              <a:ext uri="{28A0092B-C50C-407E-A947-70E740481C1C}">
+                <a14:useLocalDpi xmlns:a14="http://schemas.microsoft.com/office/drawing/2010/main" val="0"/>
+              </a:ext>
+            </a:extLst>
+          </a:blip>
+          <a:stretch>
+            <a:fillRect/>
+          </a:stretch>
+        </p:blipFill>
+        <p:spPr>
+          <a:xfrm>
+            <a:off x="6588678" y="5388151"/>
+            <a:ext cx="325488" cy="454670"/>
+          </a:xfrm>
+          <a:prstGeom prst="rect">
+            <a:avLst/>
+          </a:prstGeom>
+        </p:spPr>
+      </p:pic>
+      <p:pic>
+        <p:nvPicPr>
+          <p:cNvPr id="18" name="Bild 17"/>
+          <p:cNvPicPr>
+            <a:picLocks noChangeAspect="1"/>
+          </p:cNvPicPr>
+          <p:nvPr/>
+        </p:nvPicPr>
+        <p:blipFill>
+          <a:blip r:embed="rId6">
+            <a:extLst>
+              <a:ext uri="{28A0092B-C50C-407E-A947-70E740481C1C}">
+                <a14:useLocalDpi xmlns:a14="http://schemas.microsoft.com/office/drawing/2010/main" val="0"/>
+              </a:ext>
+            </a:extLst>
+          </a:blip>
+          <a:stretch>
+            <a:fillRect/>
+          </a:stretch>
+        </p:blipFill>
+        <p:spPr>
+          <a:xfrm>
+            <a:off x="2472064" y="5453760"/>
+            <a:ext cx="437399" cy="439448"/>
+          </a:xfrm>
+          <a:prstGeom prst="rect">
+            <a:avLst/>
+          </a:prstGeom>
+        </p:spPr>
+      </p:pic>
+      <p:pic>
+        <p:nvPicPr>
+          <p:cNvPr id="19" name="Bild 18"/>
+          <p:cNvPicPr>
+            <a:picLocks noChangeAspect="1"/>
+          </p:cNvPicPr>
+          <p:nvPr/>
+        </p:nvPicPr>
+        <p:blipFill>
+          <a:blip r:embed="rId7">
+            <a:extLst>
+              <a:ext uri="{28A0092B-C50C-407E-A947-70E740481C1C}">
+                <a14:useLocalDpi xmlns:a14="http://schemas.microsoft.com/office/drawing/2010/main" val="0"/>
+              </a:ext>
+            </a:extLst>
+          </a:blip>
+          <a:stretch>
+            <a:fillRect/>
+          </a:stretch>
+        </p:blipFill>
+        <p:spPr>
+          <a:xfrm>
+            <a:off x="5126521" y="5441212"/>
+            <a:ext cx="519707" cy="434857"/>
+          </a:xfrm>
+          <a:prstGeom prst="rect">
+            <a:avLst/>
+          </a:prstGeom>
+        </p:spPr>
+      </p:pic>
+      <p:pic>
+        <p:nvPicPr>
+          <p:cNvPr id="20" name="Bild 19"/>
+          <p:cNvPicPr>
+            <a:picLocks noChangeAspect="1"/>
+          </p:cNvPicPr>
+          <p:nvPr/>
+        </p:nvPicPr>
+        <p:blipFill>
+          <a:blip r:embed="rId8">
+            <a:extLst>
+              <a:ext uri="{28A0092B-C50C-407E-A947-70E740481C1C}">
+                <a14:useLocalDpi xmlns:a14="http://schemas.microsoft.com/office/drawing/2010/main" val="0"/>
+              </a:ext>
+            </a:extLst>
+          </a:blip>
+          <a:stretch>
+            <a:fillRect/>
+          </a:stretch>
+        </p:blipFill>
+        <p:spPr>
+          <a:xfrm>
+            <a:off x="3851913" y="5407139"/>
+            <a:ext cx="524328" cy="524328"/>
+          </a:xfrm>
+          <a:prstGeom prst="rect">
+            <a:avLst/>
+          </a:prstGeom>
+        </p:spPr>
+      </p:pic>
+      <p:pic>
+        <p:nvPicPr>
+          <p:cNvPr id="21" name="Bild 20"/>
+          <p:cNvPicPr>
+            <a:picLocks noChangeAspect="1"/>
+          </p:cNvPicPr>
+          <p:nvPr/>
+        </p:nvPicPr>
+        <p:blipFill>
+          <a:blip r:embed="rId9">
+            <a:extLst>
+              <a:ext uri="{28A0092B-C50C-407E-A947-70E740481C1C}">
+                <a14:useLocalDpi xmlns:a14="http://schemas.microsoft.com/office/drawing/2010/main" val="0"/>
+              </a:ext>
+            </a:extLst>
+          </a:blip>
+          <a:stretch>
+            <a:fillRect/>
+          </a:stretch>
+        </p:blipFill>
+        <p:spPr>
+          <a:xfrm>
+            <a:off x="7596336" y="5397016"/>
+            <a:ext cx="615515" cy="436940"/>
+          </a:xfrm>
+          <a:prstGeom prst="rect">
+            <a:avLst/>
+          </a:prstGeom>
+        </p:spPr>
+      </p:pic>
+      <p:pic>
+        <p:nvPicPr>
+          <p:cNvPr id="22" name="Bild 21"/>
+          <p:cNvPicPr>
+            <a:picLocks noChangeAspect="1"/>
+          </p:cNvPicPr>
+          <p:nvPr/>
+        </p:nvPicPr>
+        <p:blipFill>
+          <a:blip r:embed="rId10">
+            <a:extLst>
+              <a:ext uri="{28A0092B-C50C-407E-A947-70E740481C1C}">
+                <a14:useLocalDpi xmlns:a14="http://schemas.microsoft.com/office/drawing/2010/main" val="0"/>
+              </a:ext>
+            </a:extLst>
+          </a:blip>
+          <a:stretch>
+            <a:fillRect/>
+          </a:stretch>
+        </p:blipFill>
+        <p:spPr>
+          <a:xfrm>
+            <a:off x="1108686" y="5438917"/>
+            <a:ext cx="428247" cy="460772"/>
+          </a:xfrm>
+          <a:prstGeom prst="rect">
+            <a:avLst/>
+          </a:prstGeom>
+        </p:spPr>
+      </p:pic>
+      <p:pic>
+        <p:nvPicPr>
+          <p:cNvPr id="23" name="Bild 22"/>
+          <p:cNvPicPr>
+            <a:picLocks noChangeAspect="1"/>
+          </p:cNvPicPr>
+          <p:nvPr/>
+        </p:nvPicPr>
+        <p:blipFill>
+          <a:blip r:embed="rId11">
+            <a:extLst>
+              <a:ext uri="{28A0092B-C50C-407E-A947-70E740481C1C}">
+                <a14:useLocalDpi xmlns:a14="http://schemas.microsoft.com/office/drawing/2010/main" val="0"/>
+              </a:ext>
+            </a:extLst>
+          </a:blip>
+          <a:stretch>
+            <a:fillRect/>
+          </a:stretch>
+        </p:blipFill>
+        <p:spPr>
+          <a:xfrm>
+            <a:off x="2472063" y="3736383"/>
+            <a:ext cx="437400" cy="484705"/>
+          </a:xfrm>
+          <a:prstGeom prst="rect">
+            <a:avLst/>
+          </a:prstGeom>
+        </p:spPr>
+      </p:pic>
+      <p:pic>
+        <p:nvPicPr>
+          <p:cNvPr id="24" name="Bild 23"/>
+          <p:cNvPicPr>
+            <a:picLocks noChangeAspect="1"/>
+          </p:cNvPicPr>
+          <p:nvPr/>
+        </p:nvPicPr>
+        <p:blipFill>
+          <a:blip r:embed="rId12">
+            <a:extLst>
+              <a:ext uri="{28A0092B-C50C-407E-A947-70E740481C1C}">
+                <a14:useLocalDpi xmlns:a14="http://schemas.microsoft.com/office/drawing/2010/main" val="0"/>
+              </a:ext>
+            </a:extLst>
+          </a:blip>
+          <a:stretch>
+            <a:fillRect/>
+          </a:stretch>
+        </p:blipFill>
+        <p:spPr>
+          <a:xfrm rot="21550500">
+            <a:off x="2475360" y="4584442"/>
+            <a:ext cx="409062" cy="460811"/>
+          </a:xfrm>
+          <a:prstGeom prst="rect">
+            <a:avLst/>
+          </a:prstGeom>
+        </p:spPr>
+      </p:pic>
+      <p:pic>
+        <p:nvPicPr>
+          <p:cNvPr id="25" name="Bild 24"/>
+          <p:cNvPicPr>
+            <a:picLocks noChangeAspect="1"/>
+          </p:cNvPicPr>
+          <p:nvPr/>
+        </p:nvPicPr>
+        <p:blipFill>
+          <a:blip r:embed="rId13">
+            <a:extLst>
+              <a:ext uri="{28A0092B-C50C-407E-A947-70E740481C1C}">
+                <a14:useLocalDpi xmlns:a14="http://schemas.microsoft.com/office/drawing/2010/main" val="0"/>
+              </a:ext>
+            </a:extLst>
+          </a:blip>
+          <a:stretch>
+            <a:fillRect/>
+          </a:stretch>
+        </p:blipFill>
+        <p:spPr>
+          <a:xfrm>
+            <a:off x="3851913" y="4113338"/>
+            <a:ext cx="416322" cy="432817"/>
+          </a:xfrm>
+          <a:prstGeom prst="rect">
+            <a:avLst/>
+          </a:prstGeom>
+        </p:spPr>
+      </p:pic>
+      <p:pic>
+        <p:nvPicPr>
+          <p:cNvPr id="26" name="Bild 25"/>
+          <p:cNvPicPr>
+            <a:picLocks noChangeAspect="1"/>
+          </p:cNvPicPr>
+          <p:nvPr/>
+        </p:nvPicPr>
+        <p:blipFill>
+          <a:blip r:embed="rId14">
+            <a:extLst>
+              <a:ext uri="{28A0092B-C50C-407E-A947-70E740481C1C}">
+                <a14:useLocalDpi xmlns:a14="http://schemas.microsoft.com/office/drawing/2010/main" val="0"/>
+              </a:ext>
+            </a:extLst>
+          </a:blip>
+          <a:stretch>
+            <a:fillRect/>
+          </a:stretch>
+        </p:blipFill>
+        <p:spPr>
+          <a:xfrm rot="64950">
+            <a:off x="3856053" y="3521863"/>
+            <a:ext cx="408042" cy="442102"/>
+          </a:xfrm>
+          <a:prstGeom prst="rect">
+            <a:avLst/>
+          </a:prstGeom>
+        </p:spPr>
+      </p:pic>
+      <p:pic>
+        <p:nvPicPr>
+          <p:cNvPr id="27" name="Bild 26"/>
+          <p:cNvPicPr>
+            <a:picLocks noChangeAspect="1"/>
+          </p:cNvPicPr>
+          <p:nvPr/>
+        </p:nvPicPr>
+        <p:blipFill>
+          <a:blip r:embed="rId13">
+            <a:extLst>
+              <a:ext uri="{28A0092B-C50C-407E-A947-70E740481C1C}">
+                <a14:useLocalDpi xmlns:a14="http://schemas.microsoft.com/office/drawing/2010/main" val="0"/>
+              </a:ext>
+            </a:extLst>
+          </a:blip>
+          <a:stretch>
+            <a:fillRect/>
+          </a:stretch>
+        </p:blipFill>
+        <p:spPr>
+          <a:xfrm>
+            <a:off x="5163790" y="4116830"/>
+            <a:ext cx="416322" cy="432817"/>
+          </a:xfrm>
+          <a:prstGeom prst="rect">
+            <a:avLst/>
+          </a:prstGeom>
+        </p:spPr>
+      </p:pic>
+      <p:pic>
+        <p:nvPicPr>
+          <p:cNvPr id="28" name="Bild 27"/>
+          <p:cNvPicPr>
+            <a:picLocks noChangeAspect="1"/>
+          </p:cNvPicPr>
+          <p:nvPr/>
+        </p:nvPicPr>
+        <p:blipFill>
+          <a:blip r:embed="rId14">
+            <a:extLst>
+              <a:ext uri="{28A0092B-C50C-407E-A947-70E740481C1C}">
+                <a14:useLocalDpi xmlns:a14="http://schemas.microsoft.com/office/drawing/2010/main" val="0"/>
+              </a:ext>
+            </a:extLst>
+          </a:blip>
+          <a:stretch>
+            <a:fillRect/>
+          </a:stretch>
+        </p:blipFill>
+        <p:spPr>
+          <a:xfrm rot="64950">
+            <a:off x="4951906" y="3525355"/>
+            <a:ext cx="408042" cy="442102"/>
+          </a:xfrm>
+          <a:prstGeom prst="rect">
+            <a:avLst/>
+          </a:prstGeom>
+        </p:spPr>
+      </p:pic>
+      <p:pic>
+        <p:nvPicPr>
+          <p:cNvPr id="29" name="Bild 28"/>
+          <p:cNvPicPr>
+            <a:picLocks noChangeAspect="1"/>
+          </p:cNvPicPr>
+          <p:nvPr/>
+        </p:nvPicPr>
+        <p:blipFill>
+          <a:blip r:embed="rId15">
+            <a:extLst>
+              <a:ext uri="{28A0092B-C50C-407E-A947-70E740481C1C}">
+                <a14:useLocalDpi xmlns:a14="http://schemas.microsoft.com/office/drawing/2010/main" val="0"/>
+              </a:ext>
+            </a:extLst>
+          </a:blip>
+          <a:stretch>
+            <a:fillRect/>
+          </a:stretch>
+        </p:blipFill>
+        <p:spPr>
+          <a:xfrm>
+            <a:off x="6524626" y="2348880"/>
+            <a:ext cx="453591" cy="453591"/>
+          </a:xfrm>
+          <a:prstGeom prst="rect">
+            <a:avLst/>
+          </a:prstGeom>
+        </p:spPr>
+      </p:pic>
+      <p:pic>
+        <p:nvPicPr>
+          <p:cNvPr id="30" name="Bild 29"/>
+          <p:cNvPicPr>
+            <a:picLocks noChangeAspect="1"/>
+          </p:cNvPicPr>
+          <p:nvPr/>
+        </p:nvPicPr>
+        <p:blipFill>
+          <a:blip r:embed="rId16">
+            <a:extLst>
+              <a:ext uri="{28A0092B-C50C-407E-A947-70E740481C1C}">
+                <a14:useLocalDpi xmlns:a14="http://schemas.microsoft.com/office/drawing/2010/main" val="0"/>
+              </a:ext>
+            </a:extLst>
+          </a:blip>
+          <a:stretch>
+            <a:fillRect/>
+          </a:stretch>
+        </p:blipFill>
+        <p:spPr>
+          <a:xfrm>
+            <a:off x="5163791" y="3036893"/>
+            <a:ext cx="416322" cy="464115"/>
+          </a:xfrm>
+          <a:prstGeom prst="rect">
+            <a:avLst/>
+          </a:prstGeom>
+        </p:spPr>
+      </p:pic>
+      <p:pic>
+        <p:nvPicPr>
+          <p:cNvPr id="31" name="Bild 30"/>
+          <p:cNvPicPr>
+            <a:picLocks noChangeAspect="1"/>
+          </p:cNvPicPr>
+          <p:nvPr/>
+        </p:nvPicPr>
+        <p:blipFill rotWithShape="1">
+          <a:blip r:embed="rId17">
+            <a:extLst>
+              <a:ext uri="{28A0092B-C50C-407E-A947-70E740481C1C}">
+                <a14:useLocalDpi xmlns:a14="http://schemas.microsoft.com/office/drawing/2010/main" val="0"/>
+              </a:ext>
+            </a:extLst>
+          </a:blip>
+          <a:srcRect t="949" b="-1"/>
+          <a:stretch/>
+        </p:blipFill>
+        <p:spPr>
+          <a:xfrm>
+            <a:off x="7838067" y="3140968"/>
+            <a:ext cx="381993" cy="432048"/>
+          </a:xfrm>
+          <a:prstGeom prst="rect">
+            <a:avLst/>
+          </a:prstGeom>
+        </p:spPr>
+      </p:pic>
+      <p:pic>
+        <p:nvPicPr>
+          <p:cNvPr id="33" name="Bild 32"/>
+          <p:cNvPicPr>
+            <a:picLocks noChangeAspect="1"/>
+          </p:cNvPicPr>
+          <p:nvPr/>
+        </p:nvPicPr>
+        <p:blipFill>
+          <a:blip r:embed="rId18">
+            <a:extLst>
+              <a:ext uri="{28A0092B-C50C-407E-A947-70E740481C1C}">
+                <a14:useLocalDpi xmlns:a14="http://schemas.microsoft.com/office/drawing/2010/main" val="0"/>
+              </a:ext>
+            </a:extLst>
+          </a:blip>
+          <a:stretch>
+            <a:fillRect/>
+          </a:stretch>
+        </p:blipFill>
+        <p:spPr>
+          <a:xfrm>
+            <a:off x="7842478" y="2776292"/>
+            <a:ext cx="539552" cy="224673"/>
+          </a:xfrm>
+          <a:prstGeom prst="rect">
+            <a:avLst/>
+          </a:prstGeom>
+        </p:spPr>
+      </p:pic>
+      <p:pic>
+        <p:nvPicPr>
+          <p:cNvPr id="34" name="Bild 33"/>
+          <p:cNvPicPr>
+            <a:picLocks noChangeAspect="1"/>
+          </p:cNvPicPr>
+          <p:nvPr/>
+        </p:nvPicPr>
+        <p:blipFill>
+          <a:blip r:embed="rId14">
+            <a:extLst>
+              <a:ext uri="{28A0092B-C50C-407E-A947-70E740481C1C}">
+                <a14:useLocalDpi xmlns:a14="http://schemas.microsoft.com/office/drawing/2010/main" val="0"/>
+              </a:ext>
+            </a:extLst>
+          </a:blip>
+          <a:stretch>
+            <a:fillRect/>
+          </a:stretch>
+        </p:blipFill>
+        <p:spPr>
+          <a:xfrm rot="64950">
+            <a:off x="7600476" y="3559147"/>
+            <a:ext cx="408042" cy="442102"/>
+          </a:xfrm>
+          <a:prstGeom prst="rect">
+            <a:avLst/>
+          </a:prstGeom>
+        </p:spPr>
+      </p:pic>
+      <p:pic>
+        <p:nvPicPr>
+          <p:cNvPr id="35" name="Bild 34"/>
+          <p:cNvPicPr>
+            <a:picLocks noChangeAspect="1"/>
+          </p:cNvPicPr>
+          <p:nvPr/>
+        </p:nvPicPr>
+        <p:blipFill>
+          <a:blip r:embed="rId13">
+            <a:extLst>
+              <a:ext uri="{28A0092B-C50C-407E-A947-70E740481C1C}">
+                <a14:useLocalDpi xmlns:a14="http://schemas.microsoft.com/office/drawing/2010/main" val="0"/>
+              </a:ext>
+            </a:extLst>
+          </a:blip>
+          <a:stretch>
+            <a:fillRect/>
+          </a:stretch>
+        </p:blipFill>
+        <p:spPr>
+          <a:xfrm>
+            <a:off x="7695932" y="4111660"/>
+            <a:ext cx="416322" cy="432817"/>
+          </a:xfrm>
+          <a:prstGeom prst="rect">
+            <a:avLst/>
+          </a:prstGeom>
+        </p:spPr>
+      </p:pic>
+      <p:pic>
+        <p:nvPicPr>
+          <p:cNvPr id="38" name="Bild 37"/>
+          <p:cNvPicPr>
+            <a:picLocks noChangeAspect="1"/>
+          </p:cNvPicPr>
+          <p:nvPr/>
+        </p:nvPicPr>
+        <p:blipFill>
+          <a:blip r:embed="rId19">
+            <a:extLst>
+              <a:ext uri="{28A0092B-C50C-407E-A947-70E740481C1C}">
+                <a14:useLocalDpi xmlns:a14="http://schemas.microsoft.com/office/drawing/2010/main" val="0"/>
+              </a:ext>
+            </a:extLst>
+          </a:blip>
+          <a:stretch>
+            <a:fillRect/>
+          </a:stretch>
+        </p:blipFill>
+        <p:spPr>
+          <a:xfrm>
+            <a:off x="8047537" y="3761415"/>
+            <a:ext cx="405803" cy="405803"/>
+          </a:xfrm>
+          <a:prstGeom prst="rect">
+            <a:avLst/>
+          </a:prstGeom>
+        </p:spPr>
+      </p:pic>
+      <p:pic>
+        <p:nvPicPr>
+          <p:cNvPr id="39" name="Bild 38"/>
+          <p:cNvPicPr>
+            <a:picLocks noChangeAspect="1"/>
+          </p:cNvPicPr>
+          <p:nvPr/>
+        </p:nvPicPr>
+        <p:blipFill>
+          <a:blip r:embed="rId20">
+            <a:extLst>
+              <a:ext uri="{28A0092B-C50C-407E-A947-70E740481C1C}">
+                <a14:useLocalDpi xmlns:a14="http://schemas.microsoft.com/office/drawing/2010/main" val="0"/>
+              </a:ext>
+            </a:extLst>
+          </a:blip>
+          <a:stretch>
+            <a:fillRect/>
+          </a:stretch>
+        </p:blipFill>
+        <p:spPr>
+          <a:xfrm rot="19938649">
+            <a:off x="7386642" y="2394491"/>
+            <a:ext cx="587975" cy="379244"/>
+          </a:xfrm>
+          <a:prstGeom prst="rect">
+            <a:avLst/>
+          </a:prstGeom>
+        </p:spPr>
+      </p:pic>
+      <p:pic>
+        <p:nvPicPr>
+          <p:cNvPr id="40" name="Bild 39"/>
+          <p:cNvPicPr>
+            <a:picLocks noChangeAspect="1"/>
+          </p:cNvPicPr>
+          <p:nvPr/>
+        </p:nvPicPr>
+        <p:blipFill>
+          <a:blip r:embed="rId21">
+            <a:extLst>
+              <a:ext uri="{28A0092B-C50C-407E-A947-70E740481C1C}">
+                <a14:useLocalDpi xmlns:a14="http://schemas.microsoft.com/office/drawing/2010/main" val="0"/>
+              </a:ext>
+            </a:extLst>
+          </a:blip>
+          <a:stretch>
+            <a:fillRect/>
+          </a:stretch>
+        </p:blipFill>
+        <p:spPr>
+          <a:xfrm>
+            <a:off x="6524626" y="2903401"/>
+            <a:ext cx="453591" cy="453591"/>
+          </a:xfrm>
+          <a:prstGeom prst="rect">
+            <a:avLst/>
+          </a:prstGeom>
+        </p:spPr>
+      </p:pic>
+      <p:pic>
+        <p:nvPicPr>
+          <p:cNvPr id="41" name="Bild 40"/>
+          <p:cNvPicPr>
+            <a:picLocks noChangeAspect="1"/>
+          </p:cNvPicPr>
+          <p:nvPr/>
+        </p:nvPicPr>
+        <p:blipFill>
+          <a:blip r:embed="rId11">
+            <a:extLst>
+              <a:ext uri="{28A0092B-C50C-407E-A947-70E740481C1C}">
+                <a14:useLocalDpi xmlns:a14="http://schemas.microsoft.com/office/drawing/2010/main" val="0"/>
+              </a:ext>
+            </a:extLst>
+          </a:blip>
+          <a:stretch>
+            <a:fillRect/>
+          </a:stretch>
+        </p:blipFill>
+        <p:spPr>
+          <a:xfrm>
+            <a:off x="5364088" y="3736383"/>
+            <a:ext cx="437400" cy="484705"/>
+          </a:xfrm>
+          <a:prstGeom prst="rect">
+            <a:avLst/>
+          </a:prstGeom>
+        </p:spPr>
+      </p:pic>
+      <p:pic>
+        <p:nvPicPr>
+          <p:cNvPr id="32" name="Bild 31"/>
+          <p:cNvPicPr>
+            <a:picLocks noChangeAspect="1"/>
+          </p:cNvPicPr>
+          <p:nvPr/>
+        </p:nvPicPr>
+        <p:blipFill>
+          <a:blip r:embed="rId22">
+            <a:extLst>
+              <a:ext uri="{28A0092B-C50C-407E-A947-70E740481C1C}">
+                <a14:useLocalDpi xmlns:a14="http://schemas.microsoft.com/office/drawing/2010/main" val="0"/>
+              </a:ext>
+            </a:extLst>
+          </a:blip>
+          <a:stretch>
+            <a:fillRect/>
+          </a:stretch>
+        </p:blipFill>
+        <p:spPr>
+          <a:xfrm>
+            <a:off x="8004018" y="2176404"/>
+            <a:ext cx="415666" cy="415666"/>
+          </a:xfrm>
+          <a:prstGeom prst="rect">
+            <a:avLst/>
+          </a:prstGeom>
+        </p:spPr>
+      </p:pic>
+      <p:pic>
+        <p:nvPicPr>
+          <p:cNvPr id="36" name="Bild 35"/>
+          <p:cNvPicPr>
+            <a:picLocks noChangeAspect="1"/>
+          </p:cNvPicPr>
+          <p:nvPr/>
+        </p:nvPicPr>
+        <p:blipFill>
+          <a:blip r:embed="rId21">
+            <a:extLst>
+              <a:ext uri="{28A0092B-C50C-407E-A947-70E740481C1C}">
+                <a14:useLocalDpi xmlns:a14="http://schemas.microsoft.com/office/drawing/2010/main" val="0"/>
+              </a:ext>
+            </a:extLst>
+          </a:blip>
+          <a:stretch>
+            <a:fillRect/>
+          </a:stretch>
+        </p:blipFill>
+        <p:spPr>
+          <a:xfrm>
+            <a:off x="3830377" y="2903401"/>
+            <a:ext cx="453591" cy="453591"/>
+          </a:xfrm>
+          <a:prstGeom prst="rect">
+            <a:avLst/>
+          </a:prstGeom>
+        </p:spPr>
+      </p:pic>
+      <p:sp>
+        <p:nvSpPr>
+          <p:cNvPr id="3" name="Textfeld 2"/>
+          <p:cNvSpPr txBox="1"/>
+          <p:nvPr/>
+        </p:nvSpPr>
+        <p:spPr>
+          <a:xfrm>
+            <a:off x="1063173" y="2913166"/>
+            <a:ext cx="2876557" cy="523220"/>
+          </a:xfrm>
+          <a:prstGeom prst="rect">
+            <a:avLst/>
+          </a:prstGeom>
+          <a:noFill/>
+        </p:spPr>
+        <p:txBody>
+          <a:bodyPr wrap="none" rtlCol="0">
+            <a:spAutoFit/>
+          </a:bodyPr>
+          <a:lstStyle/>
+          <a:p>
+            <a:r>
+              <a:rPr lang="de-DE" sz="1400" b="1" dirty="0" smtClean="0">
+                <a:solidFill>
+                  <a:srgbClr val="C00000"/>
+                </a:solidFill>
+                <a:latin typeface="Open Sans Semibold" charset="0"/>
+                <a:ea typeface="Open Sans Semibold" charset="0"/>
+                <a:cs typeface="Open Sans Semibold" charset="0"/>
+              </a:rPr>
+              <a:t>Werkzeuge für </a:t>
+            </a:r>
+          </a:p>
+          <a:p>
+            <a:r>
+              <a:rPr lang="de-DE" sz="1400" b="1" dirty="0">
+                <a:solidFill>
+                  <a:srgbClr val="C00000"/>
+                </a:solidFill>
+                <a:latin typeface="Open Sans" charset="0"/>
+                <a:ea typeface="Open Sans" charset="0"/>
+                <a:cs typeface="Open Sans" charset="0"/>
+              </a:rPr>
+              <a:t>reproduzierbare</a:t>
+            </a:r>
+            <a:r>
+              <a:rPr lang="de-DE" sz="1400" b="1" dirty="0" smtClean="0">
+                <a:solidFill>
+                  <a:srgbClr val="C00000"/>
+                </a:solidFill>
+                <a:latin typeface="Open Sans Semibold" charset="0"/>
+                <a:ea typeface="Open Sans Semibold" charset="0"/>
+                <a:cs typeface="Open Sans Semibold" charset="0"/>
+              </a:rPr>
+              <a:t> </a:t>
+            </a:r>
+            <a:r>
+              <a:rPr lang="de-DE" sz="1400" b="1" dirty="0">
+                <a:solidFill>
+                  <a:srgbClr val="C00000"/>
+                </a:solidFill>
+                <a:latin typeface="Open Sans" charset="0"/>
+                <a:ea typeface="Open Sans" charset="0"/>
+                <a:cs typeface="Open Sans" charset="0"/>
+              </a:rPr>
+              <a:t>Wissenschaft</a:t>
+            </a:r>
+          </a:p>
+        </p:txBody>
+      </p:sp>
+      <p:sp>
+        <p:nvSpPr>
+          <p:cNvPr id="42" name="Textfeld 41"/>
+          <p:cNvSpPr txBox="1"/>
+          <p:nvPr/>
+        </p:nvSpPr>
+        <p:spPr>
+          <a:xfrm>
+            <a:off x="1060402" y="2060848"/>
+            <a:ext cx="3465333" cy="307777"/>
+          </a:xfrm>
+          <a:prstGeom prst="rect">
+            <a:avLst/>
+          </a:prstGeom>
+          <a:noFill/>
+        </p:spPr>
+        <p:txBody>
+          <a:bodyPr wrap="square" rtlCol="0">
+            <a:spAutoFit/>
+          </a:bodyPr>
+          <a:lstStyle/>
+          <a:p>
+            <a:r>
+              <a:rPr lang="de-DE" sz="1400" b="1" dirty="0" smtClean="0">
+                <a:solidFill>
+                  <a:srgbClr val="C00000"/>
+                </a:solidFill>
+                <a:latin typeface="Open Sans Semibold" charset="0"/>
+                <a:ea typeface="Open Sans Semibold" charset="0"/>
+                <a:cs typeface="Open Sans Semibold" charset="0"/>
+              </a:rPr>
+              <a:t>Werkzeuge für </a:t>
+            </a:r>
+            <a:r>
+              <a:rPr lang="de-DE" sz="1400" b="1" dirty="0" smtClean="0">
+                <a:solidFill>
+                  <a:srgbClr val="C00000"/>
+                </a:solidFill>
+                <a:latin typeface="Open Sans" charset="0"/>
+                <a:ea typeface="Open Sans" charset="0"/>
+                <a:cs typeface="Open Sans" charset="0"/>
+              </a:rPr>
+              <a:t>offene Wissenschaft</a:t>
+            </a:r>
+            <a:endParaRPr lang="de-DE" sz="1400" b="1" dirty="0">
+              <a:solidFill>
+                <a:srgbClr val="C00000"/>
+              </a:solidFill>
+              <a:latin typeface="Open Sans" charset="0"/>
+              <a:ea typeface="Open Sans" charset="0"/>
+              <a:cs typeface="Open Sans" charset="0"/>
+            </a:endParaRPr>
+          </a:p>
+        </p:txBody>
+      </p:sp>
+    </p:spTree>
+    <p:extLst>
+      <p:ext uri="{BB962C8B-B14F-4D97-AF65-F5344CB8AC3E}">
+        <p14:creationId xmlns:p14="http://schemas.microsoft.com/office/powerpoint/2010/main" val="1886152733"/>
+      </p:ext>
+    </p:extLst>
+  </p:cSld>
+  <p:clrMapOvr>
+    <a:masterClrMapping/>
+  </p:clrMapOvr>
+</p:sld>
+</file>
+
+<file path=ppt/slides/slide6.xml><?xml version="1.0" encoding="utf-8"?>
+<p:sld xmlns:a="http://schemas.openxmlformats.org/drawingml/2006/main" xmlns:r="http://schemas.openxmlformats.org/officeDocument/2006/relationships" xmlns:p="http://schemas.openxmlformats.org/presentationml/2006/main">
+  <p:cSld>
+    <p:spTree>
+      <p:nvGrpSpPr>
+        <p:cNvPr id="1" name=""/>
+        <p:cNvGrpSpPr/>
+        <p:nvPr/>
+      </p:nvGrpSpPr>
+      <p:grpSpPr>
+        <a:xfrm>
+          <a:off x="0" y="0"/>
+          <a:ext cx="0" cy="0"/>
+          <a:chOff x="0" y="0"/>
+          <a:chExt cx="0" cy="0"/>
+        </a:xfrm>
+      </p:grpSpPr>
+      <p:sp>
+        <p:nvSpPr>
+          <p:cNvPr id="37" name="Abgerundetes Rechteck 36"/>
+          <p:cNvSpPr/>
+          <p:nvPr/>
+        </p:nvSpPr>
+        <p:spPr>
+          <a:xfrm>
+            <a:off x="830614" y="2060848"/>
+            <a:ext cx="7845841" cy="3096343"/>
+          </a:xfrm>
+          <a:prstGeom prst="roundRect">
+            <a:avLst>
+              <a:gd name="adj" fmla="val 8398"/>
+            </a:avLst>
+          </a:prstGeom>
+          <a:solidFill>
+            <a:schemeClr val="tx2">
+              <a:alpha val="13000"/>
+            </a:schemeClr>
+          </a:solidFill>
+          <a:ln>
+            <a:noFill/>
+          </a:ln>
+        </p:spPr>
+        <p:style>
+          <a:lnRef idx="2">
+            <a:schemeClr val="accent1">
+              <a:shade val="50000"/>
+            </a:schemeClr>
+          </a:lnRef>
+          <a:fillRef idx="1">
+            <a:schemeClr val="accent1"/>
+          </a:fillRef>
+          <a:effectRef idx="0">
+            <a:schemeClr val="accent1"/>
+          </a:effectRef>
+          <a:fontRef idx="minor">
+            <a:schemeClr val="lt1"/>
+          </a:fontRef>
+        </p:style>
+        <p:txBody>
+          <a:bodyPr rtlCol="0" anchor="ctr"/>
+          <a:lstStyle/>
+          <a:p>
+            <a:pPr algn="ctr"/>
+            <a:endParaRPr lang="de-DE" dirty="0"/>
+          </a:p>
+        </p:txBody>
+      </p:sp>
+      <p:sp>
+        <p:nvSpPr>
+          <p:cNvPr id="2" name="Abgerundetes Rechteck 1"/>
+          <p:cNvSpPr/>
+          <p:nvPr/>
+        </p:nvSpPr>
+        <p:spPr>
+          <a:xfrm>
+            <a:off x="827584" y="2802470"/>
+            <a:ext cx="5256584" cy="2354721"/>
+          </a:xfrm>
+          <a:prstGeom prst="roundRect">
+            <a:avLst>
+              <a:gd name="adj" fmla="val 10944"/>
+            </a:avLst>
+          </a:prstGeom>
+          <a:solidFill>
+            <a:schemeClr val="tx2">
+              <a:alpha val="12000"/>
+            </a:schemeClr>
+          </a:solidFill>
+          <a:ln>
+            <a:noFill/>
+          </a:ln>
+        </p:spPr>
+        <p:style>
+          <a:lnRef idx="2">
+            <a:schemeClr val="accent1">
+              <a:shade val="50000"/>
+            </a:schemeClr>
+          </a:lnRef>
+          <a:fillRef idx="1">
+            <a:schemeClr val="accent1"/>
+          </a:fillRef>
+          <a:effectRef idx="0">
+            <a:schemeClr val="accent1"/>
+          </a:effectRef>
+          <a:fontRef idx="minor">
+            <a:schemeClr val="lt1"/>
+          </a:fontRef>
+        </p:style>
+        <p:txBody>
+          <a:bodyPr rtlCol="0" anchor="ctr"/>
+          <a:lstStyle/>
+          <a:p>
+            <a:pPr algn="ctr"/>
+            <a:endParaRPr lang="de-DE" dirty="0"/>
+          </a:p>
+        </p:txBody>
+      </p:sp>
+      <p:cxnSp>
+        <p:nvCxnSpPr>
+          <p:cNvPr id="6" name="Gerade Verbindung mit Pfeil 5"/>
+          <p:cNvCxnSpPr/>
+          <p:nvPr/>
+        </p:nvCxnSpPr>
+        <p:spPr>
+          <a:xfrm>
+            <a:off x="467544" y="5301208"/>
+            <a:ext cx="8388424" cy="0"/>
+          </a:xfrm>
+          <a:prstGeom prst="straightConnector1">
+            <a:avLst/>
+          </a:prstGeom>
+          <a:ln w="41275" cap="rnd">
+            <a:solidFill>
+              <a:srgbClr val="A51E37"/>
+            </a:solidFill>
+            <a:tailEnd type="triangle" w="med" len="lg"/>
+          </a:ln>
+        </p:spPr>
+        <p:style>
+          <a:lnRef idx="1">
+            <a:schemeClr val="accent1"/>
+          </a:lnRef>
+          <a:fillRef idx="0">
+            <a:schemeClr val="accent1"/>
+          </a:fillRef>
+          <a:effectRef idx="0">
+            <a:schemeClr val="accent1"/>
+          </a:effectRef>
+          <a:fontRef idx="minor">
+            <a:schemeClr val="tx1"/>
+          </a:fontRef>
+        </p:style>
+      </p:cxnSp>
+      <p:cxnSp>
+        <p:nvCxnSpPr>
+          <p:cNvPr id="8" name="Gerade Verbindung mit Pfeil 7"/>
+          <p:cNvCxnSpPr/>
+          <p:nvPr/>
+        </p:nvCxnSpPr>
+        <p:spPr>
+          <a:xfrm flipH="1" flipV="1">
+            <a:off x="611560" y="2204864"/>
+            <a:ext cx="8384" cy="3248744"/>
+          </a:xfrm>
+          <a:prstGeom prst="straightConnector1">
+            <a:avLst/>
+          </a:prstGeom>
+          <a:ln w="41275" cap="rnd">
+            <a:solidFill>
+              <a:srgbClr val="A51E37"/>
+            </a:solidFill>
+            <a:tailEnd type="triangle" w="med" len="lg"/>
+          </a:ln>
+        </p:spPr>
+        <p:style>
+          <a:lnRef idx="1">
+            <a:schemeClr val="accent1"/>
+          </a:lnRef>
+          <a:fillRef idx="0">
+            <a:schemeClr val="accent1"/>
+          </a:fillRef>
+          <a:effectRef idx="0">
+            <a:schemeClr val="accent1"/>
+          </a:effectRef>
+          <a:fontRef idx="minor">
+            <a:schemeClr val="tx1"/>
+          </a:fontRef>
+        </p:style>
+      </p:cxnSp>
+      <p:pic>
+        <p:nvPicPr>
+          <p:cNvPr id="14" name="Bild 13"/>
+          <p:cNvPicPr>
+            <a:picLocks noChangeAspect="1"/>
+          </p:cNvPicPr>
+          <p:nvPr/>
+        </p:nvPicPr>
+        <p:blipFill>
+          <a:blip r:embed="rId3">
+            <a:extLst>
+              <a:ext uri="{28A0092B-C50C-407E-A947-70E740481C1C}">
+                <a14:useLocalDpi xmlns:a14="http://schemas.microsoft.com/office/drawing/2010/main" val="0"/>
+              </a:ext>
+            </a:extLst>
+          </a:blip>
+          <a:stretch>
+            <a:fillRect/>
+          </a:stretch>
+        </p:blipFill>
+        <p:spPr>
+          <a:xfrm>
+            <a:off x="971600" y="4581128"/>
+            <a:ext cx="523710" cy="405803"/>
+          </a:xfrm>
+          <a:prstGeom prst="rect">
+            <a:avLst/>
+          </a:prstGeom>
+        </p:spPr>
+      </p:pic>
+      <p:pic>
+        <p:nvPicPr>
+          <p:cNvPr id="15" name="Bild 14"/>
+          <p:cNvPicPr>
+            <a:picLocks noChangeAspect="1"/>
+          </p:cNvPicPr>
+          <p:nvPr/>
+        </p:nvPicPr>
+        <p:blipFill>
+          <a:blip r:embed="rId4">
+            <a:extLst>
+              <a:ext uri="{28A0092B-C50C-407E-A947-70E740481C1C}">
+                <a14:useLocalDpi xmlns:a14="http://schemas.microsoft.com/office/drawing/2010/main" val="0"/>
+              </a:ext>
+            </a:extLst>
+          </a:blip>
+          <a:stretch>
+            <a:fillRect/>
+          </a:stretch>
+        </p:blipFill>
+        <p:spPr>
+          <a:xfrm>
+            <a:off x="1509390" y="4581128"/>
+            <a:ext cx="427471" cy="462040"/>
+          </a:xfrm>
+          <a:prstGeom prst="rect">
+            <a:avLst/>
+          </a:prstGeom>
+        </p:spPr>
+      </p:pic>
+      <p:pic>
+        <p:nvPicPr>
+          <p:cNvPr id="17" name="Bild 16"/>
+          <p:cNvPicPr>
+            <a:picLocks noChangeAspect="1"/>
+          </p:cNvPicPr>
+          <p:nvPr/>
+        </p:nvPicPr>
+        <p:blipFill>
+          <a:blip r:embed="rId5">
+            <a:extLst>
+              <a:ext uri="{28A0092B-C50C-407E-A947-70E740481C1C}">
+                <a14:useLocalDpi xmlns:a14="http://schemas.microsoft.com/office/drawing/2010/main" val="0"/>
+              </a:ext>
+            </a:extLst>
+          </a:blip>
+          <a:stretch>
+            <a:fillRect/>
+          </a:stretch>
+        </p:blipFill>
+        <p:spPr>
+          <a:xfrm>
+            <a:off x="6588678" y="5388151"/>
+            <a:ext cx="325488" cy="454670"/>
+          </a:xfrm>
+          <a:prstGeom prst="rect">
+            <a:avLst/>
+          </a:prstGeom>
+        </p:spPr>
+      </p:pic>
+      <p:pic>
+        <p:nvPicPr>
+          <p:cNvPr id="18" name="Bild 17"/>
+          <p:cNvPicPr>
+            <a:picLocks noChangeAspect="1"/>
+          </p:cNvPicPr>
+          <p:nvPr/>
+        </p:nvPicPr>
+        <p:blipFill>
+          <a:blip r:embed="rId6">
+            <a:extLst>
+              <a:ext uri="{28A0092B-C50C-407E-A947-70E740481C1C}">
+                <a14:useLocalDpi xmlns:a14="http://schemas.microsoft.com/office/drawing/2010/main" val="0"/>
+              </a:ext>
+            </a:extLst>
+          </a:blip>
+          <a:stretch>
+            <a:fillRect/>
+          </a:stretch>
+        </p:blipFill>
+        <p:spPr>
+          <a:xfrm>
+            <a:off x="2472064" y="5453760"/>
+            <a:ext cx="437399" cy="439448"/>
+          </a:xfrm>
+          <a:prstGeom prst="rect">
+            <a:avLst/>
+          </a:prstGeom>
+        </p:spPr>
+      </p:pic>
+      <p:pic>
+        <p:nvPicPr>
+          <p:cNvPr id="19" name="Bild 18"/>
+          <p:cNvPicPr>
+            <a:picLocks noChangeAspect="1"/>
+          </p:cNvPicPr>
+          <p:nvPr/>
+        </p:nvPicPr>
+        <p:blipFill>
+          <a:blip r:embed="rId7">
+            <a:extLst>
+              <a:ext uri="{28A0092B-C50C-407E-A947-70E740481C1C}">
+                <a14:useLocalDpi xmlns:a14="http://schemas.microsoft.com/office/drawing/2010/main" val="0"/>
+              </a:ext>
+            </a:extLst>
+          </a:blip>
+          <a:stretch>
+            <a:fillRect/>
+          </a:stretch>
+        </p:blipFill>
+        <p:spPr>
+          <a:xfrm>
+            <a:off x="5126521" y="5441212"/>
+            <a:ext cx="519707" cy="434857"/>
+          </a:xfrm>
+          <a:prstGeom prst="rect">
+            <a:avLst/>
+          </a:prstGeom>
+        </p:spPr>
+      </p:pic>
+      <p:pic>
+        <p:nvPicPr>
+          <p:cNvPr id="20" name="Bild 19"/>
+          <p:cNvPicPr>
+            <a:picLocks noChangeAspect="1"/>
+          </p:cNvPicPr>
+          <p:nvPr/>
+        </p:nvPicPr>
+        <p:blipFill>
+          <a:blip r:embed="rId8">
+            <a:extLst>
+              <a:ext uri="{28A0092B-C50C-407E-A947-70E740481C1C}">
+                <a14:useLocalDpi xmlns:a14="http://schemas.microsoft.com/office/drawing/2010/main" val="0"/>
+              </a:ext>
+            </a:extLst>
+          </a:blip>
+          <a:stretch>
+            <a:fillRect/>
+          </a:stretch>
+        </p:blipFill>
+        <p:spPr>
+          <a:xfrm>
+            <a:off x="3851913" y="5407139"/>
+            <a:ext cx="524328" cy="524328"/>
+          </a:xfrm>
+          <a:prstGeom prst="rect">
+            <a:avLst/>
+          </a:prstGeom>
+        </p:spPr>
+      </p:pic>
+      <p:pic>
+        <p:nvPicPr>
+          <p:cNvPr id="21" name="Bild 20"/>
+          <p:cNvPicPr>
+            <a:picLocks noChangeAspect="1"/>
+          </p:cNvPicPr>
+          <p:nvPr/>
+        </p:nvPicPr>
+        <p:blipFill>
+          <a:blip r:embed="rId9">
+            <a:extLst>
+              <a:ext uri="{28A0092B-C50C-407E-A947-70E740481C1C}">
+                <a14:useLocalDpi xmlns:a14="http://schemas.microsoft.com/office/drawing/2010/main" val="0"/>
+              </a:ext>
+            </a:extLst>
+          </a:blip>
+          <a:stretch>
+            <a:fillRect/>
+          </a:stretch>
+        </p:blipFill>
+        <p:spPr>
+          <a:xfrm>
+            <a:off x="7596336" y="5397016"/>
+            <a:ext cx="615515" cy="436940"/>
+          </a:xfrm>
+          <a:prstGeom prst="rect">
+            <a:avLst/>
+          </a:prstGeom>
+        </p:spPr>
+      </p:pic>
+      <p:pic>
+        <p:nvPicPr>
+          <p:cNvPr id="22" name="Bild 21"/>
+          <p:cNvPicPr>
+            <a:picLocks noChangeAspect="1"/>
+          </p:cNvPicPr>
+          <p:nvPr/>
+        </p:nvPicPr>
+        <p:blipFill>
+          <a:blip r:embed="rId10">
+            <a:extLst>
+              <a:ext uri="{28A0092B-C50C-407E-A947-70E740481C1C}">
+                <a14:useLocalDpi xmlns:a14="http://schemas.microsoft.com/office/drawing/2010/main" val="0"/>
+              </a:ext>
+            </a:extLst>
+          </a:blip>
+          <a:stretch>
+            <a:fillRect/>
+          </a:stretch>
+        </p:blipFill>
+        <p:spPr>
+          <a:xfrm>
+            <a:off x="1108686" y="5438917"/>
+            <a:ext cx="428247" cy="460772"/>
+          </a:xfrm>
+          <a:prstGeom prst="rect">
+            <a:avLst/>
+          </a:prstGeom>
+        </p:spPr>
+      </p:pic>
+      <p:pic>
+        <p:nvPicPr>
+          <p:cNvPr id="23" name="Bild 22"/>
+          <p:cNvPicPr>
+            <a:picLocks noChangeAspect="1"/>
+          </p:cNvPicPr>
+          <p:nvPr/>
+        </p:nvPicPr>
+        <p:blipFill>
+          <a:blip r:embed="rId11">
+            <a:extLst>
+              <a:ext uri="{28A0092B-C50C-407E-A947-70E740481C1C}">
+                <a14:useLocalDpi xmlns:a14="http://schemas.microsoft.com/office/drawing/2010/main" val="0"/>
+              </a:ext>
+            </a:extLst>
+          </a:blip>
+          <a:stretch>
+            <a:fillRect/>
+          </a:stretch>
+        </p:blipFill>
+        <p:spPr>
+          <a:xfrm>
+            <a:off x="2472063" y="3736383"/>
+            <a:ext cx="437400" cy="484705"/>
+          </a:xfrm>
+          <a:prstGeom prst="rect">
+            <a:avLst/>
+          </a:prstGeom>
+        </p:spPr>
+      </p:pic>
+      <p:pic>
+        <p:nvPicPr>
+          <p:cNvPr id="24" name="Bild 23"/>
+          <p:cNvPicPr>
+            <a:picLocks noChangeAspect="1"/>
+          </p:cNvPicPr>
+          <p:nvPr/>
+        </p:nvPicPr>
+        <p:blipFill>
+          <a:blip r:embed="rId12">
+            <a:extLst>
+              <a:ext uri="{28A0092B-C50C-407E-A947-70E740481C1C}">
+                <a14:useLocalDpi xmlns:a14="http://schemas.microsoft.com/office/drawing/2010/main" val="0"/>
+              </a:ext>
+            </a:extLst>
+          </a:blip>
+          <a:stretch>
+            <a:fillRect/>
+          </a:stretch>
+        </p:blipFill>
+        <p:spPr>
+          <a:xfrm rot="21550500">
+            <a:off x="2475360" y="4584442"/>
+            <a:ext cx="409062" cy="460811"/>
+          </a:xfrm>
+          <a:prstGeom prst="rect">
+            <a:avLst/>
+          </a:prstGeom>
+        </p:spPr>
+      </p:pic>
+      <p:pic>
+        <p:nvPicPr>
+          <p:cNvPr id="25" name="Bild 24"/>
+          <p:cNvPicPr>
+            <a:picLocks noChangeAspect="1"/>
+          </p:cNvPicPr>
+          <p:nvPr/>
+        </p:nvPicPr>
+        <p:blipFill>
+          <a:blip r:embed="rId13">
+            <a:extLst>
+              <a:ext uri="{28A0092B-C50C-407E-A947-70E740481C1C}">
+                <a14:useLocalDpi xmlns:a14="http://schemas.microsoft.com/office/drawing/2010/main" val="0"/>
+              </a:ext>
+            </a:extLst>
+          </a:blip>
+          <a:stretch>
+            <a:fillRect/>
+          </a:stretch>
+        </p:blipFill>
+        <p:spPr>
+          <a:xfrm>
+            <a:off x="3851913" y="4113338"/>
+            <a:ext cx="416322" cy="432817"/>
+          </a:xfrm>
+          <a:prstGeom prst="rect">
+            <a:avLst/>
+          </a:prstGeom>
+        </p:spPr>
+      </p:pic>
+      <p:pic>
+        <p:nvPicPr>
+          <p:cNvPr id="26" name="Bild 25"/>
+          <p:cNvPicPr>
+            <a:picLocks noChangeAspect="1"/>
+          </p:cNvPicPr>
+          <p:nvPr/>
+        </p:nvPicPr>
+        <p:blipFill>
+          <a:blip r:embed="rId14">
+            <a:extLst>
+              <a:ext uri="{28A0092B-C50C-407E-A947-70E740481C1C}">
+                <a14:useLocalDpi xmlns:a14="http://schemas.microsoft.com/office/drawing/2010/main" val="0"/>
+              </a:ext>
+            </a:extLst>
+          </a:blip>
+          <a:stretch>
+            <a:fillRect/>
+          </a:stretch>
+        </p:blipFill>
+        <p:spPr>
+          <a:xfrm rot="64950">
+            <a:off x="3856053" y="3521863"/>
+            <a:ext cx="408042" cy="442102"/>
+          </a:xfrm>
+          <a:prstGeom prst="rect">
+            <a:avLst/>
+          </a:prstGeom>
+        </p:spPr>
+      </p:pic>
+      <p:pic>
+        <p:nvPicPr>
+          <p:cNvPr id="27" name="Bild 26"/>
+          <p:cNvPicPr>
+            <a:picLocks noChangeAspect="1"/>
+          </p:cNvPicPr>
+          <p:nvPr/>
+        </p:nvPicPr>
+        <p:blipFill>
+          <a:blip r:embed="rId13">
+            <a:extLst>
+              <a:ext uri="{28A0092B-C50C-407E-A947-70E740481C1C}">
+                <a14:useLocalDpi xmlns:a14="http://schemas.microsoft.com/office/drawing/2010/main" val="0"/>
+              </a:ext>
+            </a:extLst>
+          </a:blip>
+          <a:stretch>
+            <a:fillRect/>
+          </a:stretch>
+        </p:blipFill>
+        <p:spPr>
+          <a:xfrm>
+            <a:off x="5163790" y="4116830"/>
+            <a:ext cx="416322" cy="432817"/>
+          </a:xfrm>
+          <a:prstGeom prst="rect">
+            <a:avLst/>
+          </a:prstGeom>
+        </p:spPr>
+      </p:pic>
+      <p:pic>
+        <p:nvPicPr>
+          <p:cNvPr id="28" name="Bild 27"/>
+          <p:cNvPicPr>
+            <a:picLocks noChangeAspect="1"/>
+          </p:cNvPicPr>
+          <p:nvPr/>
+        </p:nvPicPr>
+        <p:blipFill>
+          <a:blip r:embed="rId14">
+            <a:extLst>
+              <a:ext uri="{28A0092B-C50C-407E-A947-70E740481C1C}">
+                <a14:useLocalDpi xmlns:a14="http://schemas.microsoft.com/office/drawing/2010/main" val="0"/>
+              </a:ext>
+            </a:extLst>
+          </a:blip>
+          <a:stretch>
+            <a:fillRect/>
+          </a:stretch>
+        </p:blipFill>
+        <p:spPr>
+          <a:xfrm rot="64950">
+            <a:off x="4951906" y="3525355"/>
+            <a:ext cx="408042" cy="442102"/>
+          </a:xfrm>
+          <a:prstGeom prst="rect">
+            <a:avLst/>
+          </a:prstGeom>
+        </p:spPr>
+      </p:pic>
+      <p:pic>
+        <p:nvPicPr>
+          <p:cNvPr id="29" name="Bild 28"/>
+          <p:cNvPicPr>
+            <a:picLocks noChangeAspect="1"/>
+          </p:cNvPicPr>
+          <p:nvPr/>
+        </p:nvPicPr>
+        <p:blipFill>
+          <a:blip r:embed="rId15">
+            <a:extLst>
+              <a:ext uri="{28A0092B-C50C-407E-A947-70E740481C1C}">
+                <a14:useLocalDpi xmlns:a14="http://schemas.microsoft.com/office/drawing/2010/main" val="0"/>
+              </a:ext>
+            </a:extLst>
+          </a:blip>
+          <a:stretch>
+            <a:fillRect/>
+          </a:stretch>
+        </p:blipFill>
+        <p:spPr>
+          <a:xfrm>
+            <a:off x="6524626" y="2348880"/>
+            <a:ext cx="453591" cy="453591"/>
+          </a:xfrm>
+          <a:prstGeom prst="rect">
+            <a:avLst/>
+          </a:prstGeom>
+        </p:spPr>
+      </p:pic>
+      <p:pic>
+        <p:nvPicPr>
+          <p:cNvPr id="30" name="Bild 29"/>
+          <p:cNvPicPr>
+            <a:picLocks noChangeAspect="1"/>
+          </p:cNvPicPr>
+          <p:nvPr/>
+        </p:nvPicPr>
+        <p:blipFill>
+          <a:blip r:embed="rId16">
+            <a:extLst>
+              <a:ext uri="{28A0092B-C50C-407E-A947-70E740481C1C}">
+                <a14:useLocalDpi xmlns:a14="http://schemas.microsoft.com/office/drawing/2010/main" val="0"/>
+              </a:ext>
+            </a:extLst>
+          </a:blip>
+          <a:stretch>
+            <a:fillRect/>
+          </a:stretch>
+        </p:blipFill>
+        <p:spPr>
+          <a:xfrm>
+            <a:off x="5163791" y="3036893"/>
+            <a:ext cx="416322" cy="464115"/>
+          </a:xfrm>
+          <a:prstGeom prst="rect">
+            <a:avLst/>
+          </a:prstGeom>
+        </p:spPr>
+      </p:pic>
+      <p:pic>
+        <p:nvPicPr>
+          <p:cNvPr id="31" name="Bild 30"/>
+          <p:cNvPicPr>
+            <a:picLocks noChangeAspect="1"/>
+          </p:cNvPicPr>
+          <p:nvPr/>
+        </p:nvPicPr>
+        <p:blipFill rotWithShape="1">
+          <a:blip r:embed="rId17">
+            <a:extLst>
+              <a:ext uri="{28A0092B-C50C-407E-A947-70E740481C1C}">
+                <a14:useLocalDpi xmlns:a14="http://schemas.microsoft.com/office/drawing/2010/main" val="0"/>
+              </a:ext>
+            </a:extLst>
+          </a:blip>
+          <a:srcRect t="949" b="-1"/>
+          <a:stretch/>
+        </p:blipFill>
+        <p:spPr>
+          <a:xfrm>
+            <a:off x="7838067" y="3140968"/>
+            <a:ext cx="381993" cy="432048"/>
+          </a:xfrm>
+          <a:prstGeom prst="rect">
+            <a:avLst/>
+          </a:prstGeom>
+        </p:spPr>
+      </p:pic>
+      <p:pic>
+        <p:nvPicPr>
+          <p:cNvPr id="33" name="Bild 32"/>
+          <p:cNvPicPr>
+            <a:picLocks noChangeAspect="1"/>
+          </p:cNvPicPr>
+          <p:nvPr/>
+        </p:nvPicPr>
+        <p:blipFill>
+          <a:blip r:embed="rId18">
+            <a:extLst>
+              <a:ext uri="{28A0092B-C50C-407E-A947-70E740481C1C}">
+                <a14:useLocalDpi xmlns:a14="http://schemas.microsoft.com/office/drawing/2010/main" val="0"/>
+              </a:ext>
+            </a:extLst>
+          </a:blip>
+          <a:stretch>
+            <a:fillRect/>
+          </a:stretch>
+        </p:blipFill>
+        <p:spPr>
+          <a:xfrm>
+            <a:off x="7842478" y="2776292"/>
+            <a:ext cx="539552" cy="224673"/>
+          </a:xfrm>
+          <a:prstGeom prst="rect">
+            <a:avLst/>
+          </a:prstGeom>
+        </p:spPr>
+      </p:pic>
+      <p:pic>
+        <p:nvPicPr>
+          <p:cNvPr id="34" name="Bild 33"/>
+          <p:cNvPicPr>
+            <a:picLocks noChangeAspect="1"/>
+          </p:cNvPicPr>
+          <p:nvPr/>
+        </p:nvPicPr>
+        <p:blipFill>
+          <a:blip r:embed="rId14">
+            <a:extLst>
+              <a:ext uri="{28A0092B-C50C-407E-A947-70E740481C1C}">
+                <a14:useLocalDpi xmlns:a14="http://schemas.microsoft.com/office/drawing/2010/main" val="0"/>
+              </a:ext>
+            </a:extLst>
+          </a:blip>
+          <a:stretch>
+            <a:fillRect/>
+          </a:stretch>
+        </p:blipFill>
+        <p:spPr>
+          <a:xfrm rot="64950">
+            <a:off x="7600476" y="3559147"/>
+            <a:ext cx="408042" cy="442102"/>
+          </a:xfrm>
+          <a:prstGeom prst="rect">
+            <a:avLst/>
+          </a:prstGeom>
+        </p:spPr>
+      </p:pic>
+      <p:pic>
+        <p:nvPicPr>
+          <p:cNvPr id="35" name="Bild 34"/>
+          <p:cNvPicPr>
+            <a:picLocks noChangeAspect="1"/>
+          </p:cNvPicPr>
+          <p:nvPr/>
+        </p:nvPicPr>
+        <p:blipFill>
+          <a:blip r:embed="rId13">
+            <a:extLst>
+              <a:ext uri="{28A0092B-C50C-407E-A947-70E740481C1C}">
+                <a14:useLocalDpi xmlns:a14="http://schemas.microsoft.com/office/drawing/2010/main" val="0"/>
+              </a:ext>
+            </a:extLst>
+          </a:blip>
+          <a:stretch>
+            <a:fillRect/>
+          </a:stretch>
+        </p:blipFill>
+        <p:spPr>
+          <a:xfrm>
+            <a:off x="7695932" y="4111660"/>
+            <a:ext cx="416322" cy="432817"/>
+          </a:xfrm>
+          <a:prstGeom prst="rect">
+            <a:avLst/>
+          </a:prstGeom>
+        </p:spPr>
+      </p:pic>
+      <p:pic>
+        <p:nvPicPr>
+          <p:cNvPr id="38" name="Bild 37"/>
+          <p:cNvPicPr>
+            <a:picLocks noChangeAspect="1"/>
+          </p:cNvPicPr>
+          <p:nvPr/>
+        </p:nvPicPr>
+        <p:blipFill>
+          <a:blip r:embed="rId19">
+            <a:extLst>
+              <a:ext uri="{28A0092B-C50C-407E-A947-70E740481C1C}">
+                <a14:useLocalDpi xmlns:a14="http://schemas.microsoft.com/office/drawing/2010/main" val="0"/>
+              </a:ext>
+            </a:extLst>
+          </a:blip>
+          <a:stretch>
+            <a:fillRect/>
+          </a:stretch>
+        </p:blipFill>
+        <p:spPr>
+          <a:xfrm>
+            <a:off x="8047537" y="3761415"/>
+            <a:ext cx="405803" cy="405803"/>
+          </a:xfrm>
+          <a:prstGeom prst="rect">
+            <a:avLst/>
+          </a:prstGeom>
+        </p:spPr>
+      </p:pic>
+      <p:pic>
+        <p:nvPicPr>
+          <p:cNvPr id="39" name="Bild 38"/>
+          <p:cNvPicPr>
+            <a:picLocks noChangeAspect="1"/>
+          </p:cNvPicPr>
+          <p:nvPr/>
+        </p:nvPicPr>
+        <p:blipFill>
+          <a:blip r:embed="rId20">
+            <a:extLst>
+              <a:ext uri="{28A0092B-C50C-407E-A947-70E740481C1C}">
+                <a14:useLocalDpi xmlns:a14="http://schemas.microsoft.com/office/drawing/2010/main" val="0"/>
+              </a:ext>
+            </a:extLst>
+          </a:blip>
+          <a:stretch>
+            <a:fillRect/>
+          </a:stretch>
+        </p:blipFill>
+        <p:spPr>
+          <a:xfrm rot="19938649">
+            <a:off x="7386642" y="2394491"/>
+            <a:ext cx="587975" cy="379244"/>
+          </a:xfrm>
+          <a:prstGeom prst="rect">
+            <a:avLst/>
+          </a:prstGeom>
+        </p:spPr>
+      </p:pic>
+      <p:pic>
+        <p:nvPicPr>
+          <p:cNvPr id="40" name="Bild 39"/>
+          <p:cNvPicPr>
+            <a:picLocks noChangeAspect="1"/>
+          </p:cNvPicPr>
+          <p:nvPr/>
+        </p:nvPicPr>
+        <p:blipFill>
+          <a:blip r:embed="rId21">
+            <a:extLst>
+              <a:ext uri="{28A0092B-C50C-407E-A947-70E740481C1C}">
+                <a14:useLocalDpi xmlns:a14="http://schemas.microsoft.com/office/drawing/2010/main" val="0"/>
+              </a:ext>
+            </a:extLst>
+          </a:blip>
+          <a:stretch>
+            <a:fillRect/>
+          </a:stretch>
+        </p:blipFill>
+        <p:spPr>
+          <a:xfrm>
+            <a:off x="6524626" y="2903401"/>
+            <a:ext cx="453591" cy="453591"/>
+          </a:xfrm>
+          <a:prstGeom prst="rect">
+            <a:avLst/>
+          </a:prstGeom>
+        </p:spPr>
+      </p:pic>
+      <p:pic>
+        <p:nvPicPr>
+          <p:cNvPr id="41" name="Bild 40"/>
+          <p:cNvPicPr>
+            <a:picLocks noChangeAspect="1"/>
+          </p:cNvPicPr>
+          <p:nvPr/>
+        </p:nvPicPr>
+        <p:blipFill>
+          <a:blip r:embed="rId11">
+            <a:extLst>
+              <a:ext uri="{28A0092B-C50C-407E-A947-70E740481C1C}">
+                <a14:useLocalDpi xmlns:a14="http://schemas.microsoft.com/office/drawing/2010/main" val="0"/>
+              </a:ext>
+            </a:extLst>
+          </a:blip>
+          <a:stretch>
+            <a:fillRect/>
+          </a:stretch>
+        </p:blipFill>
+        <p:spPr>
+          <a:xfrm>
+            <a:off x="5364088" y="3736383"/>
+            <a:ext cx="437400" cy="484705"/>
+          </a:xfrm>
+          <a:prstGeom prst="rect">
+            <a:avLst/>
+          </a:prstGeom>
+        </p:spPr>
+      </p:pic>
+      <p:pic>
+        <p:nvPicPr>
+          <p:cNvPr id="32" name="Bild 31"/>
+          <p:cNvPicPr>
+            <a:picLocks noChangeAspect="1"/>
+          </p:cNvPicPr>
+          <p:nvPr/>
+        </p:nvPicPr>
+        <p:blipFill>
+          <a:blip r:embed="rId22">
+            <a:extLst>
+              <a:ext uri="{28A0092B-C50C-407E-A947-70E740481C1C}">
+                <a14:useLocalDpi xmlns:a14="http://schemas.microsoft.com/office/drawing/2010/main" val="0"/>
+              </a:ext>
+            </a:extLst>
+          </a:blip>
+          <a:stretch>
+            <a:fillRect/>
+          </a:stretch>
+        </p:blipFill>
+        <p:spPr>
+          <a:xfrm>
+            <a:off x="8004018" y="2176404"/>
+            <a:ext cx="415666" cy="415666"/>
+          </a:xfrm>
+          <a:prstGeom prst="rect">
+            <a:avLst/>
+          </a:prstGeom>
+        </p:spPr>
+      </p:pic>
+      <p:pic>
+        <p:nvPicPr>
+          <p:cNvPr id="36" name="Bild 35"/>
+          <p:cNvPicPr>
+            <a:picLocks noChangeAspect="1"/>
+          </p:cNvPicPr>
+          <p:nvPr/>
+        </p:nvPicPr>
+        <p:blipFill>
+          <a:blip r:embed="rId21">
+            <a:extLst>
+              <a:ext uri="{28A0092B-C50C-407E-A947-70E740481C1C}">
+                <a14:useLocalDpi xmlns:a14="http://schemas.microsoft.com/office/drawing/2010/main" val="0"/>
+              </a:ext>
+            </a:extLst>
+          </a:blip>
+          <a:stretch>
+            <a:fillRect/>
+          </a:stretch>
+        </p:blipFill>
+        <p:spPr>
+          <a:xfrm>
+            <a:off x="3830377" y="2903401"/>
+            <a:ext cx="453591" cy="453591"/>
+          </a:xfrm>
+          <a:prstGeom prst="rect">
+            <a:avLst/>
+          </a:prstGeom>
+        </p:spPr>
+      </p:pic>
+      <p:sp>
+        <p:nvSpPr>
+          <p:cNvPr id="3" name="Textfeld 2"/>
+          <p:cNvSpPr txBox="1"/>
+          <p:nvPr/>
+        </p:nvSpPr>
+        <p:spPr>
+          <a:xfrm>
+            <a:off x="1063173" y="2913166"/>
+            <a:ext cx="2876557" cy="523220"/>
+          </a:xfrm>
+          <a:prstGeom prst="rect">
+            <a:avLst/>
+          </a:prstGeom>
+          <a:noFill/>
+        </p:spPr>
+        <p:txBody>
+          <a:bodyPr wrap="none" rtlCol="0">
+            <a:spAutoFit/>
+          </a:bodyPr>
+          <a:lstStyle/>
+          <a:p>
+            <a:r>
+              <a:rPr lang="de-DE" sz="1400" b="1" dirty="0" smtClean="0">
+                <a:solidFill>
+                  <a:srgbClr val="C00000"/>
+                </a:solidFill>
+                <a:latin typeface="Open Sans Semibold" charset="0"/>
+                <a:ea typeface="Open Sans Semibold" charset="0"/>
+                <a:cs typeface="Open Sans Semibold" charset="0"/>
+              </a:rPr>
+              <a:t>Werkzeuge für </a:t>
+            </a:r>
+          </a:p>
+          <a:p>
+            <a:r>
+              <a:rPr lang="de-DE" sz="1400" b="1" dirty="0">
+                <a:solidFill>
+                  <a:srgbClr val="C00000"/>
+                </a:solidFill>
+                <a:latin typeface="Open Sans" charset="0"/>
+                <a:ea typeface="Open Sans" charset="0"/>
+                <a:cs typeface="Open Sans" charset="0"/>
+              </a:rPr>
+              <a:t>reproduzierbare</a:t>
+            </a:r>
+            <a:r>
+              <a:rPr lang="de-DE" sz="1400" b="1" dirty="0" smtClean="0">
+                <a:solidFill>
+                  <a:srgbClr val="C00000"/>
+                </a:solidFill>
+                <a:latin typeface="Open Sans Semibold" charset="0"/>
+                <a:ea typeface="Open Sans Semibold" charset="0"/>
+                <a:cs typeface="Open Sans Semibold" charset="0"/>
+              </a:rPr>
+              <a:t> </a:t>
+            </a:r>
+            <a:r>
+              <a:rPr lang="de-DE" sz="1400" b="1" dirty="0">
+                <a:solidFill>
+                  <a:srgbClr val="C00000"/>
+                </a:solidFill>
+                <a:latin typeface="Open Sans" charset="0"/>
+                <a:ea typeface="Open Sans" charset="0"/>
+                <a:cs typeface="Open Sans" charset="0"/>
+              </a:rPr>
+              <a:t>Wissenschaft</a:t>
+            </a:r>
+          </a:p>
+        </p:txBody>
+      </p:sp>
+      <p:sp>
+        <p:nvSpPr>
+          <p:cNvPr id="42" name="Textfeld 41"/>
+          <p:cNvSpPr txBox="1"/>
+          <p:nvPr/>
+        </p:nvSpPr>
+        <p:spPr>
+          <a:xfrm>
+            <a:off x="1060402" y="2060848"/>
+            <a:ext cx="3465333" cy="307777"/>
+          </a:xfrm>
+          <a:prstGeom prst="rect">
+            <a:avLst/>
+          </a:prstGeom>
+          <a:noFill/>
+        </p:spPr>
+        <p:txBody>
+          <a:bodyPr wrap="square" rtlCol="0">
+            <a:spAutoFit/>
+          </a:bodyPr>
+          <a:lstStyle/>
+          <a:p>
+            <a:r>
+              <a:rPr lang="de-DE" sz="1400" b="1" dirty="0" smtClean="0">
+                <a:solidFill>
+                  <a:srgbClr val="C00000"/>
+                </a:solidFill>
+                <a:latin typeface="Open Sans Semibold" charset="0"/>
+                <a:ea typeface="Open Sans Semibold" charset="0"/>
+                <a:cs typeface="Open Sans Semibold" charset="0"/>
+              </a:rPr>
+              <a:t>Werkzeuge für </a:t>
+            </a:r>
+            <a:r>
+              <a:rPr lang="de-DE" sz="1400" b="1" dirty="0" smtClean="0">
+                <a:solidFill>
+                  <a:srgbClr val="C00000"/>
+                </a:solidFill>
+                <a:latin typeface="Open Sans" charset="0"/>
+                <a:ea typeface="Open Sans" charset="0"/>
+                <a:cs typeface="Open Sans" charset="0"/>
+              </a:rPr>
+              <a:t>offene Wissenschaft</a:t>
+            </a:r>
+            <a:endParaRPr lang="de-DE" sz="1400" b="1" dirty="0">
+              <a:solidFill>
+                <a:srgbClr val="C00000"/>
+              </a:solidFill>
+              <a:latin typeface="Open Sans" charset="0"/>
+              <a:ea typeface="Open Sans" charset="0"/>
+              <a:cs typeface="Open Sans" charset="0"/>
+            </a:endParaRPr>
+          </a:p>
+        </p:txBody>
+      </p:sp>
+      <p:cxnSp>
+        <p:nvCxnSpPr>
+          <p:cNvPr id="43" name="Gerade Verbindung mit Pfeil 42"/>
+          <p:cNvCxnSpPr/>
+          <p:nvPr/>
+        </p:nvCxnSpPr>
+        <p:spPr>
+          <a:xfrm>
+            <a:off x="467544" y="5301208"/>
+            <a:ext cx="8388424" cy="0"/>
+          </a:xfrm>
+          <a:prstGeom prst="straightConnector1">
+            <a:avLst/>
+          </a:prstGeom>
+          <a:ln w="41275" cap="rnd">
+            <a:solidFill>
+              <a:srgbClr val="A51E37"/>
+            </a:solidFill>
+            <a:tailEnd type="triangle" w="med" len="lg"/>
+          </a:ln>
+        </p:spPr>
+        <p:style>
+          <a:lnRef idx="1">
+            <a:schemeClr val="accent1"/>
+          </a:lnRef>
+          <a:fillRef idx="0">
+            <a:schemeClr val="accent1"/>
+          </a:fillRef>
+          <a:effectRef idx="0">
+            <a:schemeClr val="accent1"/>
+          </a:effectRef>
+          <a:fontRef idx="minor">
+            <a:schemeClr val="tx1"/>
+          </a:fontRef>
+        </p:style>
+      </p:cxnSp>
+      <p:cxnSp>
+        <p:nvCxnSpPr>
+          <p:cNvPr id="44" name="Gerade Verbindung mit Pfeil 43"/>
+          <p:cNvCxnSpPr/>
+          <p:nvPr/>
+        </p:nvCxnSpPr>
+        <p:spPr>
+          <a:xfrm flipH="1" flipV="1">
+            <a:off x="611560" y="2204864"/>
+            <a:ext cx="8384" cy="3248744"/>
+          </a:xfrm>
+          <a:prstGeom prst="straightConnector1">
+            <a:avLst/>
+          </a:prstGeom>
+          <a:ln w="41275" cap="rnd">
+            <a:solidFill>
+              <a:srgbClr val="A51E37"/>
+            </a:solidFill>
+            <a:tailEnd type="triangle" w="med" len="lg"/>
+          </a:ln>
+        </p:spPr>
+        <p:style>
+          <a:lnRef idx="1">
+            <a:schemeClr val="accent1"/>
+          </a:lnRef>
+          <a:fillRef idx="0">
+            <a:schemeClr val="accent1"/>
+          </a:fillRef>
+          <a:effectRef idx="0">
+            <a:schemeClr val="accent1"/>
+          </a:effectRef>
+          <a:fontRef idx="minor">
+            <a:schemeClr val="tx1"/>
+          </a:fontRef>
+        </p:style>
+      </p:cxnSp>
+      <p:pic>
+        <p:nvPicPr>
+          <p:cNvPr id="45" name="Bild 44"/>
+          <p:cNvPicPr>
+            <a:picLocks noChangeAspect="1"/>
+          </p:cNvPicPr>
+          <p:nvPr/>
+        </p:nvPicPr>
+        <p:blipFill>
+          <a:blip r:embed="rId3">
+            <a:extLst>
+              <a:ext uri="{28A0092B-C50C-407E-A947-70E740481C1C}">
+                <a14:useLocalDpi xmlns:a14="http://schemas.microsoft.com/office/drawing/2010/main" val="0"/>
+              </a:ext>
+            </a:extLst>
+          </a:blip>
+          <a:stretch>
+            <a:fillRect/>
+          </a:stretch>
+        </p:blipFill>
+        <p:spPr>
+          <a:xfrm>
+            <a:off x="971600" y="4581128"/>
+            <a:ext cx="523710" cy="405803"/>
+          </a:xfrm>
+          <a:prstGeom prst="rect">
+            <a:avLst/>
+          </a:prstGeom>
+        </p:spPr>
+      </p:pic>
+      <p:pic>
+        <p:nvPicPr>
+          <p:cNvPr id="46" name="Bild 45"/>
+          <p:cNvPicPr>
+            <a:picLocks noChangeAspect="1"/>
+          </p:cNvPicPr>
+          <p:nvPr/>
+        </p:nvPicPr>
+        <p:blipFill>
+          <a:blip r:embed="rId4">
+            <a:extLst>
+              <a:ext uri="{28A0092B-C50C-407E-A947-70E740481C1C}">
+                <a14:useLocalDpi xmlns:a14="http://schemas.microsoft.com/office/drawing/2010/main" val="0"/>
+              </a:ext>
+            </a:extLst>
+          </a:blip>
+          <a:stretch>
+            <a:fillRect/>
+          </a:stretch>
+        </p:blipFill>
+        <p:spPr>
+          <a:xfrm>
+            <a:off x="1509390" y="4581128"/>
+            <a:ext cx="427471" cy="462040"/>
+          </a:xfrm>
+          <a:prstGeom prst="rect">
+            <a:avLst/>
+          </a:prstGeom>
+        </p:spPr>
+      </p:pic>
+      <p:pic>
+        <p:nvPicPr>
+          <p:cNvPr id="47" name="Bild 46"/>
+          <p:cNvPicPr>
+            <a:picLocks noChangeAspect="1"/>
+          </p:cNvPicPr>
+          <p:nvPr/>
+        </p:nvPicPr>
+        <p:blipFill>
+          <a:blip r:embed="rId5">
+            <a:extLst>
+              <a:ext uri="{28A0092B-C50C-407E-A947-70E740481C1C}">
+                <a14:useLocalDpi xmlns:a14="http://schemas.microsoft.com/office/drawing/2010/main" val="0"/>
+              </a:ext>
+            </a:extLst>
+          </a:blip>
+          <a:stretch>
+            <a:fillRect/>
+          </a:stretch>
+        </p:blipFill>
+        <p:spPr>
+          <a:xfrm>
+            <a:off x="6588678" y="5388151"/>
+            <a:ext cx="325488" cy="454670"/>
+          </a:xfrm>
+          <a:prstGeom prst="rect">
+            <a:avLst/>
+          </a:prstGeom>
+        </p:spPr>
+      </p:pic>
+      <p:pic>
+        <p:nvPicPr>
+          <p:cNvPr id="48" name="Bild 47"/>
+          <p:cNvPicPr>
+            <a:picLocks noChangeAspect="1"/>
+          </p:cNvPicPr>
+          <p:nvPr/>
+        </p:nvPicPr>
+        <p:blipFill>
+          <a:blip r:embed="rId6">
+            <a:extLst>
+              <a:ext uri="{28A0092B-C50C-407E-A947-70E740481C1C}">
+                <a14:useLocalDpi xmlns:a14="http://schemas.microsoft.com/office/drawing/2010/main" val="0"/>
+              </a:ext>
+            </a:extLst>
+          </a:blip>
+          <a:stretch>
+            <a:fillRect/>
+          </a:stretch>
+        </p:blipFill>
+        <p:spPr>
+          <a:xfrm>
+            <a:off x="2472064" y="5453760"/>
+            <a:ext cx="437399" cy="439448"/>
+          </a:xfrm>
+          <a:prstGeom prst="rect">
+            <a:avLst/>
+          </a:prstGeom>
+        </p:spPr>
+      </p:pic>
+      <p:pic>
+        <p:nvPicPr>
+          <p:cNvPr id="49" name="Bild 48"/>
+          <p:cNvPicPr>
+            <a:picLocks noChangeAspect="1"/>
+          </p:cNvPicPr>
+          <p:nvPr/>
+        </p:nvPicPr>
+        <p:blipFill>
+          <a:blip r:embed="rId7">
+            <a:extLst>
+              <a:ext uri="{28A0092B-C50C-407E-A947-70E740481C1C}">
+                <a14:useLocalDpi xmlns:a14="http://schemas.microsoft.com/office/drawing/2010/main" val="0"/>
+              </a:ext>
+            </a:extLst>
+          </a:blip>
+          <a:stretch>
+            <a:fillRect/>
+          </a:stretch>
+        </p:blipFill>
+        <p:spPr>
+          <a:xfrm>
+            <a:off x="5126521" y="5441212"/>
+            <a:ext cx="519707" cy="434857"/>
+          </a:xfrm>
+          <a:prstGeom prst="rect">
+            <a:avLst/>
+          </a:prstGeom>
+        </p:spPr>
+      </p:pic>
+      <p:pic>
+        <p:nvPicPr>
+          <p:cNvPr id="50" name="Bild 49"/>
+          <p:cNvPicPr>
+            <a:picLocks noChangeAspect="1"/>
+          </p:cNvPicPr>
+          <p:nvPr/>
+        </p:nvPicPr>
+        <p:blipFill>
+          <a:blip r:embed="rId8">
+            <a:extLst>
+              <a:ext uri="{28A0092B-C50C-407E-A947-70E740481C1C}">
+                <a14:useLocalDpi xmlns:a14="http://schemas.microsoft.com/office/drawing/2010/main" val="0"/>
+              </a:ext>
+            </a:extLst>
+          </a:blip>
+          <a:stretch>
+            <a:fillRect/>
+          </a:stretch>
+        </p:blipFill>
+        <p:spPr>
+          <a:xfrm>
+            <a:off x="3851913" y="5407139"/>
+            <a:ext cx="524328" cy="524328"/>
+          </a:xfrm>
+          <a:prstGeom prst="rect">
+            <a:avLst/>
+          </a:prstGeom>
+        </p:spPr>
+      </p:pic>
+      <p:pic>
+        <p:nvPicPr>
+          <p:cNvPr id="51" name="Bild 50"/>
+          <p:cNvPicPr>
+            <a:picLocks noChangeAspect="1"/>
+          </p:cNvPicPr>
+          <p:nvPr/>
+        </p:nvPicPr>
+        <p:blipFill>
+          <a:blip r:embed="rId9">
+            <a:extLst>
+              <a:ext uri="{28A0092B-C50C-407E-A947-70E740481C1C}">
+                <a14:useLocalDpi xmlns:a14="http://schemas.microsoft.com/office/drawing/2010/main" val="0"/>
+              </a:ext>
+            </a:extLst>
+          </a:blip>
+          <a:stretch>
+            <a:fillRect/>
+          </a:stretch>
+        </p:blipFill>
+        <p:spPr>
+          <a:xfrm>
+            <a:off x="7596336" y="5397016"/>
+            <a:ext cx="615515" cy="436940"/>
+          </a:xfrm>
+          <a:prstGeom prst="rect">
+            <a:avLst/>
+          </a:prstGeom>
+        </p:spPr>
+      </p:pic>
+      <p:pic>
+        <p:nvPicPr>
+          <p:cNvPr id="52" name="Bild 51"/>
+          <p:cNvPicPr>
+            <a:picLocks noChangeAspect="1"/>
+          </p:cNvPicPr>
+          <p:nvPr/>
+        </p:nvPicPr>
+        <p:blipFill>
+          <a:blip r:embed="rId10">
+            <a:extLst>
+              <a:ext uri="{28A0092B-C50C-407E-A947-70E740481C1C}">
+                <a14:useLocalDpi xmlns:a14="http://schemas.microsoft.com/office/drawing/2010/main" val="0"/>
+              </a:ext>
+            </a:extLst>
+          </a:blip>
+          <a:stretch>
+            <a:fillRect/>
+          </a:stretch>
+        </p:blipFill>
+        <p:spPr>
+          <a:xfrm>
+            <a:off x="1108686" y="5438917"/>
+            <a:ext cx="428247" cy="460772"/>
+          </a:xfrm>
+          <a:prstGeom prst="rect">
+            <a:avLst/>
+          </a:prstGeom>
+        </p:spPr>
+      </p:pic>
+      <p:pic>
+        <p:nvPicPr>
+          <p:cNvPr id="53" name="Bild 52"/>
+          <p:cNvPicPr>
+            <a:picLocks noChangeAspect="1"/>
+          </p:cNvPicPr>
+          <p:nvPr/>
+        </p:nvPicPr>
+        <p:blipFill>
+          <a:blip r:embed="rId11">
+            <a:extLst>
+              <a:ext uri="{28A0092B-C50C-407E-A947-70E740481C1C}">
+                <a14:useLocalDpi xmlns:a14="http://schemas.microsoft.com/office/drawing/2010/main" val="0"/>
+              </a:ext>
+            </a:extLst>
+          </a:blip>
+          <a:stretch>
+            <a:fillRect/>
+          </a:stretch>
+        </p:blipFill>
+        <p:spPr>
+          <a:xfrm>
+            <a:off x="2472063" y="3736383"/>
+            <a:ext cx="437400" cy="484705"/>
+          </a:xfrm>
+          <a:prstGeom prst="rect">
+            <a:avLst/>
+          </a:prstGeom>
+        </p:spPr>
+      </p:pic>
+      <p:pic>
+        <p:nvPicPr>
+          <p:cNvPr id="54" name="Bild 53"/>
+          <p:cNvPicPr>
+            <a:picLocks noChangeAspect="1"/>
+          </p:cNvPicPr>
+          <p:nvPr/>
+        </p:nvPicPr>
+        <p:blipFill>
+          <a:blip r:embed="rId12">
+            <a:extLst>
+              <a:ext uri="{28A0092B-C50C-407E-A947-70E740481C1C}">
+                <a14:useLocalDpi xmlns:a14="http://schemas.microsoft.com/office/drawing/2010/main" val="0"/>
+              </a:ext>
+            </a:extLst>
+          </a:blip>
+          <a:stretch>
+            <a:fillRect/>
+          </a:stretch>
+        </p:blipFill>
+        <p:spPr>
+          <a:xfrm rot="21550500">
+            <a:off x="2475360" y="4584442"/>
+            <a:ext cx="409062" cy="460811"/>
+          </a:xfrm>
+          <a:prstGeom prst="rect">
+            <a:avLst/>
+          </a:prstGeom>
+        </p:spPr>
+      </p:pic>
+      <p:pic>
+        <p:nvPicPr>
+          <p:cNvPr id="55" name="Bild 54"/>
+          <p:cNvPicPr>
+            <a:picLocks noChangeAspect="1"/>
+          </p:cNvPicPr>
+          <p:nvPr/>
+        </p:nvPicPr>
+        <p:blipFill>
+          <a:blip r:embed="rId13">
+            <a:extLst>
+              <a:ext uri="{28A0092B-C50C-407E-A947-70E740481C1C}">
+                <a14:useLocalDpi xmlns:a14="http://schemas.microsoft.com/office/drawing/2010/main" val="0"/>
+              </a:ext>
+            </a:extLst>
+          </a:blip>
+          <a:stretch>
+            <a:fillRect/>
+          </a:stretch>
+        </p:blipFill>
+        <p:spPr>
+          <a:xfrm>
+            <a:off x="3851913" y="4113338"/>
+            <a:ext cx="416322" cy="432817"/>
+          </a:xfrm>
+          <a:prstGeom prst="rect">
+            <a:avLst/>
+          </a:prstGeom>
+        </p:spPr>
+      </p:pic>
+      <p:pic>
+        <p:nvPicPr>
+          <p:cNvPr id="56" name="Bild 55"/>
+          <p:cNvPicPr>
+            <a:picLocks noChangeAspect="1"/>
+          </p:cNvPicPr>
+          <p:nvPr/>
+        </p:nvPicPr>
+        <p:blipFill>
+          <a:blip r:embed="rId14">
+            <a:extLst>
+              <a:ext uri="{28A0092B-C50C-407E-A947-70E740481C1C}">
+                <a14:useLocalDpi xmlns:a14="http://schemas.microsoft.com/office/drawing/2010/main" val="0"/>
+              </a:ext>
+            </a:extLst>
+          </a:blip>
+          <a:stretch>
+            <a:fillRect/>
+          </a:stretch>
+        </p:blipFill>
+        <p:spPr>
+          <a:xfrm rot="64950">
+            <a:off x="3856053" y="3521863"/>
+            <a:ext cx="408042" cy="442102"/>
+          </a:xfrm>
+          <a:prstGeom prst="rect">
+            <a:avLst/>
+          </a:prstGeom>
+        </p:spPr>
+      </p:pic>
+      <p:pic>
+        <p:nvPicPr>
+          <p:cNvPr id="57" name="Bild 56"/>
+          <p:cNvPicPr>
+            <a:picLocks noChangeAspect="1"/>
+          </p:cNvPicPr>
+          <p:nvPr/>
+        </p:nvPicPr>
+        <p:blipFill>
+          <a:blip r:embed="rId13">
+            <a:extLst>
+              <a:ext uri="{28A0092B-C50C-407E-A947-70E740481C1C}">
+                <a14:useLocalDpi xmlns:a14="http://schemas.microsoft.com/office/drawing/2010/main" val="0"/>
+              </a:ext>
+            </a:extLst>
+          </a:blip>
+          <a:stretch>
+            <a:fillRect/>
+          </a:stretch>
+        </p:blipFill>
+        <p:spPr>
+          <a:xfrm>
+            <a:off x="5163790" y="4116830"/>
+            <a:ext cx="416322" cy="432817"/>
+          </a:xfrm>
+          <a:prstGeom prst="rect">
+            <a:avLst/>
+          </a:prstGeom>
+        </p:spPr>
+      </p:pic>
+      <p:pic>
+        <p:nvPicPr>
+          <p:cNvPr id="58" name="Bild 57"/>
+          <p:cNvPicPr>
+            <a:picLocks noChangeAspect="1"/>
+          </p:cNvPicPr>
+          <p:nvPr/>
+        </p:nvPicPr>
+        <p:blipFill>
+          <a:blip r:embed="rId14">
+            <a:extLst>
+              <a:ext uri="{28A0092B-C50C-407E-A947-70E740481C1C}">
+                <a14:useLocalDpi xmlns:a14="http://schemas.microsoft.com/office/drawing/2010/main" val="0"/>
+              </a:ext>
+            </a:extLst>
+          </a:blip>
+          <a:stretch>
+            <a:fillRect/>
+          </a:stretch>
+        </p:blipFill>
+        <p:spPr>
+          <a:xfrm rot="64950">
+            <a:off x="4951906" y="3525355"/>
+            <a:ext cx="408042" cy="442102"/>
+          </a:xfrm>
+          <a:prstGeom prst="rect">
+            <a:avLst/>
+          </a:prstGeom>
+        </p:spPr>
+      </p:pic>
+      <p:pic>
+        <p:nvPicPr>
+          <p:cNvPr id="59" name="Bild 58"/>
+          <p:cNvPicPr>
+            <a:picLocks noChangeAspect="1"/>
+          </p:cNvPicPr>
+          <p:nvPr/>
+        </p:nvPicPr>
+        <p:blipFill>
+          <a:blip r:embed="rId15">
+            <a:extLst>
+              <a:ext uri="{28A0092B-C50C-407E-A947-70E740481C1C}">
+                <a14:useLocalDpi xmlns:a14="http://schemas.microsoft.com/office/drawing/2010/main" val="0"/>
+              </a:ext>
+            </a:extLst>
+          </a:blip>
+          <a:stretch>
+            <a:fillRect/>
+          </a:stretch>
+        </p:blipFill>
+        <p:spPr>
+          <a:xfrm>
+            <a:off x="6524626" y="2348880"/>
+            <a:ext cx="453591" cy="453591"/>
+          </a:xfrm>
+          <a:prstGeom prst="rect">
+            <a:avLst/>
+          </a:prstGeom>
+        </p:spPr>
+      </p:pic>
+      <p:pic>
+        <p:nvPicPr>
+          <p:cNvPr id="60" name="Bild 59"/>
+          <p:cNvPicPr>
+            <a:picLocks noChangeAspect="1"/>
+          </p:cNvPicPr>
+          <p:nvPr/>
+        </p:nvPicPr>
+        <p:blipFill>
+          <a:blip r:embed="rId16">
+            <a:extLst>
+              <a:ext uri="{28A0092B-C50C-407E-A947-70E740481C1C}">
+                <a14:useLocalDpi xmlns:a14="http://schemas.microsoft.com/office/drawing/2010/main" val="0"/>
+              </a:ext>
+            </a:extLst>
+          </a:blip>
+          <a:stretch>
+            <a:fillRect/>
+          </a:stretch>
+        </p:blipFill>
+        <p:spPr>
+          <a:xfrm>
+            <a:off x="5163791" y="3036893"/>
+            <a:ext cx="416322" cy="464115"/>
+          </a:xfrm>
+          <a:prstGeom prst="rect">
+            <a:avLst/>
+          </a:prstGeom>
+        </p:spPr>
+      </p:pic>
+      <p:pic>
+        <p:nvPicPr>
+          <p:cNvPr id="61" name="Bild 60"/>
+          <p:cNvPicPr>
+            <a:picLocks noChangeAspect="1"/>
+          </p:cNvPicPr>
+          <p:nvPr/>
+        </p:nvPicPr>
+        <p:blipFill rotWithShape="1">
+          <a:blip r:embed="rId17">
+            <a:extLst>
+              <a:ext uri="{28A0092B-C50C-407E-A947-70E740481C1C}">
+                <a14:useLocalDpi xmlns:a14="http://schemas.microsoft.com/office/drawing/2010/main" val="0"/>
+              </a:ext>
+            </a:extLst>
+          </a:blip>
+          <a:srcRect t="949" b="-1"/>
+          <a:stretch/>
+        </p:blipFill>
+        <p:spPr>
+          <a:xfrm>
+            <a:off x="7838067" y="3140968"/>
+            <a:ext cx="381993" cy="432048"/>
+          </a:xfrm>
+          <a:prstGeom prst="rect">
+            <a:avLst/>
+          </a:prstGeom>
+        </p:spPr>
+      </p:pic>
+      <p:pic>
+        <p:nvPicPr>
+          <p:cNvPr id="62" name="Bild 61"/>
+          <p:cNvPicPr>
+            <a:picLocks noChangeAspect="1"/>
+          </p:cNvPicPr>
+          <p:nvPr/>
+        </p:nvPicPr>
+        <p:blipFill>
+          <a:blip r:embed="rId18">
+            <a:extLst>
+              <a:ext uri="{28A0092B-C50C-407E-A947-70E740481C1C}">
+                <a14:useLocalDpi xmlns:a14="http://schemas.microsoft.com/office/drawing/2010/main" val="0"/>
+              </a:ext>
+            </a:extLst>
+          </a:blip>
+          <a:stretch>
+            <a:fillRect/>
+          </a:stretch>
+        </p:blipFill>
+        <p:spPr>
+          <a:xfrm>
+            <a:off x="7842478" y="2776292"/>
+            <a:ext cx="539552" cy="224673"/>
+          </a:xfrm>
+          <a:prstGeom prst="rect">
+            <a:avLst/>
+          </a:prstGeom>
+        </p:spPr>
+      </p:pic>
+      <p:pic>
+        <p:nvPicPr>
+          <p:cNvPr id="63" name="Bild 62"/>
+          <p:cNvPicPr>
+            <a:picLocks noChangeAspect="1"/>
+          </p:cNvPicPr>
+          <p:nvPr/>
+        </p:nvPicPr>
+        <p:blipFill>
+          <a:blip r:embed="rId14">
+            <a:extLst>
+              <a:ext uri="{28A0092B-C50C-407E-A947-70E740481C1C}">
+                <a14:useLocalDpi xmlns:a14="http://schemas.microsoft.com/office/drawing/2010/main" val="0"/>
+              </a:ext>
+            </a:extLst>
+          </a:blip>
+          <a:stretch>
+            <a:fillRect/>
+          </a:stretch>
+        </p:blipFill>
+        <p:spPr>
+          <a:xfrm rot="64950">
+            <a:off x="7600476" y="3559147"/>
+            <a:ext cx="408042" cy="442102"/>
+          </a:xfrm>
+          <a:prstGeom prst="rect">
+            <a:avLst/>
+          </a:prstGeom>
+        </p:spPr>
+      </p:pic>
+      <p:pic>
+        <p:nvPicPr>
+          <p:cNvPr id="64" name="Bild 63"/>
+          <p:cNvPicPr>
+            <a:picLocks noChangeAspect="1"/>
+          </p:cNvPicPr>
+          <p:nvPr/>
+        </p:nvPicPr>
+        <p:blipFill>
+          <a:blip r:embed="rId13">
+            <a:extLst>
+              <a:ext uri="{28A0092B-C50C-407E-A947-70E740481C1C}">
+                <a14:useLocalDpi xmlns:a14="http://schemas.microsoft.com/office/drawing/2010/main" val="0"/>
+              </a:ext>
+            </a:extLst>
+          </a:blip>
+          <a:stretch>
+            <a:fillRect/>
+          </a:stretch>
+        </p:blipFill>
+        <p:spPr>
+          <a:xfrm>
+            <a:off x="7695932" y="4111660"/>
+            <a:ext cx="416322" cy="432817"/>
+          </a:xfrm>
+          <a:prstGeom prst="rect">
+            <a:avLst/>
+          </a:prstGeom>
+        </p:spPr>
+      </p:pic>
+      <p:pic>
+        <p:nvPicPr>
+          <p:cNvPr id="65" name="Bild 64"/>
+          <p:cNvPicPr>
+            <a:picLocks noChangeAspect="1"/>
+          </p:cNvPicPr>
+          <p:nvPr/>
+        </p:nvPicPr>
+        <p:blipFill>
+          <a:blip r:embed="rId19">
+            <a:extLst>
+              <a:ext uri="{28A0092B-C50C-407E-A947-70E740481C1C}">
+                <a14:useLocalDpi xmlns:a14="http://schemas.microsoft.com/office/drawing/2010/main" val="0"/>
+              </a:ext>
+            </a:extLst>
+          </a:blip>
+          <a:stretch>
+            <a:fillRect/>
+          </a:stretch>
+        </p:blipFill>
+        <p:spPr>
+          <a:xfrm>
+            <a:off x="8047537" y="3761415"/>
+            <a:ext cx="405803" cy="405803"/>
+          </a:xfrm>
+          <a:prstGeom prst="rect">
+            <a:avLst/>
+          </a:prstGeom>
+        </p:spPr>
+      </p:pic>
+      <p:pic>
+        <p:nvPicPr>
+          <p:cNvPr id="66" name="Bild 65"/>
+          <p:cNvPicPr>
+            <a:picLocks noChangeAspect="1"/>
+          </p:cNvPicPr>
+          <p:nvPr/>
+        </p:nvPicPr>
+        <p:blipFill>
+          <a:blip r:embed="rId20">
+            <a:extLst>
+              <a:ext uri="{28A0092B-C50C-407E-A947-70E740481C1C}">
+                <a14:useLocalDpi xmlns:a14="http://schemas.microsoft.com/office/drawing/2010/main" val="0"/>
+              </a:ext>
+            </a:extLst>
+          </a:blip>
+          <a:stretch>
+            <a:fillRect/>
+          </a:stretch>
+        </p:blipFill>
+        <p:spPr>
+          <a:xfrm rot="19938649">
+            <a:off x="7386642" y="2394491"/>
+            <a:ext cx="587975" cy="379244"/>
+          </a:xfrm>
+          <a:prstGeom prst="rect">
+            <a:avLst/>
+          </a:prstGeom>
+        </p:spPr>
+      </p:pic>
+      <p:pic>
+        <p:nvPicPr>
+          <p:cNvPr id="67" name="Bild 66"/>
+          <p:cNvPicPr>
+            <a:picLocks noChangeAspect="1"/>
+          </p:cNvPicPr>
+          <p:nvPr/>
+        </p:nvPicPr>
+        <p:blipFill>
+          <a:blip r:embed="rId21">
+            <a:extLst>
+              <a:ext uri="{28A0092B-C50C-407E-A947-70E740481C1C}">
+                <a14:useLocalDpi xmlns:a14="http://schemas.microsoft.com/office/drawing/2010/main" val="0"/>
+              </a:ext>
+            </a:extLst>
+          </a:blip>
+          <a:stretch>
+            <a:fillRect/>
+          </a:stretch>
+        </p:blipFill>
+        <p:spPr>
+          <a:xfrm>
+            <a:off x="6524626" y="2903401"/>
+            <a:ext cx="453591" cy="453591"/>
+          </a:xfrm>
+          <a:prstGeom prst="rect">
+            <a:avLst/>
+          </a:prstGeom>
+        </p:spPr>
+      </p:pic>
+      <p:pic>
+        <p:nvPicPr>
+          <p:cNvPr id="68" name="Bild 67"/>
+          <p:cNvPicPr>
+            <a:picLocks noChangeAspect="1"/>
+          </p:cNvPicPr>
+          <p:nvPr/>
+        </p:nvPicPr>
+        <p:blipFill>
+          <a:blip r:embed="rId11">
+            <a:extLst>
+              <a:ext uri="{28A0092B-C50C-407E-A947-70E740481C1C}">
+                <a14:useLocalDpi xmlns:a14="http://schemas.microsoft.com/office/drawing/2010/main" val="0"/>
+              </a:ext>
+            </a:extLst>
+          </a:blip>
+          <a:stretch>
+            <a:fillRect/>
+          </a:stretch>
+        </p:blipFill>
+        <p:spPr>
+          <a:xfrm>
+            <a:off x="5364088" y="3736383"/>
+            <a:ext cx="437400" cy="484705"/>
+          </a:xfrm>
+          <a:prstGeom prst="rect">
+            <a:avLst/>
+          </a:prstGeom>
+        </p:spPr>
+      </p:pic>
+      <p:pic>
+        <p:nvPicPr>
+          <p:cNvPr id="69" name="Bild 68"/>
+          <p:cNvPicPr>
+            <a:picLocks noChangeAspect="1"/>
+          </p:cNvPicPr>
+          <p:nvPr/>
+        </p:nvPicPr>
+        <p:blipFill>
+          <a:blip r:embed="rId22">
+            <a:extLst>
+              <a:ext uri="{28A0092B-C50C-407E-A947-70E740481C1C}">
+                <a14:useLocalDpi xmlns:a14="http://schemas.microsoft.com/office/drawing/2010/main" val="0"/>
+              </a:ext>
+            </a:extLst>
+          </a:blip>
+          <a:stretch>
+            <a:fillRect/>
+          </a:stretch>
+        </p:blipFill>
+        <p:spPr>
+          <a:xfrm>
+            <a:off x="8004018" y="2176404"/>
+            <a:ext cx="415666" cy="415666"/>
+          </a:xfrm>
+          <a:prstGeom prst="rect">
+            <a:avLst/>
+          </a:prstGeom>
+        </p:spPr>
+      </p:pic>
+      <p:pic>
+        <p:nvPicPr>
+          <p:cNvPr id="70" name="Bild 69"/>
+          <p:cNvPicPr>
+            <a:picLocks noChangeAspect="1"/>
+          </p:cNvPicPr>
+          <p:nvPr/>
+        </p:nvPicPr>
+        <p:blipFill>
+          <a:blip r:embed="rId21">
+            <a:extLst>
+              <a:ext uri="{28A0092B-C50C-407E-A947-70E740481C1C}">
+                <a14:useLocalDpi xmlns:a14="http://schemas.microsoft.com/office/drawing/2010/main" val="0"/>
+              </a:ext>
+            </a:extLst>
+          </a:blip>
+          <a:stretch>
+            <a:fillRect/>
+          </a:stretch>
+        </p:blipFill>
+        <p:spPr>
+          <a:xfrm>
+            <a:off x="3830377" y="2903401"/>
+            <a:ext cx="453591" cy="453591"/>
+          </a:xfrm>
+          <a:prstGeom prst="rect">
+            <a:avLst/>
+          </a:prstGeom>
+        </p:spPr>
+      </p:pic>
+      <p:sp>
+        <p:nvSpPr>
+          <p:cNvPr id="71" name="Textfeld 70"/>
+          <p:cNvSpPr txBox="1"/>
+          <p:nvPr/>
+        </p:nvSpPr>
+        <p:spPr>
+          <a:xfrm rot="16200000">
+            <a:off x="-230249" y="2858643"/>
+            <a:ext cx="1409001" cy="307777"/>
+          </a:xfrm>
+          <a:prstGeom prst="rect">
+            <a:avLst/>
+          </a:prstGeom>
+          <a:noFill/>
+        </p:spPr>
+        <p:txBody>
+          <a:bodyPr wrap="square" rtlCol="0">
+            <a:spAutoFit/>
+          </a:bodyPr>
+          <a:lstStyle/>
+          <a:p>
+            <a:pPr algn="ctr"/>
+            <a:r>
+              <a:rPr lang="de-DE" sz="1400" smtClean="0">
+                <a:solidFill>
+                  <a:srgbClr val="C00000"/>
+                </a:solidFill>
+                <a:latin typeface="Roboto Condensed" charset="0"/>
+                <a:ea typeface="Roboto Condensed" charset="0"/>
+                <a:cs typeface="Roboto Condensed" charset="0"/>
+              </a:rPr>
+              <a:t>Einstiegshürde</a:t>
+            </a:r>
+            <a:endParaRPr lang="de-DE" sz="1400" b="1" i="1" dirty="0">
+              <a:solidFill>
+                <a:srgbClr val="C00000"/>
+              </a:solidFill>
+              <a:latin typeface="Roboto Condensed" charset="0"/>
+              <a:ea typeface="Roboto Condensed" charset="0"/>
+              <a:cs typeface="Roboto Condensed" charset="0"/>
+            </a:endParaRPr>
+          </a:p>
+        </p:txBody>
+      </p:sp>
+    </p:spTree>
+    <p:extLst>
+      <p:ext uri="{BB962C8B-B14F-4D97-AF65-F5344CB8AC3E}">
+        <p14:creationId xmlns:p14="http://schemas.microsoft.com/office/powerpoint/2010/main" val="924174366"/>
+      </p:ext>
+    </p:extLst>
+  </p:cSld>
+  <p:clrMapOvr>
+    <a:masterClrMapping/>
+  </p:clrMapOvr>
+</p:sld>
+</file>
+
+<file path=ppt/slides/slide7.xml><?xml version="1.0" encoding="utf-8"?>
+<p:sld xmlns:a="http://schemas.openxmlformats.org/drawingml/2006/main" xmlns:r="http://schemas.openxmlformats.org/officeDocument/2006/relationships" xmlns:p="http://schemas.openxmlformats.org/presentationml/2006/main">
+  <p:cSld>
+    <p:spTree>
+      <p:nvGrpSpPr>
+        <p:cNvPr id="1" name=""/>
+        <p:cNvGrpSpPr/>
+        <p:nvPr/>
+      </p:nvGrpSpPr>
+      <p:grpSpPr>
+        <a:xfrm>
+          <a:off x="0" y="0"/>
+          <a:ext cx="0" cy="0"/>
+          <a:chOff x="0" y="0"/>
+          <a:chExt cx="0" cy="0"/>
+        </a:xfrm>
+      </p:grpSpPr>
       <p:pic>
         <p:nvPicPr>
           <p:cNvPr id="11" name="Bild 10"/>
@@ -7044,7 +13469,7 @@
 </p:sld>
 </file>
 
-<file path=ppt/slides/slide4.xml><?xml version="1.0" encoding="utf-8"?>
+<file path=ppt/slides/slide8.xml><?xml version="1.0" encoding="utf-8"?>
 <p:sld xmlns:a="http://schemas.openxmlformats.org/drawingml/2006/main" xmlns:r="http://schemas.openxmlformats.org/officeDocument/2006/relationships" xmlns:p="http://schemas.openxmlformats.org/presentationml/2006/main">
   <p:cSld>
     <p:spTree>

--- a/Img/PPT_Img.pptx
+++ b/Img/PPT_Img.pptx
@@ -6,10 +6,10 @@
     <p:sldMasterId id="2147483798" r:id="rId2"/>
   </p:sldMasterIdLst>
   <p:notesMasterIdLst>
-    <p:notesMasterId r:id="rId11"/>
+    <p:notesMasterId r:id="rId12"/>
   </p:notesMasterIdLst>
   <p:handoutMasterIdLst>
-    <p:handoutMasterId r:id="rId12"/>
+    <p:handoutMasterId r:id="rId13"/>
   </p:handoutMasterIdLst>
   <p:sldIdLst>
     <p:sldId id="270" r:id="rId3"/>
@@ -20,6 +20,7 @@
     <p:sldId id="277" r:id="rId8"/>
     <p:sldId id="272" r:id="rId9"/>
     <p:sldId id="273" r:id="rId10"/>
+    <p:sldId id="278" r:id="rId11"/>
   </p:sldIdLst>
   <p:sldSz cx="9144000" cy="6858000" type="screen4x3"/>
   <p:notesSz cx="6858000" cy="9926638"/>
@@ -141,6 +142,2159 @@
 <p:cmAuthorLst xmlns:a="http://schemas.openxmlformats.org/drawingml/2006/main" xmlns:r="http://schemas.openxmlformats.org/officeDocument/2006/relationships" xmlns:p="http://schemas.openxmlformats.org/presentationml/2006/main">
   <p:cmAuthor id="0" name="Eva Prinz" initials="EP" lastIdx="2" clrIdx="0"/>
 </p:cmAuthorLst>
+</file>
+
+<file path=ppt/diagrams/colors1.xml><?xml version="1.0" encoding="utf-8"?>
+<dgm:colorsDef xmlns:dgm="http://schemas.openxmlformats.org/drawingml/2006/diagram" xmlns:a="http://schemas.openxmlformats.org/drawingml/2006/main" uniqueId="urn:microsoft.com/office/officeart/2005/8/colors/accent1_2">
+  <dgm:title val=""/>
+  <dgm:desc val=""/>
+  <dgm:catLst>
+    <dgm:cat type="accent1" pri="11200"/>
+  </dgm:catLst>
+  <dgm:styleLbl name="node0">
+    <dgm:fillClrLst meth="repeat">
+      <a:schemeClr val="accent1"/>
+    </dgm:fillClrLst>
+    <dgm:linClrLst meth="repeat">
+      <a:schemeClr val="lt1"/>
+    </dgm:linClrLst>
+    <dgm:effectClrLst/>
+    <dgm:txLinClrLst/>
+    <dgm:txFillClrLst/>
+    <dgm:txEffectClrLst/>
+  </dgm:styleLbl>
+  <dgm:styleLbl name="alignNode1">
+    <dgm:fillClrLst meth="repeat">
+      <a:schemeClr val="accent1"/>
+    </dgm:fillClrLst>
+    <dgm:linClrLst meth="repeat">
+      <a:schemeClr val="accent1"/>
+    </dgm:linClrLst>
+    <dgm:effectClrLst/>
+    <dgm:txLinClrLst/>
+    <dgm:txFillClrLst/>
+    <dgm:txEffectClrLst/>
+  </dgm:styleLbl>
+  <dgm:styleLbl name="node1">
+    <dgm:fillClrLst meth="repeat">
+      <a:schemeClr val="accent1"/>
+    </dgm:fillClrLst>
+    <dgm:linClrLst meth="repeat">
+      <a:schemeClr val="lt1"/>
+    </dgm:linClrLst>
+    <dgm:effectClrLst/>
+    <dgm:txLinClrLst/>
+    <dgm:txFillClrLst/>
+    <dgm:txEffectClrLst/>
+  </dgm:styleLbl>
+  <dgm:styleLbl name="lnNode1">
+    <dgm:fillClrLst meth="repeat">
+      <a:schemeClr val="accent1"/>
+    </dgm:fillClrLst>
+    <dgm:linClrLst meth="repeat">
+      <a:schemeClr val="lt1"/>
+    </dgm:linClrLst>
+    <dgm:effectClrLst/>
+    <dgm:txLinClrLst/>
+    <dgm:txFillClrLst/>
+    <dgm:txEffectClrLst/>
+  </dgm:styleLbl>
+  <dgm:styleLbl name="vennNode1">
+    <dgm:fillClrLst meth="repeat">
+      <a:schemeClr val="accent1">
+        <a:alpha val="50000"/>
+      </a:schemeClr>
+    </dgm:fillClrLst>
+    <dgm:linClrLst meth="repeat">
+      <a:schemeClr val="lt1"/>
+    </dgm:linClrLst>
+    <dgm:effectClrLst/>
+    <dgm:txLinClrLst/>
+    <dgm:txFillClrLst/>
+    <dgm:txEffectClrLst/>
+  </dgm:styleLbl>
+  <dgm:styleLbl name="node2">
+    <dgm:fillClrLst meth="repeat">
+      <a:schemeClr val="accent1"/>
+    </dgm:fillClrLst>
+    <dgm:linClrLst meth="repeat">
+      <a:schemeClr val="lt1"/>
+    </dgm:linClrLst>
+    <dgm:effectClrLst/>
+    <dgm:txLinClrLst/>
+    <dgm:txFillClrLst/>
+    <dgm:txEffectClrLst/>
+  </dgm:styleLbl>
+  <dgm:styleLbl name="node3">
+    <dgm:fillClrLst meth="repeat">
+      <a:schemeClr val="accent1"/>
+    </dgm:fillClrLst>
+    <dgm:linClrLst meth="repeat">
+      <a:schemeClr val="lt1"/>
+    </dgm:linClrLst>
+    <dgm:effectClrLst/>
+    <dgm:txLinClrLst/>
+    <dgm:txFillClrLst/>
+    <dgm:txEffectClrLst/>
+  </dgm:styleLbl>
+  <dgm:styleLbl name="node4">
+    <dgm:fillClrLst meth="repeat">
+      <a:schemeClr val="accent1"/>
+    </dgm:fillClrLst>
+    <dgm:linClrLst meth="repeat">
+      <a:schemeClr val="lt1"/>
+    </dgm:linClrLst>
+    <dgm:effectClrLst/>
+    <dgm:txLinClrLst/>
+    <dgm:txFillClrLst/>
+    <dgm:txEffectClrLst/>
+  </dgm:styleLbl>
+  <dgm:styleLbl name="fgImgPlace1">
+    <dgm:fillClrLst meth="repeat">
+      <a:schemeClr val="accent1">
+        <a:tint val="50000"/>
+      </a:schemeClr>
+    </dgm:fillClrLst>
+    <dgm:linClrLst meth="repeat">
+      <a:schemeClr val="lt1"/>
+    </dgm:linClrLst>
+    <dgm:effectClrLst/>
+    <dgm:txLinClrLst/>
+    <dgm:txFillClrLst meth="repeat">
+      <a:schemeClr val="lt1"/>
+    </dgm:txFillClrLst>
+    <dgm:txEffectClrLst/>
+  </dgm:styleLbl>
+  <dgm:styleLbl name="alignImgPlace1">
+    <dgm:fillClrLst meth="repeat">
+      <a:schemeClr val="accent1">
+        <a:tint val="50000"/>
+      </a:schemeClr>
+    </dgm:fillClrLst>
+    <dgm:linClrLst meth="repeat">
+      <a:schemeClr val="lt1"/>
+    </dgm:linClrLst>
+    <dgm:effectClrLst/>
+    <dgm:txLinClrLst/>
+    <dgm:txFillClrLst meth="repeat">
+      <a:schemeClr val="lt1"/>
+    </dgm:txFillClrLst>
+    <dgm:txEffectClrLst/>
+  </dgm:styleLbl>
+  <dgm:styleLbl name="bgImgPlace1">
+    <dgm:fillClrLst meth="repeat">
+      <a:schemeClr val="accent1">
+        <a:tint val="50000"/>
+      </a:schemeClr>
+    </dgm:fillClrLst>
+    <dgm:linClrLst meth="repeat">
+      <a:schemeClr val="lt1"/>
+    </dgm:linClrLst>
+    <dgm:effectClrLst/>
+    <dgm:txLinClrLst/>
+    <dgm:txFillClrLst meth="repeat">
+      <a:schemeClr val="lt1"/>
+    </dgm:txFillClrLst>
+    <dgm:txEffectClrLst/>
+  </dgm:styleLbl>
+  <dgm:styleLbl name="sibTrans2D1">
+    <dgm:fillClrLst meth="repeat">
+      <a:schemeClr val="accent1">
+        <a:tint val="60000"/>
+      </a:schemeClr>
+    </dgm:fillClrLst>
+    <dgm:linClrLst meth="repeat">
+      <a:schemeClr val="accent1">
+        <a:tint val="60000"/>
+      </a:schemeClr>
+    </dgm:linClrLst>
+    <dgm:effectClrLst/>
+    <dgm:txLinClrLst/>
+    <dgm:txFillClrLst/>
+    <dgm:txEffectClrLst/>
+  </dgm:styleLbl>
+  <dgm:styleLbl name="fgSibTrans2D1">
+    <dgm:fillClrLst meth="repeat">
+      <a:schemeClr val="accent1">
+        <a:tint val="60000"/>
+      </a:schemeClr>
+    </dgm:fillClrLst>
+    <dgm:linClrLst meth="repeat">
+      <a:schemeClr val="accent1">
+        <a:tint val="60000"/>
+      </a:schemeClr>
+    </dgm:linClrLst>
+    <dgm:effectClrLst/>
+    <dgm:txLinClrLst/>
+    <dgm:txFillClrLst/>
+    <dgm:txEffectClrLst/>
+  </dgm:styleLbl>
+  <dgm:styleLbl name="bgSibTrans2D1">
+    <dgm:fillClrLst meth="repeat">
+      <a:schemeClr val="accent1">
+        <a:tint val="60000"/>
+      </a:schemeClr>
+    </dgm:fillClrLst>
+    <dgm:linClrLst meth="repeat">
+      <a:schemeClr val="accent1">
+        <a:tint val="60000"/>
+      </a:schemeClr>
+    </dgm:linClrLst>
+    <dgm:effectClrLst/>
+    <dgm:txLinClrLst/>
+    <dgm:txFillClrLst/>
+    <dgm:txEffectClrLst/>
+  </dgm:styleLbl>
+  <dgm:styleLbl name="sibTrans1D1">
+    <dgm:fillClrLst meth="repeat">
+      <a:schemeClr val="accent1"/>
+    </dgm:fillClrLst>
+    <dgm:linClrLst meth="repeat">
+      <a:schemeClr val="accent1"/>
+    </dgm:linClrLst>
+    <dgm:effectClrLst/>
+    <dgm:txLinClrLst/>
+    <dgm:txFillClrLst meth="repeat">
+      <a:schemeClr val="tx1"/>
+    </dgm:txFillClrLst>
+    <dgm:txEffectClrLst/>
+  </dgm:styleLbl>
+  <dgm:styleLbl name="callout">
+    <dgm:fillClrLst meth="repeat">
+      <a:schemeClr val="accent1"/>
+    </dgm:fillClrLst>
+    <dgm:linClrLst meth="repeat">
+      <a:schemeClr val="accent1">
+        <a:tint val="50000"/>
+      </a:schemeClr>
+    </dgm:linClrLst>
+    <dgm:effectClrLst/>
+    <dgm:txLinClrLst/>
+    <dgm:txFillClrLst meth="repeat">
+      <a:schemeClr val="tx1"/>
+    </dgm:txFillClrLst>
+    <dgm:txEffectClrLst/>
+  </dgm:styleLbl>
+  <dgm:styleLbl name="asst0">
+    <dgm:fillClrLst meth="repeat">
+      <a:schemeClr val="accent1"/>
+    </dgm:fillClrLst>
+    <dgm:linClrLst meth="repeat">
+      <a:schemeClr val="lt1"/>
+    </dgm:linClrLst>
+    <dgm:effectClrLst/>
+    <dgm:txLinClrLst/>
+    <dgm:txFillClrLst/>
+    <dgm:txEffectClrLst/>
+  </dgm:styleLbl>
+  <dgm:styleLbl name="asst1">
+    <dgm:fillClrLst meth="repeat">
+      <a:schemeClr val="accent1"/>
+    </dgm:fillClrLst>
+    <dgm:linClrLst meth="repeat">
+      <a:schemeClr val="lt1"/>
+    </dgm:linClrLst>
+    <dgm:effectClrLst/>
+    <dgm:txLinClrLst/>
+    <dgm:txFillClrLst/>
+    <dgm:txEffectClrLst/>
+  </dgm:styleLbl>
+  <dgm:styleLbl name="asst2">
+    <dgm:fillClrLst meth="repeat">
+      <a:schemeClr val="accent1"/>
+    </dgm:fillClrLst>
+    <dgm:linClrLst meth="repeat">
+      <a:schemeClr val="lt1"/>
+    </dgm:linClrLst>
+    <dgm:effectClrLst/>
+    <dgm:txLinClrLst/>
+    <dgm:txFillClrLst/>
+    <dgm:txEffectClrLst/>
+  </dgm:styleLbl>
+  <dgm:styleLbl name="asst3">
+    <dgm:fillClrLst meth="repeat">
+      <a:schemeClr val="accent1"/>
+    </dgm:fillClrLst>
+    <dgm:linClrLst meth="repeat">
+      <a:schemeClr val="lt1"/>
+    </dgm:linClrLst>
+    <dgm:effectClrLst/>
+    <dgm:txLinClrLst/>
+    <dgm:txFillClrLst/>
+    <dgm:txEffectClrLst/>
+  </dgm:styleLbl>
+  <dgm:styleLbl name="asst4">
+    <dgm:fillClrLst meth="repeat">
+      <a:schemeClr val="accent1"/>
+    </dgm:fillClrLst>
+    <dgm:linClrLst meth="repeat">
+      <a:schemeClr val="lt1"/>
+    </dgm:linClrLst>
+    <dgm:effectClrLst/>
+    <dgm:txLinClrLst/>
+    <dgm:txFillClrLst/>
+    <dgm:txEffectClrLst/>
+  </dgm:styleLbl>
+  <dgm:styleLbl name="parChTrans2D1">
+    <dgm:fillClrLst meth="repeat">
+      <a:schemeClr val="accent1">
+        <a:tint val="60000"/>
+      </a:schemeClr>
+    </dgm:fillClrLst>
+    <dgm:linClrLst meth="repeat">
+      <a:schemeClr val="accent1">
+        <a:tint val="60000"/>
+      </a:schemeClr>
+    </dgm:linClrLst>
+    <dgm:effectClrLst/>
+    <dgm:txLinClrLst/>
+    <dgm:txFillClrLst meth="repeat">
+      <a:schemeClr val="lt1"/>
+    </dgm:txFillClrLst>
+    <dgm:txEffectClrLst/>
+  </dgm:styleLbl>
+  <dgm:styleLbl name="parChTrans2D2">
+    <dgm:fillClrLst meth="repeat">
+      <a:schemeClr val="accent1"/>
+    </dgm:fillClrLst>
+    <dgm:linClrLst meth="repeat">
+      <a:schemeClr val="accent1"/>
+    </dgm:linClrLst>
+    <dgm:effectClrLst/>
+    <dgm:txLinClrLst/>
+    <dgm:txFillClrLst meth="repeat">
+      <a:schemeClr val="lt1"/>
+    </dgm:txFillClrLst>
+    <dgm:txEffectClrLst/>
+  </dgm:styleLbl>
+  <dgm:styleLbl name="parChTrans2D3">
+    <dgm:fillClrLst meth="repeat">
+      <a:schemeClr val="accent1"/>
+    </dgm:fillClrLst>
+    <dgm:linClrLst meth="repeat">
+      <a:schemeClr val="accent1"/>
+    </dgm:linClrLst>
+    <dgm:effectClrLst/>
+    <dgm:txLinClrLst/>
+    <dgm:txFillClrLst meth="repeat">
+      <a:schemeClr val="lt1"/>
+    </dgm:txFillClrLst>
+    <dgm:txEffectClrLst/>
+  </dgm:styleLbl>
+  <dgm:styleLbl name="parChTrans2D4">
+    <dgm:fillClrLst meth="repeat">
+      <a:schemeClr val="accent1"/>
+    </dgm:fillClrLst>
+    <dgm:linClrLst meth="repeat">
+      <a:schemeClr val="accent1"/>
+    </dgm:linClrLst>
+    <dgm:effectClrLst/>
+    <dgm:txLinClrLst/>
+    <dgm:txFillClrLst meth="repeat">
+      <a:schemeClr val="lt1"/>
+    </dgm:txFillClrLst>
+    <dgm:txEffectClrLst/>
+  </dgm:styleLbl>
+  <dgm:styleLbl name="parChTrans1D1">
+    <dgm:fillClrLst meth="repeat">
+      <a:schemeClr val="accent1"/>
+    </dgm:fillClrLst>
+    <dgm:linClrLst meth="repeat">
+      <a:schemeClr val="accent1">
+        <a:shade val="60000"/>
+      </a:schemeClr>
+    </dgm:linClrLst>
+    <dgm:effectClrLst/>
+    <dgm:txLinClrLst/>
+    <dgm:txFillClrLst meth="repeat">
+      <a:schemeClr val="tx1"/>
+    </dgm:txFillClrLst>
+    <dgm:txEffectClrLst/>
+  </dgm:styleLbl>
+  <dgm:styleLbl name="parChTrans1D2">
+    <dgm:fillClrLst meth="repeat">
+      <a:schemeClr val="accent1"/>
+    </dgm:fillClrLst>
+    <dgm:linClrLst meth="repeat">
+      <a:schemeClr val="accent1">
+        <a:shade val="60000"/>
+      </a:schemeClr>
+    </dgm:linClrLst>
+    <dgm:effectClrLst/>
+    <dgm:txLinClrLst/>
+    <dgm:txFillClrLst meth="repeat">
+      <a:schemeClr val="tx1"/>
+    </dgm:txFillClrLst>
+    <dgm:txEffectClrLst/>
+  </dgm:styleLbl>
+  <dgm:styleLbl name="parChTrans1D3">
+    <dgm:fillClrLst meth="repeat">
+      <a:schemeClr val="accent1"/>
+    </dgm:fillClrLst>
+    <dgm:linClrLst meth="repeat">
+      <a:schemeClr val="accent1">
+        <a:shade val="80000"/>
+      </a:schemeClr>
+    </dgm:linClrLst>
+    <dgm:effectClrLst/>
+    <dgm:txLinClrLst/>
+    <dgm:txFillClrLst meth="repeat">
+      <a:schemeClr val="tx1"/>
+    </dgm:txFillClrLst>
+    <dgm:txEffectClrLst/>
+  </dgm:styleLbl>
+  <dgm:styleLbl name="parChTrans1D4">
+    <dgm:fillClrLst meth="repeat">
+      <a:schemeClr val="accent1"/>
+    </dgm:fillClrLst>
+    <dgm:linClrLst meth="repeat">
+      <a:schemeClr val="accent1">
+        <a:shade val="80000"/>
+      </a:schemeClr>
+    </dgm:linClrLst>
+    <dgm:effectClrLst/>
+    <dgm:txLinClrLst/>
+    <dgm:txFillClrLst meth="repeat">
+      <a:schemeClr val="tx1"/>
+    </dgm:txFillClrLst>
+    <dgm:txEffectClrLst/>
+  </dgm:styleLbl>
+  <dgm:styleLbl name="fgAcc1">
+    <dgm:fillClrLst meth="repeat">
+      <a:schemeClr val="lt1">
+        <a:alpha val="90000"/>
+      </a:schemeClr>
+    </dgm:fillClrLst>
+    <dgm:linClrLst meth="repeat">
+      <a:schemeClr val="accent1"/>
+    </dgm:linClrLst>
+    <dgm:effectClrLst/>
+    <dgm:txLinClrLst/>
+    <dgm:txFillClrLst meth="repeat">
+      <a:schemeClr val="dk1"/>
+    </dgm:txFillClrLst>
+    <dgm:txEffectClrLst/>
+  </dgm:styleLbl>
+  <dgm:styleLbl name="conFgAcc1">
+    <dgm:fillClrLst meth="repeat">
+      <a:schemeClr val="lt1">
+        <a:alpha val="90000"/>
+      </a:schemeClr>
+    </dgm:fillClrLst>
+    <dgm:linClrLst meth="repeat">
+      <a:schemeClr val="accent1"/>
+    </dgm:linClrLst>
+    <dgm:effectClrLst/>
+    <dgm:txLinClrLst/>
+    <dgm:txFillClrLst meth="repeat">
+      <a:schemeClr val="dk1"/>
+    </dgm:txFillClrLst>
+    <dgm:txEffectClrLst/>
+  </dgm:styleLbl>
+  <dgm:styleLbl name="alignAcc1">
+    <dgm:fillClrLst meth="repeat">
+      <a:schemeClr val="lt1">
+        <a:alpha val="90000"/>
+      </a:schemeClr>
+    </dgm:fillClrLst>
+    <dgm:linClrLst meth="repeat">
+      <a:schemeClr val="accent1"/>
+    </dgm:linClrLst>
+    <dgm:effectClrLst/>
+    <dgm:txLinClrLst/>
+    <dgm:txFillClrLst meth="repeat">
+      <a:schemeClr val="dk1"/>
+    </dgm:txFillClrLst>
+    <dgm:txEffectClrLst/>
+  </dgm:styleLbl>
+  <dgm:styleLbl name="trAlignAcc1">
+    <dgm:fillClrLst meth="repeat">
+      <a:schemeClr val="lt1">
+        <a:alpha val="40000"/>
+      </a:schemeClr>
+    </dgm:fillClrLst>
+    <dgm:linClrLst meth="repeat">
+      <a:schemeClr val="accent1"/>
+    </dgm:linClrLst>
+    <dgm:effectClrLst/>
+    <dgm:txLinClrLst/>
+    <dgm:txFillClrLst meth="repeat">
+      <a:schemeClr val="dk1"/>
+    </dgm:txFillClrLst>
+    <dgm:txEffectClrLst/>
+  </dgm:styleLbl>
+  <dgm:styleLbl name="bgAcc1">
+    <dgm:fillClrLst meth="repeat">
+      <a:schemeClr val="lt1">
+        <a:alpha val="90000"/>
+      </a:schemeClr>
+    </dgm:fillClrLst>
+    <dgm:linClrLst meth="repeat">
+      <a:schemeClr val="accent1"/>
+    </dgm:linClrLst>
+    <dgm:effectClrLst/>
+    <dgm:txLinClrLst/>
+    <dgm:txFillClrLst meth="repeat">
+      <a:schemeClr val="dk1"/>
+    </dgm:txFillClrLst>
+    <dgm:txEffectClrLst/>
+  </dgm:styleLbl>
+  <dgm:styleLbl name="solidFgAcc1">
+    <dgm:fillClrLst meth="repeat">
+      <a:schemeClr val="lt1"/>
+    </dgm:fillClrLst>
+    <dgm:linClrLst meth="repeat">
+      <a:schemeClr val="accent1"/>
+    </dgm:linClrLst>
+    <dgm:effectClrLst/>
+    <dgm:txLinClrLst/>
+    <dgm:txFillClrLst meth="repeat">
+      <a:schemeClr val="dk1"/>
+    </dgm:txFillClrLst>
+    <dgm:txEffectClrLst/>
+  </dgm:styleLbl>
+  <dgm:styleLbl name="solidAlignAcc1">
+    <dgm:fillClrLst meth="repeat">
+      <a:schemeClr val="lt1"/>
+    </dgm:fillClrLst>
+    <dgm:linClrLst meth="repeat">
+      <a:schemeClr val="accent1"/>
+    </dgm:linClrLst>
+    <dgm:effectClrLst/>
+    <dgm:txLinClrLst/>
+    <dgm:txFillClrLst meth="repeat">
+      <a:schemeClr val="dk1"/>
+    </dgm:txFillClrLst>
+    <dgm:txEffectClrLst/>
+  </dgm:styleLbl>
+  <dgm:styleLbl name="solidBgAcc1">
+    <dgm:fillClrLst meth="repeat">
+      <a:schemeClr val="lt1"/>
+    </dgm:fillClrLst>
+    <dgm:linClrLst meth="repeat">
+      <a:schemeClr val="accent1"/>
+    </dgm:linClrLst>
+    <dgm:effectClrLst/>
+    <dgm:txLinClrLst/>
+    <dgm:txFillClrLst meth="repeat">
+      <a:schemeClr val="dk1"/>
+    </dgm:txFillClrLst>
+    <dgm:txEffectClrLst/>
+  </dgm:styleLbl>
+  <dgm:styleLbl name="fgAccFollowNode1">
+    <dgm:fillClrLst meth="repeat">
+      <a:schemeClr val="accent1">
+        <a:alpha val="90000"/>
+        <a:tint val="40000"/>
+      </a:schemeClr>
+    </dgm:fillClrLst>
+    <dgm:linClrLst meth="repeat">
+      <a:schemeClr val="accent1">
+        <a:alpha val="90000"/>
+        <a:tint val="40000"/>
+      </a:schemeClr>
+    </dgm:linClrLst>
+    <dgm:effectClrLst/>
+    <dgm:txLinClrLst/>
+    <dgm:txFillClrLst meth="repeat">
+      <a:schemeClr val="dk1"/>
+    </dgm:txFillClrLst>
+    <dgm:txEffectClrLst/>
+  </dgm:styleLbl>
+  <dgm:styleLbl name="alignAccFollowNode1">
+    <dgm:fillClrLst meth="repeat">
+      <a:schemeClr val="accent1">
+        <a:alpha val="90000"/>
+        <a:tint val="40000"/>
+      </a:schemeClr>
+    </dgm:fillClrLst>
+    <dgm:linClrLst meth="repeat">
+      <a:schemeClr val="accent1">
+        <a:alpha val="90000"/>
+        <a:tint val="40000"/>
+      </a:schemeClr>
+    </dgm:linClrLst>
+    <dgm:effectClrLst/>
+    <dgm:txLinClrLst/>
+    <dgm:txFillClrLst meth="repeat">
+      <a:schemeClr val="dk1"/>
+    </dgm:txFillClrLst>
+    <dgm:txEffectClrLst/>
+  </dgm:styleLbl>
+  <dgm:styleLbl name="bgAccFollowNode1">
+    <dgm:fillClrLst meth="repeat">
+      <a:schemeClr val="accent1">
+        <a:alpha val="90000"/>
+        <a:tint val="40000"/>
+      </a:schemeClr>
+    </dgm:fillClrLst>
+    <dgm:linClrLst meth="repeat">
+      <a:schemeClr val="accent1">
+        <a:alpha val="90000"/>
+        <a:tint val="40000"/>
+      </a:schemeClr>
+    </dgm:linClrLst>
+    <dgm:effectClrLst/>
+    <dgm:txLinClrLst/>
+    <dgm:txFillClrLst meth="repeat">
+      <a:schemeClr val="dk1"/>
+    </dgm:txFillClrLst>
+    <dgm:txEffectClrLst/>
+  </dgm:styleLbl>
+  <dgm:styleLbl name="fgAcc0">
+    <dgm:fillClrLst meth="repeat">
+      <a:schemeClr val="lt1">
+        <a:alpha val="90000"/>
+      </a:schemeClr>
+    </dgm:fillClrLst>
+    <dgm:linClrLst meth="repeat">
+      <a:schemeClr val="accent1"/>
+    </dgm:linClrLst>
+    <dgm:effectClrLst/>
+    <dgm:txLinClrLst/>
+    <dgm:txFillClrLst meth="repeat">
+      <a:schemeClr val="dk1"/>
+    </dgm:txFillClrLst>
+    <dgm:txEffectClrLst/>
+  </dgm:styleLbl>
+  <dgm:styleLbl name="fgAcc2">
+    <dgm:fillClrLst meth="repeat">
+      <a:schemeClr val="lt1">
+        <a:alpha val="90000"/>
+      </a:schemeClr>
+    </dgm:fillClrLst>
+    <dgm:linClrLst meth="repeat">
+      <a:schemeClr val="accent1"/>
+    </dgm:linClrLst>
+    <dgm:effectClrLst/>
+    <dgm:txLinClrLst/>
+    <dgm:txFillClrLst meth="repeat">
+      <a:schemeClr val="dk1"/>
+    </dgm:txFillClrLst>
+    <dgm:txEffectClrLst/>
+  </dgm:styleLbl>
+  <dgm:styleLbl name="fgAcc3">
+    <dgm:fillClrLst meth="repeat">
+      <a:schemeClr val="lt1">
+        <a:alpha val="90000"/>
+      </a:schemeClr>
+    </dgm:fillClrLst>
+    <dgm:linClrLst meth="repeat">
+      <a:schemeClr val="accent1"/>
+    </dgm:linClrLst>
+    <dgm:effectClrLst/>
+    <dgm:txLinClrLst/>
+    <dgm:txFillClrLst meth="repeat">
+      <a:schemeClr val="dk1"/>
+    </dgm:txFillClrLst>
+    <dgm:txEffectClrLst/>
+  </dgm:styleLbl>
+  <dgm:styleLbl name="fgAcc4">
+    <dgm:fillClrLst meth="repeat">
+      <a:schemeClr val="lt1">
+        <a:alpha val="90000"/>
+      </a:schemeClr>
+    </dgm:fillClrLst>
+    <dgm:linClrLst meth="repeat">
+      <a:schemeClr val="accent1"/>
+    </dgm:linClrLst>
+    <dgm:effectClrLst/>
+    <dgm:txLinClrLst/>
+    <dgm:txFillClrLst meth="repeat">
+      <a:schemeClr val="dk1"/>
+    </dgm:txFillClrLst>
+    <dgm:txEffectClrLst/>
+  </dgm:styleLbl>
+  <dgm:styleLbl name="bgShp">
+    <dgm:fillClrLst meth="repeat">
+      <a:schemeClr val="accent1">
+        <a:tint val="40000"/>
+      </a:schemeClr>
+    </dgm:fillClrLst>
+    <dgm:linClrLst meth="repeat">
+      <a:schemeClr val="accent1"/>
+    </dgm:linClrLst>
+    <dgm:effectClrLst/>
+    <dgm:txLinClrLst/>
+    <dgm:txFillClrLst meth="repeat">
+      <a:schemeClr val="dk1"/>
+    </dgm:txFillClrLst>
+    <dgm:txEffectClrLst/>
+  </dgm:styleLbl>
+  <dgm:styleLbl name="dkBgShp">
+    <dgm:fillClrLst meth="repeat">
+      <a:schemeClr val="accent1">
+        <a:shade val="80000"/>
+      </a:schemeClr>
+    </dgm:fillClrLst>
+    <dgm:linClrLst meth="repeat">
+      <a:schemeClr val="accent1"/>
+    </dgm:linClrLst>
+    <dgm:effectClrLst/>
+    <dgm:txLinClrLst/>
+    <dgm:txFillClrLst meth="repeat">
+      <a:schemeClr val="lt1"/>
+    </dgm:txFillClrLst>
+    <dgm:txEffectClrLst/>
+  </dgm:styleLbl>
+  <dgm:styleLbl name="trBgShp">
+    <dgm:fillClrLst meth="repeat">
+      <a:schemeClr val="accent1">
+        <a:tint val="50000"/>
+        <a:alpha val="40000"/>
+      </a:schemeClr>
+    </dgm:fillClrLst>
+    <dgm:linClrLst meth="repeat">
+      <a:schemeClr val="accent1"/>
+    </dgm:linClrLst>
+    <dgm:effectClrLst/>
+    <dgm:txLinClrLst/>
+    <dgm:txFillClrLst meth="repeat">
+      <a:schemeClr val="lt1"/>
+    </dgm:txFillClrLst>
+    <dgm:txEffectClrLst/>
+  </dgm:styleLbl>
+  <dgm:styleLbl name="fgShp">
+    <dgm:fillClrLst meth="repeat">
+      <a:schemeClr val="accent1">
+        <a:tint val="60000"/>
+      </a:schemeClr>
+    </dgm:fillClrLst>
+    <dgm:linClrLst meth="repeat">
+      <a:schemeClr val="lt1"/>
+    </dgm:linClrLst>
+    <dgm:effectClrLst/>
+    <dgm:txLinClrLst/>
+    <dgm:txFillClrLst meth="repeat">
+      <a:schemeClr val="dk1"/>
+    </dgm:txFillClrLst>
+    <dgm:txEffectClrLst/>
+  </dgm:styleLbl>
+  <dgm:styleLbl name="revTx">
+    <dgm:fillClrLst meth="repeat">
+      <a:schemeClr val="lt1">
+        <a:alpha val="0"/>
+      </a:schemeClr>
+    </dgm:fillClrLst>
+    <dgm:linClrLst meth="repeat">
+      <a:schemeClr val="dk1">
+        <a:alpha val="0"/>
+      </a:schemeClr>
+    </dgm:linClrLst>
+    <dgm:effectClrLst/>
+    <dgm:txLinClrLst/>
+    <dgm:txFillClrLst meth="repeat">
+      <a:schemeClr val="tx1"/>
+    </dgm:txFillClrLst>
+    <dgm:txEffectClrLst/>
+  </dgm:styleLbl>
+</dgm:colorsDef>
+</file>
+
+<file path=ppt/diagrams/data1.xml><?xml version="1.0" encoding="utf-8"?>
+<dgm:dataModel xmlns:dgm="http://schemas.openxmlformats.org/drawingml/2006/diagram" xmlns:a="http://schemas.openxmlformats.org/drawingml/2006/main">
+  <dgm:ptLst>
+    <dgm:pt modelId="{2430DA47-53B8-6B4F-AD74-B9E36BB6E05E}" type="doc">
+      <dgm:prSet loTypeId="urn:microsoft.com/office/officeart/2005/8/layout/hierarchy2" loCatId="" qsTypeId="urn:microsoft.com/office/officeart/2005/8/quickstyle/simple4" qsCatId="simple" csTypeId="urn:microsoft.com/office/officeart/2005/8/colors/accent1_2" csCatId="accent1" phldr="0"/>
+      <dgm:spPr/>
+      <dgm:t>
+        <a:bodyPr/>
+        <a:lstStyle/>
+        <a:p>
+          <a:endParaRPr lang="de-DE"/>
+        </a:p>
+      </dgm:t>
+    </dgm:pt>
+    <dgm:pt modelId="{16888DE5-BB50-FA42-8352-B4B88E882488}" type="pres">
+      <dgm:prSet presAssocID="{2430DA47-53B8-6B4F-AD74-B9E36BB6E05E}" presName="diagram" presStyleCnt="0">
+        <dgm:presLayoutVars>
+          <dgm:chPref val="1"/>
+          <dgm:dir/>
+          <dgm:animOne val="branch"/>
+          <dgm:animLvl val="lvl"/>
+          <dgm:resizeHandles val="exact"/>
+        </dgm:presLayoutVars>
+      </dgm:prSet>
+      <dgm:spPr/>
+    </dgm:pt>
+  </dgm:ptLst>
+  <dgm:cxnLst>
+    <dgm:cxn modelId="{8E5E727E-FC98-064A-84EC-C79ED569C953}" type="presOf" srcId="{2430DA47-53B8-6B4F-AD74-B9E36BB6E05E}" destId="{16888DE5-BB50-FA42-8352-B4B88E882488}" srcOrd="0" destOrd="0" presId="urn:microsoft.com/office/officeart/2005/8/layout/hierarchy2"/>
+  </dgm:cxnLst>
+  <dgm:bg/>
+  <dgm:whole/>
+  <dgm:extLst>
+    <a:ext uri="http://schemas.microsoft.com/office/drawing/2008/diagram">
+      <dsp:dataModelExt xmlns:dsp="http://schemas.microsoft.com/office/drawing/2008/diagram" relId="rId6" minVer="http://schemas.openxmlformats.org/drawingml/2006/diagram"/>
+    </a:ext>
+  </dgm:extLst>
+</dgm:dataModel>
+</file>
+
+<file path=ppt/diagrams/drawing1.xml><?xml version="1.0" encoding="utf-8"?>
+<dsp:drawing xmlns:dgm="http://schemas.openxmlformats.org/drawingml/2006/diagram" xmlns:dsp="http://schemas.microsoft.com/office/drawing/2008/diagram" xmlns:a="http://schemas.openxmlformats.org/drawingml/2006/main">
+  <dsp:spTree>
+    <dsp:nvGrpSpPr>
+      <dsp:cNvPr id="0" name=""/>
+      <dsp:cNvGrpSpPr/>
+    </dsp:nvGrpSpPr>
+    <dsp:grpSpPr/>
+  </dsp:spTree>
+</dsp:drawing>
+</file>
+
+<file path=ppt/diagrams/layout1.xml><?xml version="1.0" encoding="utf-8"?>
+<dgm:layoutDef xmlns:dgm="http://schemas.openxmlformats.org/drawingml/2006/diagram" xmlns:a="http://schemas.openxmlformats.org/drawingml/2006/main" uniqueId="urn:microsoft.com/office/officeart/2005/8/layout/hierarchy2">
+  <dgm:title val=""/>
+  <dgm:desc val=""/>
+  <dgm:catLst>
+    <dgm:cat type="hierarchy" pri="5000"/>
+  </dgm:catLst>
+  <dgm:sampData>
+    <dgm:dataModel>
+      <dgm:ptLst>
+        <dgm:pt modelId="0" type="doc"/>
+        <dgm:pt modelId="1">
+          <dgm:prSet phldr="1"/>
+        </dgm:pt>
+        <dgm:pt modelId="2">
+          <dgm:prSet phldr="1"/>
+        </dgm:pt>
+        <dgm:pt modelId="21">
+          <dgm:prSet phldr="1"/>
+        </dgm:pt>
+        <dgm:pt modelId="22">
+          <dgm:prSet phldr="1"/>
+        </dgm:pt>
+        <dgm:pt modelId="3">
+          <dgm:prSet phldr="1"/>
+        </dgm:pt>
+        <dgm:pt modelId="31">
+          <dgm:prSet phldr="1"/>
+        </dgm:pt>
+      </dgm:ptLst>
+      <dgm:cxnLst>
+        <dgm:cxn modelId="4" srcId="0" destId="1" srcOrd="0" destOrd="0"/>
+        <dgm:cxn modelId="5" srcId="1" destId="2" srcOrd="0" destOrd="0"/>
+        <dgm:cxn modelId="6" srcId="1" destId="3" srcOrd="1" destOrd="0"/>
+        <dgm:cxn modelId="23" srcId="2" destId="21" srcOrd="0" destOrd="0"/>
+        <dgm:cxn modelId="24" srcId="2" destId="22" srcOrd="1" destOrd="0"/>
+        <dgm:cxn modelId="33" srcId="3" destId="31" srcOrd="0" destOrd="0"/>
+      </dgm:cxnLst>
+      <dgm:bg/>
+      <dgm:whole/>
+    </dgm:dataModel>
+  </dgm:sampData>
+  <dgm:styleData>
+    <dgm:dataModel>
+      <dgm:ptLst>
+        <dgm:pt modelId="0" type="doc"/>
+        <dgm:pt modelId="1"/>
+        <dgm:pt modelId="11"/>
+        <dgm:pt modelId="12"/>
+      </dgm:ptLst>
+      <dgm:cxnLst>
+        <dgm:cxn modelId="2" srcId="0" destId="1" srcOrd="0" destOrd="0"/>
+        <dgm:cxn modelId="13" srcId="1" destId="11" srcOrd="0" destOrd="0"/>
+        <dgm:cxn modelId="14" srcId="1" destId="12" srcOrd="1" destOrd="0"/>
+      </dgm:cxnLst>
+      <dgm:bg/>
+      <dgm:whole/>
+    </dgm:dataModel>
+  </dgm:styleData>
+  <dgm:clrData>
+    <dgm:dataModel>
+      <dgm:ptLst>
+        <dgm:pt modelId="0" type="doc"/>
+        <dgm:pt modelId="1"/>
+        <dgm:pt modelId="2"/>
+        <dgm:pt modelId="21"/>
+        <dgm:pt modelId="211"/>
+        <dgm:pt modelId="3"/>
+        <dgm:pt modelId="31"/>
+        <dgm:pt modelId="311"/>
+      </dgm:ptLst>
+      <dgm:cxnLst>
+        <dgm:cxn modelId="4" srcId="0" destId="1" srcOrd="0" destOrd="0"/>
+        <dgm:cxn modelId="5" srcId="1" destId="2" srcOrd="0" destOrd="0"/>
+        <dgm:cxn modelId="6" srcId="1" destId="3" srcOrd="1" destOrd="0"/>
+        <dgm:cxn modelId="23" srcId="2" destId="21" srcOrd="0" destOrd="0"/>
+        <dgm:cxn modelId="24" srcId="21" destId="211" srcOrd="0" destOrd="0"/>
+        <dgm:cxn modelId="33" srcId="3" destId="31" srcOrd="0" destOrd="0"/>
+        <dgm:cxn modelId="34" srcId="31" destId="311" srcOrd="0" destOrd="0"/>
+      </dgm:cxnLst>
+      <dgm:bg/>
+      <dgm:whole/>
+    </dgm:dataModel>
+  </dgm:clrData>
+  <dgm:layoutNode name="diagram">
+    <dgm:varLst>
+      <dgm:chPref val="1"/>
+      <dgm:dir/>
+      <dgm:animOne val="branch"/>
+      <dgm:animLvl val="lvl"/>
+      <dgm:resizeHandles val="exact"/>
+    </dgm:varLst>
+    <dgm:choose name="Name0">
+      <dgm:if name="Name1" func="var" arg="dir" op="equ" val="norm">
+        <dgm:alg type="hierChild">
+          <dgm:param type="linDir" val="fromT"/>
+          <dgm:param type="chAlign" val="l"/>
+        </dgm:alg>
+      </dgm:if>
+      <dgm:else name="Name2">
+        <dgm:alg type="hierChild">
+          <dgm:param type="linDir" val="fromT"/>
+          <dgm:param type="chAlign" val="r"/>
+        </dgm:alg>
+      </dgm:else>
+    </dgm:choose>
+    <dgm:shape xmlns:r="http://schemas.openxmlformats.org/officeDocument/2006/relationships" r:blip="">
+      <dgm:adjLst/>
+    </dgm:shape>
+    <dgm:presOf/>
+    <dgm:constrLst>
+      <dgm:constr type="h" for="des" ptType="node" refType="h"/>
+      <dgm:constr type="w" for="des" ptType="node" refType="h" refFor="des" refPtType="node" fact="2"/>
+      <dgm:constr type="sibSp" refType="h" refFor="des" refPtType="node" op="equ" fact="0.15"/>
+      <dgm:constr type="sibSp" for="des" forName="level2hierChild" refType="h" refFor="des" refPtType="node" op="equ" fact="0.15"/>
+      <dgm:constr type="sibSp" for="des" forName="level3hierChild" refType="h" refFor="des" refPtType="node" op="equ" fact="0.15"/>
+      <dgm:constr type="sp" for="des" forName="root1" refType="w" refFor="des" refPtType="node" fact="0.4"/>
+      <dgm:constr type="sp" for="des" forName="root2" refType="sp" refFor="des" refForName="root1" op="equ"/>
+      <dgm:constr type="primFontSz" for="des" ptType="node" op="equ" val="65"/>
+      <dgm:constr type="primFontSz" for="des" forName="connTx" op="equ" val="55"/>
+      <dgm:constr type="primFontSz" for="des" forName="connTx" refType="primFontSz" refFor="des" refPtType="node" op="lte" fact="0.8"/>
+    </dgm:constrLst>
+    <dgm:ruleLst/>
+    <dgm:forEach name="Name3" axis="ch">
+      <dgm:forEach name="Name4" axis="self" ptType="node">
+        <dgm:layoutNode name="root1">
+          <dgm:choose name="Name5">
+            <dgm:if name="Name6" func="var" arg="dir" op="equ" val="norm">
+              <dgm:alg type="hierRoot">
+                <dgm:param type="hierAlign" val="lCtrCh"/>
+              </dgm:alg>
+            </dgm:if>
+            <dgm:else name="Name7">
+              <dgm:alg type="hierRoot">
+                <dgm:param type="hierAlign" val="rCtrCh"/>
+              </dgm:alg>
+            </dgm:else>
+          </dgm:choose>
+          <dgm:shape xmlns:r="http://schemas.openxmlformats.org/officeDocument/2006/relationships" r:blip="">
+            <dgm:adjLst/>
+          </dgm:shape>
+          <dgm:presOf/>
+          <dgm:constrLst/>
+          <dgm:ruleLst/>
+          <dgm:layoutNode name="LevelOneTextNode" styleLbl="node0">
+            <dgm:varLst>
+              <dgm:chPref val="3"/>
+            </dgm:varLst>
+            <dgm:alg type="tx"/>
+            <dgm:shape xmlns:r="http://schemas.openxmlformats.org/officeDocument/2006/relationships" type="roundRect" r:blip="">
+              <dgm:adjLst>
+                <dgm:adj idx="1" val="0.1"/>
+              </dgm:adjLst>
+            </dgm:shape>
+            <dgm:presOf axis="self"/>
+            <dgm:constrLst>
+              <dgm:constr type="tMarg" refType="primFontSz" fact="0.05"/>
+              <dgm:constr type="bMarg" refType="primFontSz" fact="0.05"/>
+              <dgm:constr type="lMarg" refType="primFontSz" fact="0.05"/>
+              <dgm:constr type="rMarg" refType="primFontSz" fact="0.05"/>
+            </dgm:constrLst>
+            <dgm:ruleLst>
+              <dgm:rule type="primFontSz" val="5" fact="NaN" max="NaN"/>
+            </dgm:ruleLst>
+          </dgm:layoutNode>
+          <dgm:layoutNode name="level2hierChild">
+            <dgm:choose name="Name8">
+              <dgm:if name="Name9" func="var" arg="dir" op="equ" val="norm">
+                <dgm:alg type="hierChild">
+                  <dgm:param type="linDir" val="fromT"/>
+                  <dgm:param type="chAlign" val="l"/>
+                </dgm:alg>
+              </dgm:if>
+              <dgm:else name="Name10">
+                <dgm:alg type="hierChild">
+                  <dgm:param type="linDir" val="fromT"/>
+                  <dgm:param type="chAlign" val="r"/>
+                </dgm:alg>
+              </dgm:else>
+            </dgm:choose>
+            <dgm:shape xmlns:r="http://schemas.openxmlformats.org/officeDocument/2006/relationships" r:blip="">
+              <dgm:adjLst/>
+            </dgm:shape>
+            <dgm:presOf/>
+            <dgm:constrLst/>
+            <dgm:ruleLst/>
+            <dgm:forEach name="repeat" axis="ch">
+              <dgm:forEach name="Name11" axis="self" ptType="parTrans" cnt="1">
+                <dgm:layoutNode name="conn2-1">
+                  <dgm:choose name="Name12">
+                    <dgm:if name="Name13" func="var" arg="dir" op="equ" val="norm">
+                      <dgm:alg type="conn">
+                        <dgm:param type="dim" val="1D"/>
+                        <dgm:param type="begPts" val="midR"/>
+                        <dgm:param type="endPts" val="midL"/>
+                        <dgm:param type="endSty" val="noArr"/>
+                      </dgm:alg>
+                    </dgm:if>
+                    <dgm:else name="Name14">
+                      <dgm:alg type="conn">
+                        <dgm:param type="dim" val="1D"/>
+                        <dgm:param type="begPts" val="midL"/>
+                        <dgm:param type="endPts" val="midR"/>
+                        <dgm:param type="endSty" val="noArr"/>
+                      </dgm:alg>
+                    </dgm:else>
+                  </dgm:choose>
+                  <dgm:shape xmlns:r="http://schemas.openxmlformats.org/officeDocument/2006/relationships" type="conn" r:blip="">
+                    <dgm:adjLst/>
+                  </dgm:shape>
+                  <dgm:presOf axis="self"/>
+                  <dgm:constrLst>
+                    <dgm:constr type="w" val="1"/>
+                    <dgm:constr type="h" val="5"/>
+                    <dgm:constr type="connDist"/>
+                    <dgm:constr type="begPad"/>
+                    <dgm:constr type="endPad"/>
+                    <dgm:constr type="userA" for="ch" refType="connDist"/>
+                  </dgm:constrLst>
+                  <dgm:ruleLst/>
+                  <dgm:layoutNode name="connTx">
+                    <dgm:alg type="tx">
+                      <dgm:param type="autoTxRot" val="grav"/>
+                    </dgm:alg>
+                    <dgm:shape xmlns:r="http://schemas.openxmlformats.org/officeDocument/2006/relationships" type="rect" r:blip="" hideGeom="1">
+                      <dgm:adjLst/>
+                    </dgm:shape>
+                    <dgm:presOf axis="self"/>
+                    <dgm:constrLst>
+                      <dgm:constr type="userA"/>
+                      <dgm:constr type="w" refType="userA" fact="0.05"/>
+                      <dgm:constr type="h" refType="userA" fact="0.05"/>
+                      <dgm:constr type="lMarg" val="1"/>
+                      <dgm:constr type="rMarg" val="1"/>
+                      <dgm:constr type="tMarg"/>
+                      <dgm:constr type="bMarg"/>
+                    </dgm:constrLst>
+                    <dgm:ruleLst>
+                      <dgm:rule type="h" val="NaN" fact="0.25" max="NaN"/>
+                      <dgm:rule type="w" val="NaN" fact="0.8" max="NaN"/>
+                      <dgm:rule type="primFontSz" val="5" fact="NaN" max="NaN"/>
+                    </dgm:ruleLst>
+                  </dgm:layoutNode>
+                </dgm:layoutNode>
+              </dgm:forEach>
+              <dgm:forEach name="Name15" axis="self" ptType="node">
+                <dgm:layoutNode name="root2">
+                  <dgm:choose name="Name16">
+                    <dgm:if name="Name17" func="var" arg="dir" op="equ" val="norm">
+                      <dgm:alg type="hierRoot">
+                        <dgm:param type="hierAlign" val="lCtrCh"/>
+                      </dgm:alg>
+                    </dgm:if>
+                    <dgm:else name="Name18">
+                      <dgm:alg type="hierRoot">
+                        <dgm:param type="hierAlign" val="rCtrCh"/>
+                      </dgm:alg>
+                    </dgm:else>
+                  </dgm:choose>
+                  <dgm:shape xmlns:r="http://schemas.openxmlformats.org/officeDocument/2006/relationships" r:blip="">
+                    <dgm:adjLst/>
+                  </dgm:shape>
+                  <dgm:presOf/>
+                  <dgm:constrLst/>
+                  <dgm:ruleLst/>
+                  <dgm:layoutNode name="LevelTwoTextNode">
+                    <dgm:varLst>
+                      <dgm:chPref val="3"/>
+                    </dgm:varLst>
+                    <dgm:alg type="tx"/>
+                    <dgm:shape xmlns:r="http://schemas.openxmlformats.org/officeDocument/2006/relationships" type="roundRect" r:blip="">
+                      <dgm:adjLst>
+                        <dgm:adj idx="1" val="0.1"/>
+                      </dgm:adjLst>
+                    </dgm:shape>
+                    <dgm:presOf axis="self"/>
+                    <dgm:constrLst>
+                      <dgm:constr type="tMarg" refType="primFontSz" fact="0.05"/>
+                      <dgm:constr type="bMarg" refType="primFontSz" fact="0.05"/>
+                      <dgm:constr type="lMarg" refType="primFontSz" fact="0.05"/>
+                      <dgm:constr type="rMarg" refType="primFontSz" fact="0.05"/>
+                    </dgm:constrLst>
+                    <dgm:ruleLst>
+                      <dgm:rule type="primFontSz" val="5" fact="NaN" max="NaN"/>
+                    </dgm:ruleLst>
+                  </dgm:layoutNode>
+                  <dgm:layoutNode name="level3hierChild">
+                    <dgm:choose name="Name19">
+                      <dgm:if name="Name20" func="var" arg="dir" op="equ" val="norm">
+                        <dgm:alg type="hierChild">
+                          <dgm:param type="linDir" val="fromT"/>
+                          <dgm:param type="chAlign" val="l"/>
+                        </dgm:alg>
+                      </dgm:if>
+                      <dgm:else name="Name21">
+                        <dgm:alg type="hierChild">
+                          <dgm:param type="linDir" val="fromT"/>
+                          <dgm:param type="chAlign" val="r"/>
+                        </dgm:alg>
+                      </dgm:else>
+                    </dgm:choose>
+                    <dgm:shape xmlns:r="http://schemas.openxmlformats.org/officeDocument/2006/relationships" r:blip="">
+                      <dgm:adjLst/>
+                    </dgm:shape>
+                    <dgm:presOf/>
+                    <dgm:constrLst/>
+                    <dgm:ruleLst/>
+                    <dgm:forEach name="Name22" ref="repeat"/>
+                  </dgm:layoutNode>
+                </dgm:layoutNode>
+              </dgm:forEach>
+            </dgm:forEach>
+          </dgm:layoutNode>
+        </dgm:layoutNode>
+      </dgm:forEach>
+    </dgm:forEach>
+  </dgm:layoutNode>
+</dgm:layoutDef>
+</file>
+
+<file path=ppt/diagrams/quickStyle1.xml><?xml version="1.0" encoding="utf-8"?>
+<dgm:styleDef xmlns:dgm="http://schemas.openxmlformats.org/drawingml/2006/diagram" xmlns:a="http://schemas.openxmlformats.org/drawingml/2006/main" uniqueId="urn:microsoft.com/office/officeart/2005/8/quickstyle/simple4">
+  <dgm:title val=""/>
+  <dgm:desc val=""/>
+  <dgm:catLst>
+    <dgm:cat type="simple" pri="10400"/>
+  </dgm:catLst>
+  <dgm:scene3d>
+    <a:camera prst="orthographicFront"/>
+    <a:lightRig rig="threePt" dir="t"/>
+  </dgm:scene3d>
+  <dgm:styleLbl name="node0">
+    <dgm:scene3d>
+      <a:camera prst="orthographicFront"/>
+      <a:lightRig rig="threePt" dir="t"/>
+    </dgm:scene3d>
+    <dgm:sp3d/>
+    <dgm:txPr/>
+    <dgm:style>
+      <a:lnRef idx="0">
+        <a:scrgbClr r="0" g="0" b="0"/>
+      </a:lnRef>
+      <a:fillRef idx="3">
+        <a:scrgbClr r="0" g="0" b="0"/>
+      </a:fillRef>
+      <a:effectRef idx="2">
+        <a:scrgbClr r="0" g="0" b="0"/>
+      </a:effectRef>
+      <a:fontRef idx="minor">
+        <a:schemeClr val="lt1"/>
+      </a:fontRef>
+    </dgm:style>
+  </dgm:styleLbl>
+  <dgm:styleLbl name="lnNode1">
+    <dgm:scene3d>
+      <a:camera prst="orthographicFront"/>
+      <a:lightRig rig="threePt" dir="t"/>
+    </dgm:scene3d>
+    <dgm:sp3d/>
+    <dgm:txPr/>
+    <dgm:style>
+      <a:lnRef idx="1">
+        <a:scrgbClr r="0" g="0" b="0"/>
+      </a:lnRef>
+      <a:fillRef idx="3">
+        <a:scrgbClr r="0" g="0" b="0"/>
+      </a:fillRef>
+      <a:effectRef idx="2">
+        <a:scrgbClr r="0" g="0" b="0"/>
+      </a:effectRef>
+      <a:fontRef idx="minor">
+        <a:schemeClr val="lt1"/>
+      </a:fontRef>
+    </dgm:style>
+  </dgm:styleLbl>
+  <dgm:styleLbl name="vennNode1">
+    <dgm:scene3d>
+      <a:camera prst="orthographicFront"/>
+      <a:lightRig rig="threePt" dir="t"/>
+    </dgm:scene3d>
+    <dgm:sp3d/>
+    <dgm:txPr/>
+    <dgm:style>
+      <a:lnRef idx="0">
+        <a:scrgbClr r="0" g="0" b="0"/>
+      </a:lnRef>
+      <a:fillRef idx="3">
+        <a:scrgbClr r="0" g="0" b="0"/>
+      </a:fillRef>
+      <a:effectRef idx="0">
+        <a:scrgbClr r="0" g="0" b="0"/>
+      </a:effectRef>
+      <a:fontRef idx="minor">
+        <a:schemeClr val="tx1"/>
+      </a:fontRef>
+    </dgm:style>
+  </dgm:styleLbl>
+  <dgm:styleLbl name="alignNode1">
+    <dgm:scene3d>
+      <a:camera prst="orthographicFront"/>
+      <a:lightRig rig="threePt" dir="t"/>
+    </dgm:scene3d>
+    <dgm:sp3d/>
+    <dgm:txPr/>
+    <dgm:style>
+      <a:lnRef idx="1">
+        <a:scrgbClr r="0" g="0" b="0"/>
+      </a:lnRef>
+      <a:fillRef idx="3">
+        <a:scrgbClr r="0" g="0" b="0"/>
+      </a:fillRef>
+      <a:effectRef idx="2">
+        <a:scrgbClr r="0" g="0" b="0"/>
+      </a:effectRef>
+      <a:fontRef idx="minor">
+        <a:schemeClr val="lt1"/>
+      </a:fontRef>
+    </dgm:style>
+  </dgm:styleLbl>
+  <dgm:styleLbl name="node1">
+    <dgm:scene3d>
+      <a:camera prst="orthographicFront"/>
+      <a:lightRig rig="threePt" dir="t"/>
+    </dgm:scene3d>
+    <dgm:sp3d/>
+    <dgm:txPr/>
+    <dgm:style>
+      <a:lnRef idx="0">
+        <a:scrgbClr r="0" g="0" b="0"/>
+      </a:lnRef>
+      <a:fillRef idx="3">
+        <a:scrgbClr r="0" g="0" b="0"/>
+      </a:fillRef>
+      <a:effectRef idx="2">
+        <a:scrgbClr r="0" g="0" b="0"/>
+      </a:effectRef>
+      <a:fontRef idx="minor">
+        <a:schemeClr val="lt1"/>
+      </a:fontRef>
+    </dgm:style>
+  </dgm:styleLbl>
+  <dgm:styleLbl name="node2">
+    <dgm:scene3d>
+      <a:camera prst="orthographicFront"/>
+      <a:lightRig rig="threePt" dir="t"/>
+    </dgm:scene3d>
+    <dgm:sp3d/>
+    <dgm:txPr/>
+    <dgm:style>
+      <a:lnRef idx="0">
+        <a:scrgbClr r="0" g="0" b="0"/>
+      </a:lnRef>
+      <a:fillRef idx="3">
+        <a:scrgbClr r="0" g="0" b="0"/>
+      </a:fillRef>
+      <a:effectRef idx="2">
+        <a:scrgbClr r="0" g="0" b="0"/>
+      </a:effectRef>
+      <a:fontRef idx="minor">
+        <a:schemeClr val="lt1"/>
+      </a:fontRef>
+    </dgm:style>
+  </dgm:styleLbl>
+  <dgm:styleLbl name="node3">
+    <dgm:scene3d>
+      <a:camera prst="orthographicFront"/>
+      <a:lightRig rig="threePt" dir="t"/>
+    </dgm:scene3d>
+    <dgm:sp3d/>
+    <dgm:txPr/>
+    <dgm:style>
+      <a:lnRef idx="0">
+        <a:scrgbClr r="0" g="0" b="0"/>
+      </a:lnRef>
+      <a:fillRef idx="3">
+        <a:scrgbClr r="0" g="0" b="0"/>
+      </a:fillRef>
+      <a:effectRef idx="2">
+        <a:scrgbClr r="0" g="0" b="0"/>
+      </a:effectRef>
+      <a:fontRef idx="minor">
+        <a:schemeClr val="lt1"/>
+      </a:fontRef>
+    </dgm:style>
+  </dgm:styleLbl>
+  <dgm:styleLbl name="node4">
+    <dgm:scene3d>
+      <a:camera prst="orthographicFront"/>
+      <a:lightRig rig="threePt" dir="t"/>
+    </dgm:scene3d>
+    <dgm:sp3d/>
+    <dgm:txPr/>
+    <dgm:style>
+      <a:lnRef idx="0">
+        <a:scrgbClr r="0" g="0" b="0"/>
+      </a:lnRef>
+      <a:fillRef idx="3">
+        <a:scrgbClr r="0" g="0" b="0"/>
+      </a:fillRef>
+      <a:effectRef idx="2">
+        <a:scrgbClr r="0" g="0" b="0"/>
+      </a:effectRef>
+      <a:fontRef idx="minor">
+        <a:schemeClr val="lt1"/>
+      </a:fontRef>
+    </dgm:style>
+  </dgm:styleLbl>
+  <dgm:styleLbl name="fgImgPlace1">
+    <dgm:scene3d>
+      <a:camera prst="orthographicFront"/>
+      <a:lightRig rig="threePt" dir="t"/>
+    </dgm:scene3d>
+    <dgm:sp3d/>
+    <dgm:txPr/>
+    <dgm:style>
+      <a:lnRef idx="0">
+        <a:scrgbClr r="0" g="0" b="0"/>
+      </a:lnRef>
+      <a:fillRef idx="1">
+        <a:scrgbClr r="0" g="0" b="0"/>
+      </a:fillRef>
+      <a:effectRef idx="2">
+        <a:scrgbClr r="0" g="0" b="0"/>
+      </a:effectRef>
+      <a:fontRef idx="minor"/>
+    </dgm:style>
+  </dgm:styleLbl>
+  <dgm:styleLbl name="alignImgPlace1">
+    <dgm:scene3d>
+      <a:camera prst="orthographicFront"/>
+      <a:lightRig rig="threePt" dir="t"/>
+    </dgm:scene3d>
+    <dgm:sp3d/>
+    <dgm:txPr/>
+    <dgm:style>
+      <a:lnRef idx="0">
+        <a:scrgbClr r="0" g="0" b="0"/>
+      </a:lnRef>
+      <a:fillRef idx="1">
+        <a:scrgbClr r="0" g="0" b="0"/>
+      </a:fillRef>
+      <a:effectRef idx="2">
+        <a:scrgbClr r="0" g="0" b="0"/>
+      </a:effectRef>
+      <a:fontRef idx="minor"/>
+    </dgm:style>
+  </dgm:styleLbl>
+  <dgm:styleLbl name="bgImgPlace1">
+    <dgm:scene3d>
+      <a:camera prst="orthographicFront"/>
+      <a:lightRig rig="threePt" dir="t"/>
+    </dgm:scene3d>
+    <dgm:sp3d/>
+    <dgm:txPr/>
+    <dgm:style>
+      <a:lnRef idx="0">
+        <a:scrgbClr r="0" g="0" b="0"/>
+      </a:lnRef>
+      <a:fillRef idx="1">
+        <a:scrgbClr r="0" g="0" b="0"/>
+      </a:fillRef>
+      <a:effectRef idx="2">
+        <a:scrgbClr r="0" g="0" b="0"/>
+      </a:effectRef>
+      <a:fontRef idx="minor"/>
+    </dgm:style>
+  </dgm:styleLbl>
+  <dgm:styleLbl name="sibTrans2D1">
+    <dgm:scene3d>
+      <a:camera prst="orthographicFront"/>
+      <a:lightRig rig="threePt" dir="t"/>
+    </dgm:scene3d>
+    <dgm:sp3d/>
+    <dgm:txPr/>
+    <dgm:style>
+      <a:lnRef idx="0">
+        <a:scrgbClr r="0" g="0" b="0"/>
+      </a:lnRef>
+      <a:fillRef idx="3">
+        <a:scrgbClr r="0" g="0" b="0"/>
+      </a:fillRef>
+      <a:effectRef idx="2">
+        <a:scrgbClr r="0" g="0" b="0"/>
+      </a:effectRef>
+      <a:fontRef idx="minor">
+        <a:schemeClr val="lt1"/>
+      </a:fontRef>
+    </dgm:style>
+  </dgm:styleLbl>
+  <dgm:styleLbl name="fgSibTrans2D1">
+    <dgm:scene3d>
+      <a:camera prst="orthographicFront"/>
+      <a:lightRig rig="threePt" dir="t"/>
+    </dgm:scene3d>
+    <dgm:sp3d/>
+    <dgm:txPr/>
+    <dgm:style>
+      <a:lnRef idx="0">
+        <a:scrgbClr r="0" g="0" b="0"/>
+      </a:lnRef>
+      <a:fillRef idx="3">
+        <a:scrgbClr r="0" g="0" b="0"/>
+      </a:fillRef>
+      <a:effectRef idx="2">
+        <a:scrgbClr r="0" g="0" b="0"/>
+      </a:effectRef>
+      <a:fontRef idx="minor">
+        <a:schemeClr val="lt1"/>
+      </a:fontRef>
+    </dgm:style>
+  </dgm:styleLbl>
+  <dgm:styleLbl name="bgSibTrans2D1">
+    <dgm:scene3d>
+      <a:camera prst="orthographicFront"/>
+      <a:lightRig rig="threePt" dir="t"/>
+    </dgm:scene3d>
+    <dgm:sp3d/>
+    <dgm:txPr/>
+    <dgm:style>
+      <a:lnRef idx="0">
+        <a:scrgbClr r="0" g="0" b="0"/>
+      </a:lnRef>
+      <a:fillRef idx="3">
+        <a:scrgbClr r="0" g="0" b="0"/>
+      </a:fillRef>
+      <a:effectRef idx="2">
+        <a:scrgbClr r="0" g="0" b="0"/>
+      </a:effectRef>
+      <a:fontRef idx="minor">
+        <a:schemeClr val="lt1"/>
+      </a:fontRef>
+    </dgm:style>
+  </dgm:styleLbl>
+  <dgm:styleLbl name="sibTrans1D1">
+    <dgm:scene3d>
+      <a:camera prst="orthographicFront"/>
+      <a:lightRig rig="threePt" dir="t"/>
+    </dgm:scene3d>
+    <dgm:sp3d/>
+    <dgm:txPr/>
+    <dgm:style>
+      <a:lnRef idx="1">
+        <a:scrgbClr r="0" g="0" b="0"/>
+      </a:lnRef>
+      <a:fillRef idx="0">
+        <a:scrgbClr r="0" g="0" b="0"/>
+      </a:fillRef>
+      <a:effectRef idx="0">
+        <a:scrgbClr r="0" g="0" b="0"/>
+      </a:effectRef>
+      <a:fontRef idx="minor"/>
+    </dgm:style>
+  </dgm:styleLbl>
+  <dgm:styleLbl name="callout">
+    <dgm:scene3d>
+      <a:camera prst="orthographicFront"/>
+      <a:lightRig rig="threePt" dir="t"/>
+    </dgm:scene3d>
+    <dgm:sp3d/>
+    <dgm:txPr/>
+    <dgm:style>
+      <a:lnRef idx="2">
+        <a:scrgbClr r="0" g="0" b="0"/>
+      </a:lnRef>
+      <a:fillRef idx="1">
+        <a:scrgbClr r="0" g="0" b="0"/>
+      </a:fillRef>
+      <a:effectRef idx="1">
+        <a:scrgbClr r="0" g="0" b="0"/>
+      </a:effectRef>
+      <a:fontRef idx="minor"/>
+    </dgm:style>
+  </dgm:styleLbl>
+  <dgm:styleLbl name="asst0">
+    <dgm:scene3d>
+      <a:camera prst="orthographicFront"/>
+      <a:lightRig rig="threePt" dir="t"/>
+    </dgm:scene3d>
+    <dgm:sp3d/>
+    <dgm:txPr/>
+    <dgm:style>
+      <a:lnRef idx="0">
+        <a:scrgbClr r="0" g="0" b="0"/>
+      </a:lnRef>
+      <a:fillRef idx="3">
+        <a:scrgbClr r="0" g="0" b="0"/>
+      </a:fillRef>
+      <a:effectRef idx="2">
+        <a:scrgbClr r="0" g="0" b="0"/>
+      </a:effectRef>
+      <a:fontRef idx="minor">
+        <a:schemeClr val="lt1"/>
+      </a:fontRef>
+    </dgm:style>
+  </dgm:styleLbl>
+  <dgm:styleLbl name="asst1">
+    <dgm:scene3d>
+      <a:camera prst="orthographicFront"/>
+      <a:lightRig rig="threePt" dir="t"/>
+    </dgm:scene3d>
+    <dgm:sp3d/>
+    <dgm:txPr/>
+    <dgm:style>
+      <a:lnRef idx="0">
+        <a:scrgbClr r="0" g="0" b="0"/>
+      </a:lnRef>
+      <a:fillRef idx="3">
+        <a:scrgbClr r="0" g="0" b="0"/>
+      </a:fillRef>
+      <a:effectRef idx="2">
+        <a:scrgbClr r="0" g="0" b="0"/>
+      </a:effectRef>
+      <a:fontRef idx="minor">
+        <a:schemeClr val="lt1"/>
+      </a:fontRef>
+    </dgm:style>
+  </dgm:styleLbl>
+  <dgm:styleLbl name="asst2">
+    <dgm:scene3d>
+      <a:camera prst="orthographicFront"/>
+      <a:lightRig rig="threePt" dir="t"/>
+    </dgm:scene3d>
+    <dgm:sp3d/>
+    <dgm:txPr/>
+    <dgm:style>
+      <a:lnRef idx="0">
+        <a:scrgbClr r="0" g="0" b="0"/>
+      </a:lnRef>
+      <a:fillRef idx="3">
+        <a:scrgbClr r="0" g="0" b="0"/>
+      </a:fillRef>
+      <a:effectRef idx="2">
+        <a:scrgbClr r="0" g="0" b="0"/>
+      </a:effectRef>
+      <a:fontRef idx="minor">
+        <a:schemeClr val="lt1"/>
+      </a:fontRef>
+    </dgm:style>
+  </dgm:styleLbl>
+  <dgm:styleLbl name="asst3">
+    <dgm:scene3d>
+      <a:camera prst="orthographicFront"/>
+      <a:lightRig rig="threePt" dir="t"/>
+    </dgm:scene3d>
+    <dgm:sp3d/>
+    <dgm:txPr/>
+    <dgm:style>
+      <a:lnRef idx="0">
+        <a:scrgbClr r="0" g="0" b="0"/>
+      </a:lnRef>
+      <a:fillRef idx="3">
+        <a:scrgbClr r="0" g="0" b="0"/>
+      </a:fillRef>
+      <a:effectRef idx="2">
+        <a:scrgbClr r="0" g="0" b="0"/>
+      </a:effectRef>
+      <a:fontRef idx="minor">
+        <a:schemeClr val="lt1"/>
+      </a:fontRef>
+    </dgm:style>
+  </dgm:styleLbl>
+  <dgm:styleLbl name="asst4">
+    <dgm:scene3d>
+      <a:camera prst="orthographicFront"/>
+      <a:lightRig rig="threePt" dir="t"/>
+    </dgm:scene3d>
+    <dgm:sp3d/>
+    <dgm:txPr/>
+    <dgm:style>
+      <a:lnRef idx="0">
+        <a:scrgbClr r="0" g="0" b="0"/>
+      </a:lnRef>
+      <a:fillRef idx="3">
+        <a:scrgbClr r="0" g="0" b="0"/>
+      </a:fillRef>
+      <a:effectRef idx="2">
+        <a:scrgbClr r="0" g="0" b="0"/>
+      </a:effectRef>
+      <a:fontRef idx="minor">
+        <a:schemeClr val="lt1"/>
+      </a:fontRef>
+    </dgm:style>
+  </dgm:styleLbl>
+  <dgm:styleLbl name="parChTrans2D1">
+    <dgm:scene3d>
+      <a:camera prst="orthographicFront"/>
+      <a:lightRig rig="threePt" dir="t"/>
+    </dgm:scene3d>
+    <dgm:sp3d/>
+    <dgm:txPr/>
+    <dgm:style>
+      <a:lnRef idx="0">
+        <a:scrgbClr r="0" g="0" b="0"/>
+      </a:lnRef>
+      <a:fillRef idx="3">
+        <a:scrgbClr r="0" g="0" b="0"/>
+      </a:fillRef>
+      <a:effectRef idx="2">
+        <a:scrgbClr r="0" g="0" b="0"/>
+      </a:effectRef>
+      <a:fontRef idx="minor">
+        <a:schemeClr val="lt1"/>
+      </a:fontRef>
+    </dgm:style>
+  </dgm:styleLbl>
+  <dgm:styleLbl name="parChTrans2D2">
+    <dgm:scene3d>
+      <a:camera prst="orthographicFront"/>
+      <a:lightRig rig="threePt" dir="t"/>
+    </dgm:scene3d>
+    <dgm:sp3d/>
+    <dgm:txPr/>
+    <dgm:style>
+      <a:lnRef idx="0">
+        <a:scrgbClr r="0" g="0" b="0"/>
+      </a:lnRef>
+      <a:fillRef idx="3">
+        <a:scrgbClr r="0" g="0" b="0"/>
+      </a:fillRef>
+      <a:effectRef idx="2">
+        <a:scrgbClr r="0" g="0" b="0"/>
+      </a:effectRef>
+      <a:fontRef idx="minor">
+        <a:schemeClr val="lt1"/>
+      </a:fontRef>
+    </dgm:style>
+  </dgm:styleLbl>
+  <dgm:styleLbl name="parChTrans2D3">
+    <dgm:scene3d>
+      <a:camera prst="orthographicFront"/>
+      <a:lightRig rig="threePt" dir="t"/>
+    </dgm:scene3d>
+    <dgm:sp3d/>
+    <dgm:txPr/>
+    <dgm:style>
+      <a:lnRef idx="1">
+        <a:scrgbClr r="0" g="0" b="0"/>
+      </a:lnRef>
+      <a:fillRef idx="3">
+        <a:scrgbClr r="0" g="0" b="0"/>
+      </a:fillRef>
+      <a:effectRef idx="2">
+        <a:scrgbClr r="0" g="0" b="0"/>
+      </a:effectRef>
+      <a:fontRef idx="minor">
+        <a:schemeClr val="lt1"/>
+      </a:fontRef>
+    </dgm:style>
+  </dgm:styleLbl>
+  <dgm:styleLbl name="parChTrans2D4">
+    <dgm:scene3d>
+      <a:camera prst="orthographicFront"/>
+      <a:lightRig rig="threePt" dir="t"/>
+    </dgm:scene3d>
+    <dgm:sp3d/>
+    <dgm:txPr/>
+    <dgm:style>
+      <a:lnRef idx="1">
+        <a:scrgbClr r="0" g="0" b="0"/>
+      </a:lnRef>
+      <a:fillRef idx="3">
+        <a:scrgbClr r="0" g="0" b="0"/>
+      </a:fillRef>
+      <a:effectRef idx="2">
+        <a:scrgbClr r="0" g="0" b="0"/>
+      </a:effectRef>
+      <a:fontRef idx="minor">
+        <a:schemeClr val="lt1"/>
+      </a:fontRef>
+    </dgm:style>
+  </dgm:styleLbl>
+  <dgm:styleLbl name="parChTrans1D1">
+    <dgm:scene3d>
+      <a:camera prst="orthographicFront"/>
+      <a:lightRig rig="threePt" dir="t"/>
+    </dgm:scene3d>
+    <dgm:sp3d/>
+    <dgm:txPr/>
+    <dgm:style>
+      <a:lnRef idx="1">
+        <a:scrgbClr r="0" g="0" b="0"/>
+      </a:lnRef>
+      <a:fillRef idx="0">
+        <a:scrgbClr r="0" g="0" b="0"/>
+      </a:fillRef>
+      <a:effectRef idx="0">
+        <a:scrgbClr r="0" g="0" b="0"/>
+      </a:effectRef>
+      <a:fontRef idx="minor"/>
+    </dgm:style>
+  </dgm:styleLbl>
+  <dgm:styleLbl name="parChTrans1D2">
+    <dgm:scene3d>
+      <a:camera prst="orthographicFront"/>
+      <a:lightRig rig="threePt" dir="t"/>
+    </dgm:scene3d>
+    <dgm:sp3d/>
+    <dgm:txPr/>
+    <dgm:style>
+      <a:lnRef idx="1">
+        <a:scrgbClr r="0" g="0" b="0"/>
+      </a:lnRef>
+      <a:fillRef idx="0">
+        <a:scrgbClr r="0" g="0" b="0"/>
+      </a:fillRef>
+      <a:effectRef idx="0">
+        <a:scrgbClr r="0" g="0" b="0"/>
+      </a:effectRef>
+      <a:fontRef idx="minor"/>
+    </dgm:style>
+  </dgm:styleLbl>
+  <dgm:styleLbl name="parChTrans1D3">
+    <dgm:scene3d>
+      <a:camera prst="orthographicFront"/>
+      <a:lightRig rig="threePt" dir="t"/>
+    </dgm:scene3d>
+    <dgm:sp3d/>
+    <dgm:txPr/>
+    <dgm:style>
+      <a:lnRef idx="1">
+        <a:scrgbClr r="0" g="0" b="0"/>
+      </a:lnRef>
+      <a:fillRef idx="0">
+        <a:scrgbClr r="0" g="0" b="0"/>
+      </a:fillRef>
+      <a:effectRef idx="0">
+        <a:scrgbClr r="0" g="0" b="0"/>
+      </a:effectRef>
+      <a:fontRef idx="minor"/>
+    </dgm:style>
+  </dgm:styleLbl>
+  <dgm:styleLbl name="parChTrans1D4">
+    <dgm:scene3d>
+      <a:camera prst="orthographicFront"/>
+      <a:lightRig rig="threePt" dir="t"/>
+    </dgm:scene3d>
+    <dgm:sp3d/>
+    <dgm:txPr/>
+    <dgm:style>
+      <a:lnRef idx="1">
+        <a:scrgbClr r="0" g="0" b="0"/>
+      </a:lnRef>
+      <a:fillRef idx="0">
+        <a:scrgbClr r="0" g="0" b="0"/>
+      </a:fillRef>
+      <a:effectRef idx="0">
+        <a:scrgbClr r="0" g="0" b="0"/>
+      </a:effectRef>
+      <a:fontRef idx="minor"/>
+    </dgm:style>
+  </dgm:styleLbl>
+  <dgm:styleLbl name="fgAcc1">
+    <dgm:scene3d>
+      <a:camera prst="orthographicFront"/>
+      <a:lightRig rig="threePt" dir="t"/>
+    </dgm:scene3d>
+    <dgm:sp3d/>
+    <dgm:txPr/>
+    <dgm:style>
+      <a:lnRef idx="1">
+        <a:scrgbClr r="0" g="0" b="0"/>
+      </a:lnRef>
+      <a:fillRef idx="1">
+        <a:scrgbClr r="0" g="0" b="0"/>
+      </a:fillRef>
+      <a:effectRef idx="0">
+        <a:scrgbClr r="0" g="0" b="0"/>
+      </a:effectRef>
+      <a:fontRef idx="minor"/>
+    </dgm:style>
+  </dgm:styleLbl>
+  <dgm:styleLbl name="conFgAcc1">
+    <dgm:scene3d>
+      <a:camera prst="orthographicFront"/>
+      <a:lightRig rig="threePt" dir="t"/>
+    </dgm:scene3d>
+    <dgm:sp3d/>
+    <dgm:txPr/>
+    <dgm:style>
+      <a:lnRef idx="1">
+        <a:scrgbClr r="0" g="0" b="0"/>
+      </a:lnRef>
+      <a:fillRef idx="1">
+        <a:scrgbClr r="0" g="0" b="0"/>
+      </a:fillRef>
+      <a:effectRef idx="0">
+        <a:scrgbClr r="0" g="0" b="0"/>
+      </a:effectRef>
+      <a:fontRef idx="minor"/>
+    </dgm:style>
+  </dgm:styleLbl>
+  <dgm:styleLbl name="alignAcc1">
+    <dgm:scene3d>
+      <a:camera prst="orthographicFront"/>
+      <a:lightRig rig="threePt" dir="t"/>
+    </dgm:scene3d>
+    <dgm:sp3d/>
+    <dgm:txPr/>
+    <dgm:style>
+      <a:lnRef idx="1">
+        <a:scrgbClr r="0" g="0" b="0"/>
+      </a:lnRef>
+      <a:fillRef idx="1">
+        <a:scrgbClr r="0" g="0" b="0"/>
+      </a:fillRef>
+      <a:effectRef idx="0">
+        <a:scrgbClr r="0" g="0" b="0"/>
+      </a:effectRef>
+      <a:fontRef idx="minor"/>
+    </dgm:style>
+  </dgm:styleLbl>
+  <dgm:styleLbl name="trAlignAcc1">
+    <dgm:scene3d>
+      <a:camera prst="orthographicFront"/>
+      <a:lightRig rig="threePt" dir="t"/>
+    </dgm:scene3d>
+    <dgm:sp3d/>
+    <dgm:txPr/>
+    <dgm:style>
+      <a:lnRef idx="1">
+        <a:scrgbClr r="0" g="0" b="0"/>
+      </a:lnRef>
+      <a:fillRef idx="1">
+        <a:scrgbClr r="0" g="0" b="0"/>
+      </a:fillRef>
+      <a:effectRef idx="0">
+        <a:scrgbClr r="0" g="0" b="0"/>
+      </a:effectRef>
+      <a:fontRef idx="minor"/>
+    </dgm:style>
+  </dgm:styleLbl>
+  <dgm:styleLbl name="bgAcc1">
+    <dgm:scene3d>
+      <a:camera prst="orthographicFront"/>
+      <a:lightRig rig="threePt" dir="t"/>
+    </dgm:scene3d>
+    <dgm:sp3d/>
+    <dgm:txPr/>
+    <dgm:style>
+      <a:lnRef idx="1">
+        <a:scrgbClr r="0" g="0" b="0"/>
+      </a:lnRef>
+      <a:fillRef idx="1">
+        <a:scrgbClr r="0" g="0" b="0"/>
+      </a:fillRef>
+      <a:effectRef idx="0">
+        <a:scrgbClr r="0" g="0" b="0"/>
+      </a:effectRef>
+      <a:fontRef idx="minor"/>
+    </dgm:style>
+  </dgm:styleLbl>
+  <dgm:styleLbl name="solidFgAcc1">
+    <dgm:scene3d>
+      <a:camera prst="orthographicFront"/>
+      <a:lightRig rig="threePt" dir="t"/>
+    </dgm:scene3d>
+    <dgm:sp3d/>
+    <dgm:txPr/>
+    <dgm:style>
+      <a:lnRef idx="1">
+        <a:scrgbClr r="0" g="0" b="0"/>
+      </a:lnRef>
+      <a:fillRef idx="1">
+        <a:scrgbClr r="0" g="0" b="0"/>
+      </a:fillRef>
+      <a:effectRef idx="0">
+        <a:scrgbClr r="0" g="0" b="0"/>
+      </a:effectRef>
+      <a:fontRef idx="minor"/>
+    </dgm:style>
+  </dgm:styleLbl>
+  <dgm:styleLbl name="solidAlignAcc1">
+    <dgm:scene3d>
+      <a:camera prst="orthographicFront"/>
+      <a:lightRig rig="threePt" dir="t"/>
+    </dgm:scene3d>
+    <dgm:sp3d/>
+    <dgm:txPr/>
+    <dgm:style>
+      <a:lnRef idx="1">
+        <a:scrgbClr r="0" g="0" b="0"/>
+      </a:lnRef>
+      <a:fillRef idx="1">
+        <a:scrgbClr r="0" g="0" b="0"/>
+      </a:fillRef>
+      <a:effectRef idx="0">
+        <a:scrgbClr r="0" g="0" b="0"/>
+      </a:effectRef>
+      <a:fontRef idx="minor"/>
+    </dgm:style>
+  </dgm:styleLbl>
+  <dgm:styleLbl name="solidBgAcc1">
+    <dgm:scene3d>
+      <a:camera prst="orthographicFront"/>
+      <a:lightRig rig="threePt" dir="t"/>
+    </dgm:scene3d>
+    <dgm:sp3d/>
+    <dgm:txPr/>
+    <dgm:style>
+      <a:lnRef idx="1">
+        <a:scrgbClr r="0" g="0" b="0"/>
+      </a:lnRef>
+      <a:fillRef idx="1">
+        <a:scrgbClr r="0" g="0" b="0"/>
+      </a:fillRef>
+      <a:effectRef idx="0">
+        <a:scrgbClr r="0" g="0" b="0"/>
+      </a:effectRef>
+      <a:fontRef idx="minor"/>
+    </dgm:style>
+  </dgm:styleLbl>
+  <dgm:styleLbl name="fgAccFollowNode1">
+    <dgm:scene3d>
+      <a:camera prst="orthographicFront"/>
+      <a:lightRig rig="threePt" dir="t"/>
+    </dgm:scene3d>
+    <dgm:sp3d/>
+    <dgm:txPr/>
+    <dgm:style>
+      <a:lnRef idx="1">
+        <a:scrgbClr r="0" g="0" b="0"/>
+      </a:lnRef>
+      <a:fillRef idx="1">
+        <a:scrgbClr r="0" g="0" b="0"/>
+      </a:fillRef>
+      <a:effectRef idx="0">
+        <a:scrgbClr r="0" g="0" b="0"/>
+      </a:effectRef>
+      <a:fontRef idx="minor"/>
+    </dgm:style>
+  </dgm:styleLbl>
+  <dgm:styleLbl name="alignAccFollowNode1">
+    <dgm:scene3d>
+      <a:camera prst="orthographicFront"/>
+      <a:lightRig rig="threePt" dir="t"/>
+    </dgm:scene3d>
+    <dgm:sp3d/>
+    <dgm:txPr/>
+    <dgm:style>
+      <a:lnRef idx="1">
+        <a:scrgbClr r="0" g="0" b="0"/>
+      </a:lnRef>
+      <a:fillRef idx="1">
+        <a:scrgbClr r="0" g="0" b="0"/>
+      </a:fillRef>
+      <a:effectRef idx="0">
+        <a:scrgbClr r="0" g="0" b="0"/>
+      </a:effectRef>
+      <a:fontRef idx="minor"/>
+    </dgm:style>
+  </dgm:styleLbl>
+  <dgm:styleLbl name="bgAccFollowNode1">
+    <dgm:scene3d>
+      <a:camera prst="orthographicFront"/>
+      <a:lightRig rig="threePt" dir="t"/>
+    </dgm:scene3d>
+    <dgm:sp3d/>
+    <dgm:txPr/>
+    <dgm:style>
+      <a:lnRef idx="1">
+        <a:scrgbClr r="0" g="0" b="0"/>
+      </a:lnRef>
+      <a:fillRef idx="1">
+        <a:scrgbClr r="0" g="0" b="0"/>
+      </a:fillRef>
+      <a:effectRef idx="0">
+        <a:scrgbClr r="0" g="0" b="0"/>
+      </a:effectRef>
+      <a:fontRef idx="minor"/>
+    </dgm:style>
+  </dgm:styleLbl>
+  <dgm:styleLbl name="fgAcc0">
+    <dgm:scene3d>
+      <a:camera prst="orthographicFront"/>
+      <a:lightRig rig="threePt" dir="t"/>
+    </dgm:scene3d>
+    <dgm:sp3d/>
+    <dgm:txPr/>
+    <dgm:style>
+      <a:lnRef idx="1">
+        <a:scrgbClr r="0" g="0" b="0"/>
+      </a:lnRef>
+      <a:fillRef idx="1">
+        <a:scrgbClr r="0" g="0" b="0"/>
+      </a:fillRef>
+      <a:effectRef idx="0">
+        <a:scrgbClr r="0" g="0" b="0"/>
+      </a:effectRef>
+      <a:fontRef idx="minor"/>
+    </dgm:style>
+  </dgm:styleLbl>
+  <dgm:styleLbl name="fgAcc2">
+    <dgm:scene3d>
+      <a:camera prst="orthographicFront"/>
+      <a:lightRig rig="threePt" dir="t"/>
+    </dgm:scene3d>
+    <dgm:sp3d/>
+    <dgm:txPr/>
+    <dgm:style>
+      <a:lnRef idx="1">
+        <a:scrgbClr r="0" g="0" b="0"/>
+      </a:lnRef>
+      <a:fillRef idx="1">
+        <a:scrgbClr r="0" g="0" b="0"/>
+      </a:fillRef>
+      <a:effectRef idx="0">
+        <a:scrgbClr r="0" g="0" b="0"/>
+      </a:effectRef>
+      <a:fontRef idx="minor"/>
+    </dgm:style>
+  </dgm:styleLbl>
+  <dgm:styleLbl name="fgAcc3">
+    <dgm:scene3d>
+      <a:camera prst="orthographicFront"/>
+      <a:lightRig rig="threePt" dir="t"/>
+    </dgm:scene3d>
+    <dgm:sp3d/>
+    <dgm:txPr/>
+    <dgm:style>
+      <a:lnRef idx="1">
+        <a:scrgbClr r="0" g="0" b="0"/>
+      </a:lnRef>
+      <a:fillRef idx="1">
+        <a:scrgbClr r="0" g="0" b="0"/>
+      </a:fillRef>
+      <a:effectRef idx="0">
+        <a:scrgbClr r="0" g="0" b="0"/>
+      </a:effectRef>
+      <a:fontRef idx="minor"/>
+    </dgm:style>
+  </dgm:styleLbl>
+  <dgm:styleLbl name="fgAcc4">
+    <dgm:scene3d>
+      <a:camera prst="orthographicFront"/>
+      <a:lightRig rig="threePt" dir="t"/>
+    </dgm:scene3d>
+    <dgm:sp3d/>
+    <dgm:txPr/>
+    <dgm:style>
+      <a:lnRef idx="1">
+        <a:scrgbClr r="0" g="0" b="0"/>
+      </a:lnRef>
+      <a:fillRef idx="1">
+        <a:scrgbClr r="0" g="0" b="0"/>
+      </a:fillRef>
+      <a:effectRef idx="0">
+        <a:scrgbClr r="0" g="0" b="0"/>
+      </a:effectRef>
+      <a:fontRef idx="minor"/>
+    </dgm:style>
+  </dgm:styleLbl>
+  <dgm:styleLbl name="bgShp">
+    <dgm:scene3d>
+      <a:camera prst="orthographicFront"/>
+      <a:lightRig rig="threePt" dir="t"/>
+    </dgm:scene3d>
+    <dgm:sp3d/>
+    <dgm:txPr/>
+    <dgm:style>
+      <a:lnRef idx="0">
+        <a:scrgbClr r="0" g="0" b="0"/>
+      </a:lnRef>
+      <a:fillRef idx="1">
+        <a:scrgbClr r="0" g="0" b="0"/>
+      </a:fillRef>
+      <a:effectRef idx="2">
+        <a:scrgbClr r="0" g="0" b="0"/>
+      </a:effectRef>
+      <a:fontRef idx="minor"/>
+    </dgm:style>
+  </dgm:styleLbl>
+  <dgm:styleLbl name="dkBgShp">
+    <dgm:scene3d>
+      <a:camera prst="orthographicFront"/>
+      <a:lightRig rig="threePt" dir="t"/>
+    </dgm:scene3d>
+    <dgm:sp3d/>
+    <dgm:txPr/>
+    <dgm:style>
+      <a:lnRef idx="0">
+        <a:scrgbClr r="0" g="0" b="0"/>
+      </a:lnRef>
+      <a:fillRef idx="1">
+        <a:scrgbClr r="0" g="0" b="0"/>
+      </a:fillRef>
+      <a:effectRef idx="2">
+        <a:scrgbClr r="0" g="0" b="0"/>
+      </a:effectRef>
+      <a:fontRef idx="minor"/>
+    </dgm:style>
+  </dgm:styleLbl>
+  <dgm:styleLbl name="trBgShp">
+    <dgm:scene3d>
+      <a:camera prst="orthographicFront"/>
+      <a:lightRig rig="threePt" dir="t"/>
+    </dgm:scene3d>
+    <dgm:sp3d/>
+    <dgm:txPr/>
+    <dgm:style>
+      <a:lnRef idx="0">
+        <a:scrgbClr r="0" g="0" b="0"/>
+      </a:lnRef>
+      <a:fillRef idx="1">
+        <a:scrgbClr r="0" g="0" b="0"/>
+      </a:fillRef>
+      <a:effectRef idx="0">
+        <a:scrgbClr r="0" g="0" b="0"/>
+      </a:effectRef>
+      <a:fontRef idx="minor"/>
+    </dgm:style>
+  </dgm:styleLbl>
+  <dgm:styleLbl name="fgShp">
+    <dgm:scene3d>
+      <a:camera prst="orthographicFront"/>
+      <a:lightRig rig="threePt" dir="t"/>
+    </dgm:scene3d>
+    <dgm:sp3d/>
+    <dgm:txPr/>
+    <dgm:style>
+      <a:lnRef idx="0">
+        <a:scrgbClr r="0" g="0" b="0"/>
+      </a:lnRef>
+      <a:fillRef idx="3">
+        <a:scrgbClr r="0" g="0" b="0"/>
+      </a:fillRef>
+      <a:effectRef idx="2">
+        <a:scrgbClr r="0" g="0" b="0"/>
+      </a:effectRef>
+      <a:fontRef idx="minor"/>
+    </dgm:style>
+  </dgm:styleLbl>
+  <dgm:styleLbl name="revTx">
+    <dgm:scene3d>
+      <a:camera prst="orthographicFront"/>
+      <a:lightRig rig="threePt" dir="t"/>
+    </dgm:scene3d>
+    <dgm:sp3d/>
+    <dgm:txPr/>
+    <dgm:style>
+      <a:lnRef idx="0">
+        <a:scrgbClr r="0" g="0" b="0"/>
+      </a:lnRef>
+      <a:fillRef idx="0">
+        <a:scrgbClr r="0" g="0" b="0"/>
+      </a:fillRef>
+      <a:effectRef idx="0">
+        <a:scrgbClr r="0" g="0" b="0"/>
+      </a:effectRef>
+      <a:fontRef idx="minor"/>
+    </dgm:style>
+  </dgm:styleLbl>
+</dgm:styleDef>
 </file>
 
 <file path=ppt/handoutMasters/handoutMaster1.xml><?xml version="1.0" encoding="utf-8"?>
@@ -13981,6 +16135,139 @@
       </p:par>
     </p:tnLst>
   </p:timing>
+</p:sld>
+</file>
+
+<file path=ppt/slides/slide9.xml><?xml version="1.0" encoding="utf-8"?>
+<p:sld xmlns:a="http://schemas.openxmlformats.org/drawingml/2006/main" xmlns:r="http://schemas.openxmlformats.org/officeDocument/2006/relationships" xmlns:p="http://schemas.openxmlformats.org/presentationml/2006/main">
+  <p:cSld>
+    <p:spTree>
+      <p:nvGrpSpPr>
+        <p:cNvPr id="1" name=""/>
+        <p:cNvGrpSpPr/>
+        <p:nvPr/>
+      </p:nvGrpSpPr>
+      <p:grpSpPr>
+        <a:xfrm>
+          <a:off x="0" y="0"/>
+          <a:ext cx="0" cy="0"/>
+          <a:chOff x="0" y="0"/>
+          <a:chExt cx="0" cy="0"/>
+        </a:xfrm>
+      </p:grpSpPr>
+      <p:sp>
+        <p:nvSpPr>
+          <p:cNvPr id="2" name="Titel 1"/>
+          <p:cNvSpPr>
+            <a:spLocks noGrp="1"/>
+          </p:cNvSpPr>
+          <p:nvPr>
+            <p:ph type="title"/>
+          </p:nvPr>
+        </p:nvSpPr>
+        <p:spPr/>
+        <p:txBody>
+          <a:bodyPr/>
+          <a:lstStyle/>
+          <a:p>
+            <a:endParaRPr lang="de-DE"/>
+          </a:p>
+        </p:txBody>
+      </p:sp>
+      <p:graphicFrame>
+        <p:nvGraphicFramePr>
+          <p:cNvPr id="5" name="Inhaltsplatzhalter 4"/>
+          <p:cNvGraphicFramePr>
+            <a:graphicFrameLocks noGrp="1"/>
+          </p:cNvGraphicFramePr>
+          <p:nvPr>
+            <p:ph idx="1"/>
+            <p:extLst>
+              <p:ext uri="{D42A27DB-BD31-4B8C-83A1-F6EECF244321}">
+                <p14:modId xmlns:p14="http://schemas.microsoft.com/office/powerpoint/2010/main" val="2011242800"/>
+              </p:ext>
+            </p:extLst>
+          </p:nvPr>
+        </p:nvGraphicFramePr>
+        <p:xfrm>
+          <a:off x="719138" y="1773238"/>
+          <a:ext cx="7705725" cy="4352925"/>
+        </p:xfrm>
+        <a:graphic>
+          <a:graphicData uri="http://schemas.openxmlformats.org/drawingml/2006/diagram">
+            <dgm:relIds xmlns:dgm="http://schemas.openxmlformats.org/drawingml/2006/diagram" xmlns:r="http://schemas.openxmlformats.org/officeDocument/2006/relationships" r:dm="rId2" r:lo="rId3" r:qs="rId4" r:cs="rId5"/>
+          </a:graphicData>
+        </a:graphic>
+      </p:graphicFrame>
+      <p:sp>
+        <p:nvSpPr>
+          <p:cNvPr id="4" name="Foliennummernplatzhalter 3"/>
+          <p:cNvSpPr>
+            <a:spLocks noGrp="1"/>
+          </p:cNvSpPr>
+          <p:nvPr>
+            <p:ph type="sldNum" sz="quarter" idx="10"/>
+          </p:nvPr>
+        </p:nvSpPr>
+        <p:spPr/>
+        <p:txBody>
+          <a:bodyPr/>
+          <a:lstStyle/>
+          <a:p>
+            <a:pPr>
+              <a:tabLst>
+                <a:tab pos="3859213" algn="ctr"/>
+                <a:tab pos="7702550" algn="r"/>
+              </a:tabLst>
+            </a:pPr>
+            <a:r>
+              <a:rPr lang="de-DE" smtClean="0">
+                <a:solidFill>
+                  <a:srgbClr val="333333"/>
+                </a:solidFill>
+              </a:rPr>
+              <a:t>Eva Prinz 	</a:t>
+            </a:r>
+            <a:fld id="{763E18E1-9D97-449A-A3BE-F8CA69233294}" type="slidenum">
+              <a:rPr lang="de-DE" smtClean="0">
+                <a:solidFill>
+                  <a:srgbClr val="333333"/>
+                </a:solidFill>
+              </a:rPr>
+              <a:pPr>
+                <a:tabLst>
+                  <a:tab pos="3859213" algn="ctr"/>
+                  <a:tab pos="7702550" algn="r"/>
+                </a:tabLst>
+              </a:pPr>
+              <a:t>9</a:t>
+            </a:fld>
+            <a:r>
+              <a:rPr lang="de-DE" smtClean="0">
+                <a:solidFill>
+                  <a:srgbClr val="333333"/>
+                </a:solidFill>
+              </a:rPr>
+              <a:t> 	© 2010 Universität Tübingen</a:t>
+            </a:r>
+            <a:endParaRPr lang="de-DE" dirty="0">
+              <a:solidFill>
+                <a:srgbClr val="333333"/>
+              </a:solidFill>
+            </a:endParaRPr>
+          </a:p>
+        </p:txBody>
+      </p:sp>
+    </p:spTree>
+    <p:extLst>
+      <p:ext uri="{BB962C8B-B14F-4D97-AF65-F5344CB8AC3E}">
+        <p14:creationId xmlns:p14="http://schemas.microsoft.com/office/powerpoint/2010/main" val="1554826954"/>
+      </p:ext>
+    </p:extLst>
+  </p:cSld>
+  <p:clrMapOvr>
+    <a:masterClrMapping/>
+  </p:clrMapOvr>
 </p:sld>
 </file>
 
